--- a/documentation/presentations/Google Play Store - Prajit.pptx
+++ b/documentation/presentations/Google Play Store - Prajit.pptx
@@ -11,6 +11,7 @@
     <p:sldId id="260" r:id="rId5"/>
     <p:sldId id="257" r:id="rId6"/>
     <p:sldId id="261" r:id="rId7"/>
+    <p:sldId id="262" r:id="rId8"/>
   </p:sldIdLst>
   <p:sldSz cx="12192000" cy="6858000"/>
   <p:notesSz cx="6858000" cy="9144000"/>
@@ -109,6 +110,11 @@
       </a:defRPr>
     </a:lvl9pPr>
   </p:defaultTextStyle>
+  <p:extLst>
+    <p:ext uri="{EFAFB233-063F-42B5-8137-9DF3F51BA10A}">
+      <p15:sldGuideLst xmlns:p15="http://schemas.microsoft.com/office/powerpoint/2012/main"/>
+    </p:ext>
+  </p:extLst>
 </p:presentation>
 </file>
 
@@ -338,7 +344,7 @@
           <a:p>
             <a:fld id="{55A6DA04-FF8F-485B-BDEC-A517C9D588C6}" type="datetimeFigureOut">
               <a:rPr lang="en-US" smtClean="0"/>
-              <a:t>7/6/2015</a:t>
+              <a:t>7/31/2015</a:t>
             </a:fld>
             <a:endParaRPr lang="en-US"/>
           </a:p>
@@ -546,7 +552,7 @@
           <a:p>
             <a:fld id="{55A6DA04-FF8F-485B-BDEC-A517C9D588C6}" type="datetimeFigureOut">
               <a:rPr lang="en-US" smtClean="0"/>
-              <a:t>7/6/2015</a:t>
+              <a:t>7/31/2015</a:t>
             </a:fld>
             <a:endParaRPr lang="en-US"/>
           </a:p>
@@ -802,7 +808,7 @@
           <a:p>
             <a:fld id="{55A6DA04-FF8F-485B-BDEC-A517C9D588C6}" type="datetimeFigureOut">
               <a:rPr lang="en-US" smtClean="0"/>
-              <a:t>7/6/2015</a:t>
+              <a:t>7/31/2015</a:t>
             </a:fld>
             <a:endParaRPr lang="en-US"/>
           </a:p>
@@ -972,7 +978,7 @@
           <a:p>
             <a:fld id="{55A6DA04-FF8F-485B-BDEC-A517C9D588C6}" type="datetimeFigureOut">
               <a:rPr lang="en-US" smtClean="0"/>
-              <a:t>7/6/2015</a:t>
+              <a:t>7/31/2015</a:t>
             </a:fld>
             <a:endParaRPr lang="en-US"/>
           </a:p>
@@ -1315,7 +1321,7 @@
           <a:p>
             <a:fld id="{55A6DA04-FF8F-485B-BDEC-A517C9D588C6}" type="datetimeFigureOut">
               <a:rPr lang="en-US" smtClean="0"/>
-              <a:t>7/6/2015</a:t>
+              <a:t>7/31/2015</a:t>
             </a:fld>
             <a:endParaRPr lang="en-US"/>
           </a:p>
@@ -1590,7 +1596,7 @@
           <a:p>
             <a:fld id="{55A6DA04-FF8F-485B-BDEC-A517C9D588C6}" type="datetimeFigureOut">
               <a:rPr lang="en-US" smtClean="0"/>
-              <a:t>7/6/2015</a:t>
+              <a:t>7/31/2015</a:t>
             </a:fld>
             <a:endParaRPr lang="en-US"/>
           </a:p>
@@ -1969,7 +1975,7 @@
           <a:p>
             <a:fld id="{55A6DA04-FF8F-485B-BDEC-A517C9D588C6}" type="datetimeFigureOut">
               <a:rPr lang="en-US" smtClean="0"/>
-              <a:t>7/6/2015</a:t>
+              <a:t>7/31/2015</a:t>
             </a:fld>
             <a:endParaRPr lang="en-US"/>
           </a:p>
@@ -2087,7 +2093,7 @@
           <a:p>
             <a:fld id="{55A6DA04-FF8F-485B-BDEC-A517C9D588C6}" type="datetimeFigureOut">
               <a:rPr lang="en-US" smtClean="0"/>
-              <a:t>7/6/2015</a:t>
+              <a:t>7/31/2015</a:t>
             </a:fld>
             <a:endParaRPr lang="en-US"/>
           </a:p>
@@ -2258,7 +2264,7 @@
           <a:p>
             <a:fld id="{55A6DA04-FF8F-485B-BDEC-A517C9D588C6}" type="datetimeFigureOut">
               <a:rPr lang="en-US" smtClean="0"/>
-              <a:t>7/6/2015</a:t>
+              <a:t>7/31/2015</a:t>
             </a:fld>
             <a:endParaRPr lang="en-US"/>
           </a:p>
@@ -2612,7 +2618,7 @@
           <a:p>
             <a:fld id="{55A6DA04-FF8F-485B-BDEC-A517C9D588C6}" type="datetimeFigureOut">
               <a:rPr lang="en-US" smtClean="0"/>
-              <a:t>7/6/2015</a:t>
+              <a:t>7/31/2015</a:t>
             </a:fld>
             <a:endParaRPr lang="en-US"/>
           </a:p>
@@ -2989,7 +2995,7 @@
           <a:p>
             <a:fld id="{55A6DA04-FF8F-485B-BDEC-A517C9D588C6}" type="datetimeFigureOut">
               <a:rPr lang="en-US" smtClean="0"/>
-              <a:t>7/6/2015</a:t>
+              <a:t>7/31/2015</a:t>
             </a:fld>
             <a:endParaRPr lang="en-US"/>
           </a:p>
@@ -3276,7 +3282,7 @@
           <a:p>
             <a:fld id="{55A6DA04-FF8F-485B-BDEC-A517C9D588C6}" type="datetimeFigureOut">
               <a:rPr lang="en-US" smtClean="0"/>
-              <a:t>7/6/2015</a:t>
+              <a:t>7/31/2015</a:t>
             </a:fld>
             <a:endParaRPr lang="en-US"/>
           </a:p>
@@ -3819,11 +3825,7 @@
           <a:p>
             <a:r>
               <a:rPr lang="en-US" dirty="0" smtClean="0"/>
-              <a:t>Google Play Store: </a:t>
-            </a:r>
-            <a:r>
-              <a:rPr lang="en-US" dirty="0" smtClean="0"/>
-              <a:t>App Permission Analytics</a:t>
+              <a:t>Google Play Store: App Permission Analytics</a:t>
             </a:r>
             <a:endParaRPr lang="en-US" dirty="0"/>
           </a:p>
@@ -6251,8 +6253,8 @@
         </p:blipFill>
         <p:spPr>
           <a:xfrm>
-            <a:off x="235630" y="1805803"/>
-            <a:ext cx="7872590" cy="4433156"/>
+            <a:off x="235630" y="1965034"/>
+            <a:ext cx="7872590" cy="4114694"/>
           </a:xfrm>
         </p:spPr>
       </p:pic>
@@ -7819,6 +7821,88 @@
       </p:par>
     </p:tnLst>
   </p:timing>
+</p:sld>
+</file>
+
+<file path=ppt/slides/slide7.xml><?xml version="1.0" encoding="utf-8"?>
+<p:sld xmlns:a="http://schemas.openxmlformats.org/drawingml/2006/main" xmlns:r="http://schemas.openxmlformats.org/officeDocument/2006/relationships" xmlns:p="http://schemas.openxmlformats.org/presentationml/2006/main">
+  <p:cSld>
+    <p:spTree>
+      <p:nvGrpSpPr>
+        <p:cNvPr id="1" name=""/>
+        <p:cNvGrpSpPr/>
+        <p:nvPr/>
+      </p:nvGrpSpPr>
+      <p:grpSpPr>
+        <a:xfrm>
+          <a:off x="0" y="0"/>
+          <a:ext cx="0" cy="0"/>
+          <a:chOff x="0" y="0"/>
+          <a:chExt cx="0" cy="0"/>
+        </a:xfrm>
+      </p:grpSpPr>
+      <p:sp>
+        <p:nvSpPr>
+          <p:cNvPr id="2" name="Title 1"/>
+          <p:cNvSpPr>
+            <a:spLocks noGrp="1"/>
+          </p:cNvSpPr>
+          <p:nvPr>
+            <p:ph type="title"/>
+          </p:nvPr>
+        </p:nvSpPr>
+        <p:spPr/>
+        <p:txBody>
+          <a:bodyPr/>
+          <a:lstStyle/>
+          <a:p>
+            <a:r>
+              <a:rPr lang="en-US" dirty="0" smtClean="0"/>
+              <a:t>Cluster evaluation</a:t>
+            </a:r>
+            <a:endParaRPr lang="en-US" dirty="0"/>
+          </a:p>
+        </p:txBody>
+      </p:sp>
+      <p:pic>
+        <p:nvPicPr>
+          <p:cNvPr id="6" name="Content Placeholder 5"/>
+          <p:cNvPicPr>
+            <a:picLocks noGrp="1" noChangeAspect="1"/>
+          </p:cNvPicPr>
+          <p:nvPr>
+            <p:ph idx="1"/>
+          </p:nvPr>
+        </p:nvPicPr>
+        <p:blipFill>
+          <a:blip r:embed="rId2" cstate="print">
+            <a:extLst>
+              <a:ext uri="{28A0092B-C50C-407E-A947-70E740481C1C}">
+                <a14:useLocalDpi xmlns:a14="http://schemas.microsoft.com/office/drawing/2010/main" val="0"/>
+              </a:ext>
+            </a:extLst>
+          </a:blip>
+          <a:stretch>
+            <a:fillRect/>
+          </a:stretch>
+        </p:blipFill>
+        <p:spPr>
+          <a:xfrm>
+            <a:off x="1097280" y="1737360"/>
+            <a:ext cx="10058400" cy="4586154"/>
+          </a:xfrm>
+        </p:spPr>
+      </p:pic>
+    </p:spTree>
+    <p:extLst>
+      <p:ext uri="{BB962C8B-B14F-4D97-AF65-F5344CB8AC3E}">
+        <p14:creationId xmlns:p14="http://schemas.microsoft.com/office/powerpoint/2010/main" val="2587971355"/>
+      </p:ext>
+    </p:extLst>
+  </p:cSld>
+  <p:clrMapOvr>
+    <a:masterClrMapping/>
+  </p:clrMapOvr>
 </p:sld>
 </file>
 

--- a/documentation/presentations/Google Play Store - Prajit.pptx
+++ b/documentation/presentations/Google Play Store - Prajit.pptx
@@ -12,6 +12,8 @@
     <p:sldId id="257" r:id="rId6"/>
     <p:sldId id="261" r:id="rId7"/>
     <p:sldId id="262" r:id="rId8"/>
+    <p:sldId id="263" r:id="rId9"/>
+    <p:sldId id="264" r:id="rId10"/>
   </p:sldIdLst>
   <p:sldSz cx="12192000" cy="6858000"/>
   <p:notesSz cx="6858000" cy="9144000"/>
@@ -7864,6 +7866,97 @@
           </a:p>
         </p:txBody>
       </p:sp>
+      <p:sp>
+        <p:nvSpPr>
+          <p:cNvPr id="3" name="Content Placeholder 2"/>
+          <p:cNvSpPr>
+            <a:spLocks noGrp="1"/>
+          </p:cNvSpPr>
+          <p:nvPr>
+            <p:ph idx="1"/>
+          </p:nvPr>
+        </p:nvSpPr>
+        <p:spPr/>
+        <p:txBody>
+          <a:bodyPr/>
+          <a:lstStyle/>
+          <a:p>
+            <a:r>
+              <a:rPr lang="en-US" dirty="0" smtClean="0"/>
+              <a:t>Homogeneity Score: </a:t>
+            </a:r>
+            <a:r>
+              <a:rPr lang="en-US" dirty="0"/>
+              <a:t>A clustering result satisfies homogeneity if all of its clusters contain only data points which are members of a single class.</a:t>
+            </a:r>
+            <a:endParaRPr lang="en-US" dirty="0" smtClean="0"/>
+          </a:p>
+          <a:p>
+            <a:r>
+              <a:rPr lang="en-US" dirty="0" smtClean="0"/>
+              <a:t>Completeness Score: </a:t>
+            </a:r>
+            <a:r>
+              <a:rPr lang="en-US" dirty="0"/>
+              <a:t>A clustering result satisfies completeness if all the data points that are members of a given class are elements of the same cluster.</a:t>
+            </a:r>
+            <a:endParaRPr lang="en-US" dirty="0"/>
+          </a:p>
+        </p:txBody>
+      </p:sp>
+    </p:spTree>
+    <p:extLst>
+      <p:ext uri="{BB962C8B-B14F-4D97-AF65-F5344CB8AC3E}">
+        <p14:creationId xmlns:p14="http://schemas.microsoft.com/office/powerpoint/2010/main" val="2587971355"/>
+      </p:ext>
+    </p:extLst>
+  </p:cSld>
+  <p:clrMapOvr>
+    <a:masterClrMapping/>
+  </p:clrMapOvr>
+</p:sld>
+</file>
+
+<file path=ppt/slides/slide8.xml><?xml version="1.0" encoding="utf-8"?>
+<p:sld xmlns:a="http://schemas.openxmlformats.org/drawingml/2006/main" xmlns:r="http://schemas.openxmlformats.org/officeDocument/2006/relationships" xmlns:p="http://schemas.openxmlformats.org/presentationml/2006/main">
+  <p:cSld>
+    <p:spTree>
+      <p:nvGrpSpPr>
+        <p:cNvPr id="1" name=""/>
+        <p:cNvGrpSpPr/>
+        <p:nvPr/>
+      </p:nvGrpSpPr>
+      <p:grpSpPr>
+        <a:xfrm>
+          <a:off x="0" y="0"/>
+          <a:ext cx="0" cy="0"/>
+          <a:chOff x="0" y="0"/>
+          <a:chExt cx="0" cy="0"/>
+        </a:xfrm>
+      </p:grpSpPr>
+      <p:sp>
+        <p:nvSpPr>
+          <p:cNvPr id="2" name="Title 1"/>
+          <p:cNvSpPr>
+            <a:spLocks noGrp="1"/>
+          </p:cNvSpPr>
+          <p:nvPr>
+            <p:ph type="title"/>
+          </p:nvPr>
+        </p:nvSpPr>
+        <p:spPr/>
+        <p:txBody>
+          <a:bodyPr/>
+          <a:lstStyle/>
+          <a:p>
+            <a:r>
+              <a:rPr lang="en-US" dirty="0" smtClean="0"/>
+              <a:t>Cluster evaluation</a:t>
+            </a:r>
+            <a:endParaRPr lang="en-US" dirty="0"/>
+          </a:p>
+        </p:txBody>
+      </p:sp>
       <p:pic>
         <p:nvPicPr>
           <p:cNvPr id="6" name="Content Placeholder 5"/>
@@ -7896,7 +7989,803 @@
     </p:spTree>
     <p:extLst>
       <p:ext uri="{BB962C8B-B14F-4D97-AF65-F5344CB8AC3E}">
-        <p14:creationId xmlns:p14="http://schemas.microsoft.com/office/powerpoint/2010/main" val="2587971355"/>
+        <p14:creationId xmlns:p14="http://schemas.microsoft.com/office/powerpoint/2010/main" val="498142871"/>
+      </p:ext>
+    </p:extLst>
+  </p:cSld>
+  <p:clrMapOvr>
+    <a:masterClrMapping/>
+  </p:clrMapOvr>
+</p:sld>
+</file>
+
+<file path=ppt/slides/slide9.xml><?xml version="1.0" encoding="utf-8"?>
+<p:sld xmlns:a="http://schemas.openxmlformats.org/drawingml/2006/main" xmlns:r="http://schemas.openxmlformats.org/officeDocument/2006/relationships" xmlns:p="http://schemas.openxmlformats.org/presentationml/2006/main">
+  <p:cSld>
+    <p:spTree>
+      <p:nvGrpSpPr>
+        <p:cNvPr id="1" name=""/>
+        <p:cNvGrpSpPr/>
+        <p:nvPr/>
+      </p:nvGrpSpPr>
+      <p:grpSpPr>
+        <a:xfrm>
+          <a:off x="0" y="0"/>
+          <a:ext cx="0" cy="0"/>
+          <a:chOff x="0" y="0"/>
+          <a:chExt cx="0" cy="0"/>
+        </a:xfrm>
+      </p:grpSpPr>
+      <p:sp>
+        <p:nvSpPr>
+          <p:cNvPr id="2" name="Title 1"/>
+          <p:cNvSpPr>
+            <a:spLocks noGrp="1"/>
+          </p:cNvSpPr>
+          <p:nvPr>
+            <p:ph type="title"/>
+          </p:nvPr>
+        </p:nvSpPr>
+        <p:spPr/>
+        <p:txBody>
+          <a:bodyPr/>
+          <a:lstStyle/>
+          <a:p>
+            <a:r>
+              <a:rPr lang="en-US" dirty="0" smtClean="0"/>
+              <a:t>The best result </a:t>
+            </a:r>
+            <a:r>
+              <a:rPr lang="en-US" smtClean="0"/>
+              <a:t>for Med-Health </a:t>
+            </a:r>
+            <a:r>
+              <a:rPr lang="en-US" dirty="0" smtClean="0"/>
+              <a:t>Apps</a:t>
+            </a:r>
+            <a:endParaRPr lang="en-US" dirty="0"/>
+          </a:p>
+        </p:txBody>
+      </p:sp>
+      <p:graphicFrame>
+        <p:nvGraphicFramePr>
+          <p:cNvPr id="4" name="Content Placeholder 3"/>
+          <p:cNvGraphicFramePr>
+            <a:graphicFrameLocks noGrp="1"/>
+          </p:cNvGraphicFramePr>
+          <p:nvPr>
+            <p:ph idx="1"/>
+            <p:extLst>
+              <p:ext uri="{D42A27DB-BD31-4B8C-83A1-F6EECF244321}">
+                <p14:modId xmlns:p14="http://schemas.microsoft.com/office/powerpoint/2010/main" val="2154559902"/>
+              </p:ext>
+            </p:extLst>
+          </p:nvPr>
+        </p:nvGraphicFramePr>
+        <p:xfrm>
+          <a:off x="1213804" y="1737360"/>
+          <a:ext cx="9941875" cy="4257675"/>
+        </p:xfrm>
+        <a:graphic>
+          <a:graphicData uri="http://schemas.openxmlformats.org/drawingml/2006/table">
+            <a:tbl>
+              <a:tblPr>
+                <a:tableStyleId>{5C22544A-7EE6-4342-B048-85BDC9FD1C3A}</a:tableStyleId>
+              </a:tblPr>
+              <a:tblGrid>
+                <a:gridCol w="6026940"/>
+                <a:gridCol w="3914935"/>
+              </a:tblGrid>
+              <a:tr h="281765">
+                <a:tc>
+                  <a:txBody>
+                    <a:bodyPr/>
+                    <a:lstStyle/>
+                    <a:p>
+                      <a:pPr algn="l" fontAlgn="b"/>
+                      <a:r>
+                        <a:rPr lang="en-US" sz="1800" b="1" i="0" u="none" strike="noStrike" dirty="0" err="1">
+                          <a:solidFill>
+                            <a:srgbClr val="000000"/>
+                          </a:solidFill>
+                          <a:effectLst/>
+                          <a:latin typeface="Calibri" panose="020F0502020204030204" pitchFamily="34" charset="0"/>
+                        </a:rPr>
+                        <a:t>AppPkgName</a:t>
+                      </a:r>
+                      <a:endParaRPr lang="en-US" sz="1800" b="1" i="0" u="none" strike="noStrike" dirty="0">
+                        <a:solidFill>
+                          <a:srgbClr val="000000"/>
+                        </a:solidFill>
+                        <a:effectLst/>
+                        <a:latin typeface="Calibri" panose="020F0502020204030204" pitchFamily="34" charset="0"/>
+                      </a:endParaRPr>
+                    </a:p>
+                  </a:txBody>
+                  <a:tcPr marL="9525" marR="9525" marT="9525" marB="0" anchor="b">
+                    <a:solidFill>
+                      <a:schemeClr val="bg1">
+                        <a:lumMod val="75000"/>
+                      </a:schemeClr>
+                    </a:solidFill>
+                  </a:tcPr>
+                </a:tc>
+                <a:tc>
+                  <a:txBody>
+                    <a:bodyPr/>
+                    <a:lstStyle/>
+                    <a:p>
+                      <a:pPr algn="l" fontAlgn="b"/>
+                      <a:r>
+                        <a:rPr lang="en-US" sz="1800" b="1" i="0" u="none" strike="noStrike" dirty="0" err="1">
+                          <a:solidFill>
+                            <a:srgbClr val="000000"/>
+                          </a:solidFill>
+                          <a:effectLst/>
+                          <a:latin typeface="Calibri" panose="020F0502020204030204" pitchFamily="34" charset="0"/>
+                        </a:rPr>
+                        <a:t>AppCategory</a:t>
+                      </a:r>
+                      <a:endParaRPr lang="en-US" sz="1800" b="1" i="0" u="none" strike="noStrike" dirty="0">
+                        <a:solidFill>
+                          <a:srgbClr val="000000"/>
+                        </a:solidFill>
+                        <a:effectLst/>
+                        <a:latin typeface="Calibri" panose="020F0502020204030204" pitchFamily="34" charset="0"/>
+                      </a:endParaRPr>
+                    </a:p>
+                  </a:txBody>
+                  <a:tcPr marL="9525" marR="9525" marT="9525" marB="0" anchor="b">
+                    <a:solidFill>
+                      <a:schemeClr val="bg1">
+                        <a:lumMod val="75000"/>
+                      </a:schemeClr>
+                    </a:solidFill>
+                  </a:tcPr>
+                </a:tc>
+              </a:tr>
+              <a:tr h="281765">
+                <a:tc>
+                  <a:txBody>
+                    <a:bodyPr/>
+                    <a:lstStyle/>
+                    <a:p>
+                      <a:pPr algn="l" fontAlgn="b"/>
+                      <a:r>
+                        <a:rPr lang="en-US" sz="1800" b="0" i="0" u="none" strike="noStrike" dirty="0" err="1">
+                          <a:solidFill>
+                            <a:srgbClr val="000000"/>
+                          </a:solidFill>
+                          <a:effectLst/>
+                          <a:latin typeface="Calibri" panose="020F0502020204030204" pitchFamily="34" charset="0"/>
+                        </a:rPr>
+                        <a:t>com.fitnow.loseit</a:t>
+                      </a:r>
+                      <a:endParaRPr lang="en-US" sz="1800" b="0" i="0" u="none" strike="noStrike" dirty="0">
+                        <a:solidFill>
+                          <a:srgbClr val="000000"/>
+                        </a:solidFill>
+                        <a:effectLst/>
+                        <a:latin typeface="Calibri" panose="020F0502020204030204" pitchFamily="34" charset="0"/>
+                      </a:endParaRPr>
+                    </a:p>
+                  </a:txBody>
+                  <a:tcPr marL="9525" marR="9525" marT="9525" marB="0" anchor="b">
+                    <a:solidFill>
+                      <a:srgbClr val="92D050"/>
+                    </a:solidFill>
+                  </a:tcPr>
+                </a:tc>
+                <a:tc>
+                  <a:txBody>
+                    <a:bodyPr/>
+                    <a:lstStyle/>
+                    <a:p>
+                      <a:pPr algn="l" fontAlgn="b"/>
+                      <a:r>
+                        <a:rPr lang="en-US" sz="1800" b="0" i="0" u="none" strike="noStrike">
+                          <a:solidFill>
+                            <a:srgbClr val="000000"/>
+                          </a:solidFill>
+                          <a:effectLst/>
+                          <a:latin typeface="Calibri" panose="020F0502020204030204" pitchFamily="34" charset="0"/>
+                        </a:rPr>
+                        <a:t>Health &amp; Fitness</a:t>
+                      </a:r>
+                    </a:p>
+                  </a:txBody>
+                  <a:tcPr marL="9525" marR="9525" marT="9525" marB="0" anchor="b">
+                    <a:solidFill>
+                      <a:srgbClr val="92D050"/>
+                    </a:solidFill>
+                  </a:tcPr>
+                </a:tc>
+              </a:tr>
+              <a:tr h="281765">
+                <a:tc>
+                  <a:txBody>
+                    <a:bodyPr/>
+                    <a:lstStyle/>
+                    <a:p>
+                      <a:pPr algn="l" fontAlgn="b"/>
+                      <a:r>
+                        <a:rPr lang="en-US" sz="1800" b="0" i="0" u="none" strike="noStrike">
+                          <a:solidFill>
+                            <a:srgbClr val="000000"/>
+                          </a:solidFill>
+                          <a:effectLst/>
+                          <a:latin typeface="Calibri" panose="020F0502020204030204" pitchFamily="34" charset="0"/>
+                        </a:rPr>
+                        <a:t>com.webmd.android</a:t>
+                      </a:r>
+                    </a:p>
+                  </a:txBody>
+                  <a:tcPr marL="9525" marR="9525" marT="9525" marB="0" anchor="b">
+                    <a:solidFill>
+                      <a:srgbClr val="92D050"/>
+                    </a:solidFill>
+                  </a:tcPr>
+                </a:tc>
+                <a:tc>
+                  <a:txBody>
+                    <a:bodyPr/>
+                    <a:lstStyle/>
+                    <a:p>
+                      <a:pPr algn="l" fontAlgn="b"/>
+                      <a:r>
+                        <a:rPr lang="en-US" sz="1800" b="0" i="0" u="none" strike="noStrike">
+                          <a:solidFill>
+                            <a:srgbClr val="000000"/>
+                          </a:solidFill>
+                          <a:effectLst/>
+                          <a:latin typeface="Calibri" panose="020F0502020204030204" pitchFamily="34" charset="0"/>
+                        </a:rPr>
+                        <a:t>Health &amp; Fitness</a:t>
+                      </a:r>
+                    </a:p>
+                  </a:txBody>
+                  <a:tcPr marL="9525" marR="9525" marT="9525" marB="0" anchor="b">
+                    <a:solidFill>
+                      <a:srgbClr val="92D050"/>
+                    </a:solidFill>
+                  </a:tcPr>
+                </a:tc>
+              </a:tr>
+              <a:tr h="281765">
+                <a:tc>
+                  <a:txBody>
+                    <a:bodyPr/>
+                    <a:lstStyle/>
+                    <a:p>
+                      <a:pPr algn="l" fontAlgn="b"/>
+                      <a:r>
+                        <a:rPr lang="en-US" sz="1800" b="0" i="0" u="none" strike="noStrike">
+                          <a:solidFill>
+                            <a:srgbClr val="000000"/>
+                          </a:solidFill>
+                          <a:effectLst/>
+                          <a:latin typeface="Calibri" panose="020F0502020204030204" pitchFamily="34" charset="0"/>
+                        </a:rPr>
+                        <a:t>com.drugscom.app</a:t>
+                      </a:r>
+                    </a:p>
+                  </a:txBody>
+                  <a:tcPr marL="9525" marR="9525" marT="9525" marB="0" anchor="b">
+                    <a:solidFill>
+                      <a:srgbClr val="92D050"/>
+                    </a:solidFill>
+                  </a:tcPr>
+                </a:tc>
+                <a:tc>
+                  <a:txBody>
+                    <a:bodyPr/>
+                    <a:lstStyle/>
+                    <a:p>
+                      <a:pPr algn="l" fontAlgn="b"/>
+                      <a:r>
+                        <a:rPr lang="en-US" sz="1800" b="0" i="0" u="none" strike="noStrike">
+                          <a:solidFill>
+                            <a:srgbClr val="000000"/>
+                          </a:solidFill>
+                          <a:effectLst/>
+                          <a:latin typeface="Calibri" panose="020F0502020204030204" pitchFamily="34" charset="0"/>
+                        </a:rPr>
+                        <a:t>Medical</a:t>
+                      </a:r>
+                    </a:p>
+                  </a:txBody>
+                  <a:tcPr marL="9525" marR="9525" marT="9525" marB="0" anchor="b">
+                    <a:solidFill>
+                      <a:srgbClr val="92D050"/>
+                    </a:solidFill>
+                  </a:tcPr>
+                </a:tc>
+              </a:tr>
+              <a:tr h="281765">
+                <a:tc>
+                  <a:txBody>
+                    <a:bodyPr/>
+                    <a:lstStyle/>
+                    <a:p>
+                      <a:pPr algn="l" fontAlgn="b"/>
+                      <a:r>
+                        <a:rPr lang="en-US" sz="1800" b="0" i="0" u="none" strike="noStrike">
+                          <a:solidFill>
+                            <a:srgbClr val="000000"/>
+                          </a:solidFill>
+                          <a:effectLst/>
+                          <a:latin typeface="Calibri" panose="020F0502020204030204" pitchFamily="34" charset="0"/>
+                        </a:rPr>
+                        <a:t>com.ovuline.pregnancy</a:t>
+                      </a:r>
+                    </a:p>
+                  </a:txBody>
+                  <a:tcPr marL="9525" marR="9525" marT="9525" marB="0" anchor="b">
+                    <a:solidFill>
+                      <a:srgbClr val="92D050"/>
+                    </a:solidFill>
+                  </a:tcPr>
+                </a:tc>
+                <a:tc>
+                  <a:txBody>
+                    <a:bodyPr/>
+                    <a:lstStyle/>
+                    <a:p>
+                      <a:pPr algn="l" fontAlgn="b"/>
+                      <a:r>
+                        <a:rPr lang="en-US" sz="1800" b="0" i="0" u="none" strike="noStrike" dirty="0">
+                          <a:solidFill>
+                            <a:srgbClr val="000000"/>
+                          </a:solidFill>
+                          <a:effectLst/>
+                          <a:latin typeface="Calibri" panose="020F0502020204030204" pitchFamily="34" charset="0"/>
+                        </a:rPr>
+                        <a:t>Medical</a:t>
+                      </a:r>
+                    </a:p>
+                  </a:txBody>
+                  <a:tcPr marL="9525" marR="9525" marT="9525" marB="0" anchor="b">
+                    <a:solidFill>
+                      <a:srgbClr val="92D050"/>
+                    </a:solidFill>
+                  </a:tcPr>
+                </a:tc>
+              </a:tr>
+              <a:tr h="281765">
+                <a:tc>
+                  <a:txBody>
+                    <a:bodyPr/>
+                    <a:lstStyle/>
+                    <a:p>
+                      <a:pPr algn="l" fontAlgn="b"/>
+                      <a:r>
+                        <a:rPr lang="en-US" sz="1800" b="0" i="0" u="none" strike="noStrike" dirty="0" err="1">
+                          <a:solidFill>
+                            <a:srgbClr val="000000"/>
+                          </a:solidFill>
+                          <a:effectLst/>
+                          <a:latin typeface="Calibri" panose="020F0502020204030204" pitchFamily="34" charset="0"/>
+                        </a:rPr>
+                        <a:t>air.com.peppapig.paintbox</a:t>
+                      </a:r>
+                      <a:endParaRPr lang="en-US" sz="1800" b="0" i="0" u="none" strike="noStrike" dirty="0">
+                        <a:solidFill>
+                          <a:srgbClr val="000000"/>
+                        </a:solidFill>
+                        <a:effectLst/>
+                        <a:latin typeface="Calibri" panose="020F0502020204030204" pitchFamily="34" charset="0"/>
+                      </a:endParaRPr>
+                    </a:p>
+                  </a:txBody>
+                  <a:tcPr marL="9525" marR="9525" marT="9525" marB="0" anchor="b"/>
+                </a:tc>
+                <a:tc>
+                  <a:txBody>
+                    <a:bodyPr/>
+                    <a:lstStyle/>
+                    <a:p>
+                      <a:pPr algn="l" fontAlgn="b"/>
+                      <a:r>
+                        <a:rPr lang="en-US" sz="1800" b="0" i="0" u="none" strike="noStrike">
+                          <a:solidFill>
+                            <a:srgbClr val="000000"/>
+                          </a:solidFill>
+                          <a:effectLst/>
+                          <a:latin typeface="Calibri" panose="020F0502020204030204" pitchFamily="34" charset="0"/>
+                        </a:rPr>
+                        <a:t>Educational</a:t>
+                      </a:r>
+                    </a:p>
+                  </a:txBody>
+                  <a:tcPr marL="9525" marR="9525" marT="9525" marB="0" anchor="b"/>
+                </a:tc>
+              </a:tr>
+              <a:tr h="281765">
+                <a:tc>
+                  <a:txBody>
+                    <a:bodyPr/>
+                    <a:lstStyle/>
+                    <a:p>
+                      <a:pPr algn="l" fontAlgn="b"/>
+                      <a:r>
+                        <a:rPr lang="en-US" sz="1800" b="0" i="0" u="none" strike="noStrike">
+                          <a:solidFill>
+                            <a:srgbClr val="000000"/>
+                          </a:solidFill>
+                          <a:effectLst/>
+                          <a:latin typeface="Calibri" panose="020F0502020204030204" pitchFamily="34" charset="0"/>
+                        </a:rPr>
+                        <a:t>com.t11.skyviewfree</a:t>
+                      </a:r>
+                    </a:p>
+                  </a:txBody>
+                  <a:tcPr marL="9525" marR="9525" marT="9525" marB="0" anchor="b"/>
+                </a:tc>
+                <a:tc>
+                  <a:txBody>
+                    <a:bodyPr/>
+                    <a:lstStyle/>
+                    <a:p>
+                      <a:pPr algn="l" fontAlgn="b"/>
+                      <a:r>
+                        <a:rPr lang="en-US" sz="1800" b="0" i="0" u="none" strike="noStrike">
+                          <a:solidFill>
+                            <a:srgbClr val="000000"/>
+                          </a:solidFill>
+                          <a:effectLst/>
+                          <a:latin typeface="Calibri" panose="020F0502020204030204" pitchFamily="34" charset="0"/>
+                        </a:rPr>
+                        <a:t>Education</a:t>
+                      </a:r>
+                    </a:p>
+                  </a:txBody>
+                  <a:tcPr marL="9525" marR="9525" marT="9525" marB="0" anchor="b"/>
+                </a:tc>
+              </a:tr>
+              <a:tr h="281765">
+                <a:tc>
+                  <a:txBody>
+                    <a:bodyPr/>
+                    <a:lstStyle/>
+                    <a:p>
+                      <a:pPr algn="l" fontAlgn="b"/>
+                      <a:r>
+                        <a:rPr lang="en-US" sz="1800" b="0" i="0" u="none" strike="noStrike">
+                          <a:solidFill>
+                            <a:srgbClr val="000000"/>
+                          </a:solidFill>
+                          <a:effectLst/>
+                          <a:latin typeface="Calibri" panose="020F0502020204030204" pitchFamily="34" charset="0"/>
+                        </a:rPr>
+                        <a:t>gov.nasa</a:t>
+                      </a:r>
+                    </a:p>
+                  </a:txBody>
+                  <a:tcPr marL="9525" marR="9525" marT="9525" marB="0" anchor="b"/>
+                </a:tc>
+                <a:tc>
+                  <a:txBody>
+                    <a:bodyPr/>
+                    <a:lstStyle/>
+                    <a:p>
+                      <a:pPr algn="l" fontAlgn="b"/>
+                      <a:r>
+                        <a:rPr lang="en-US" sz="1800" b="0" i="0" u="none" strike="noStrike">
+                          <a:solidFill>
+                            <a:srgbClr val="000000"/>
+                          </a:solidFill>
+                          <a:effectLst/>
+                          <a:latin typeface="Calibri" panose="020F0502020204030204" pitchFamily="34" charset="0"/>
+                        </a:rPr>
+                        <a:t>Education</a:t>
+                      </a:r>
+                    </a:p>
+                  </a:txBody>
+                  <a:tcPr marL="9525" marR="9525" marT="9525" marB="0" anchor="b"/>
+                </a:tc>
+              </a:tr>
+              <a:tr h="281765">
+                <a:tc>
+                  <a:txBody>
+                    <a:bodyPr/>
+                    <a:lstStyle/>
+                    <a:p>
+                      <a:pPr algn="l" fontAlgn="b"/>
+                      <a:r>
+                        <a:rPr lang="en-US" sz="1800" b="0" i="0" u="none" strike="noStrike">
+                          <a:solidFill>
+                            <a:srgbClr val="000000"/>
+                          </a:solidFill>
+                          <a:effectLst/>
+                          <a:latin typeface="Calibri" panose="020F0502020204030204" pitchFamily="34" charset="0"/>
+                        </a:rPr>
+                        <a:t>com.google.android.stardroid</a:t>
+                      </a:r>
+                    </a:p>
+                  </a:txBody>
+                  <a:tcPr marL="9525" marR="9525" marT="9525" marB="0" anchor="b"/>
+                </a:tc>
+                <a:tc>
+                  <a:txBody>
+                    <a:bodyPr/>
+                    <a:lstStyle/>
+                    <a:p>
+                      <a:pPr algn="l" fontAlgn="b"/>
+                      <a:r>
+                        <a:rPr lang="en-US" sz="1800" b="0" i="0" u="none" strike="noStrike">
+                          <a:solidFill>
+                            <a:srgbClr val="000000"/>
+                          </a:solidFill>
+                          <a:effectLst/>
+                          <a:latin typeface="Calibri" panose="020F0502020204030204" pitchFamily="34" charset="0"/>
+                        </a:rPr>
+                        <a:t>Books &amp; Reference</a:t>
+                      </a:r>
+                    </a:p>
+                  </a:txBody>
+                  <a:tcPr marL="9525" marR="9525" marT="9525" marB="0" anchor="b"/>
+                </a:tc>
+              </a:tr>
+              <a:tr h="281765">
+                <a:tc>
+                  <a:txBody>
+                    <a:bodyPr/>
+                    <a:lstStyle/>
+                    <a:p>
+                      <a:pPr algn="l" fontAlgn="b"/>
+                      <a:r>
+                        <a:rPr lang="en-US" sz="1800" b="0" i="0" u="none" strike="noStrike">
+                          <a:solidFill>
+                            <a:srgbClr val="000000"/>
+                          </a:solidFill>
+                          <a:effectLst/>
+                          <a:latin typeface="Calibri" panose="020F0502020204030204" pitchFamily="34" charset="0"/>
+                        </a:rPr>
+                        <a:t>com.turner.cnvideoapp</a:t>
+                      </a:r>
+                    </a:p>
+                  </a:txBody>
+                  <a:tcPr marL="9525" marR="9525" marT="9525" marB="0" anchor="b"/>
+                </a:tc>
+                <a:tc>
+                  <a:txBody>
+                    <a:bodyPr/>
+                    <a:lstStyle/>
+                    <a:p>
+                      <a:pPr algn="l" fontAlgn="b"/>
+                      <a:r>
+                        <a:rPr lang="en-US" sz="1800" b="0" i="0" u="none" strike="noStrike">
+                          <a:solidFill>
+                            <a:srgbClr val="000000"/>
+                          </a:solidFill>
+                          <a:effectLst/>
+                          <a:latin typeface="Calibri" panose="020F0502020204030204" pitchFamily="34" charset="0"/>
+                        </a:rPr>
+                        <a:t>Media &amp; Video</a:t>
+                      </a:r>
+                    </a:p>
+                  </a:txBody>
+                  <a:tcPr marL="9525" marR="9525" marT="9525" marB="0" anchor="b"/>
+                </a:tc>
+              </a:tr>
+              <a:tr h="281765">
+                <a:tc>
+                  <a:txBody>
+                    <a:bodyPr/>
+                    <a:lstStyle/>
+                    <a:p>
+                      <a:pPr algn="l" fontAlgn="b"/>
+                      <a:r>
+                        <a:rPr lang="en-US" sz="1800" b="0" i="0" u="none" strike="noStrike">
+                          <a:solidFill>
+                            <a:srgbClr val="000000"/>
+                          </a:solidFill>
+                          <a:effectLst/>
+                          <a:latin typeface="Calibri" panose="020F0502020204030204" pitchFamily="34" charset="0"/>
+                        </a:rPr>
+                        <a:t>com.nextradioapp.nextradio</a:t>
+                      </a:r>
+                    </a:p>
+                  </a:txBody>
+                  <a:tcPr marL="9525" marR="9525" marT="9525" marB="0" anchor="b"/>
+                </a:tc>
+                <a:tc>
+                  <a:txBody>
+                    <a:bodyPr/>
+                    <a:lstStyle/>
+                    <a:p>
+                      <a:pPr algn="l" fontAlgn="b"/>
+                      <a:r>
+                        <a:rPr lang="en-US" sz="1800" b="0" i="0" u="none" strike="noStrike">
+                          <a:solidFill>
+                            <a:srgbClr val="000000"/>
+                          </a:solidFill>
+                          <a:effectLst/>
+                          <a:latin typeface="Calibri" panose="020F0502020204030204" pitchFamily="34" charset="0"/>
+                        </a:rPr>
+                        <a:t>Music &amp; Audio</a:t>
+                      </a:r>
+                    </a:p>
+                  </a:txBody>
+                  <a:tcPr marL="9525" marR="9525" marT="9525" marB="0" anchor="b"/>
+                </a:tc>
+              </a:tr>
+              <a:tr h="281765">
+                <a:tc>
+                  <a:txBody>
+                    <a:bodyPr/>
+                    <a:lstStyle/>
+                    <a:p>
+                      <a:pPr algn="l" fontAlgn="b"/>
+                      <a:r>
+                        <a:rPr lang="en-US" sz="1800" b="0" i="0" u="none" strike="noStrike">
+                          <a:solidFill>
+                            <a:srgbClr val="000000"/>
+                          </a:solidFill>
+                          <a:effectLst/>
+                          <a:latin typeface="Calibri" panose="020F0502020204030204" pitchFamily="34" charset="0"/>
+                        </a:rPr>
+                        <a:t>com.camerasideas.instashot</a:t>
+                      </a:r>
+                    </a:p>
+                  </a:txBody>
+                  <a:tcPr marL="9525" marR="9525" marT="9525" marB="0" anchor="b"/>
+                </a:tc>
+                <a:tc>
+                  <a:txBody>
+                    <a:bodyPr/>
+                    <a:lstStyle/>
+                    <a:p>
+                      <a:pPr algn="l" fontAlgn="b"/>
+                      <a:r>
+                        <a:rPr lang="en-US" sz="1800" b="0" i="0" u="none" strike="noStrike">
+                          <a:solidFill>
+                            <a:srgbClr val="000000"/>
+                          </a:solidFill>
+                          <a:effectLst/>
+                          <a:latin typeface="Calibri" panose="020F0502020204030204" pitchFamily="34" charset="0"/>
+                        </a:rPr>
+                        <a:t>Photography</a:t>
+                      </a:r>
+                    </a:p>
+                  </a:txBody>
+                  <a:tcPr marL="9525" marR="9525" marT="9525" marB="0" anchor="b"/>
+                </a:tc>
+              </a:tr>
+              <a:tr h="281765">
+                <a:tc>
+                  <a:txBody>
+                    <a:bodyPr/>
+                    <a:lstStyle/>
+                    <a:p>
+                      <a:pPr algn="l" fontAlgn="b"/>
+                      <a:r>
+                        <a:rPr lang="en-US" sz="1800" b="0" i="0" u="none" strike="noStrike">
+                          <a:solidFill>
+                            <a:srgbClr val="000000"/>
+                          </a:solidFill>
+                          <a:effectLst/>
+                          <a:latin typeface="Calibri" panose="020F0502020204030204" pitchFamily="34" charset="0"/>
+                        </a:rPr>
+                        <a:t>com.foxsports.videogo</a:t>
+                      </a:r>
+                    </a:p>
+                  </a:txBody>
+                  <a:tcPr marL="9525" marR="9525" marT="9525" marB="0" anchor="b"/>
+                </a:tc>
+                <a:tc>
+                  <a:txBody>
+                    <a:bodyPr/>
+                    <a:lstStyle/>
+                    <a:p>
+                      <a:pPr algn="l" fontAlgn="b"/>
+                      <a:r>
+                        <a:rPr lang="en-US" sz="1800" b="0" i="0" u="none" strike="noStrike">
+                          <a:solidFill>
+                            <a:srgbClr val="000000"/>
+                          </a:solidFill>
+                          <a:effectLst/>
+                          <a:latin typeface="Calibri" panose="020F0502020204030204" pitchFamily="34" charset="0"/>
+                        </a:rPr>
+                        <a:t>Sports</a:t>
+                      </a:r>
+                    </a:p>
+                  </a:txBody>
+                  <a:tcPr marL="9525" marR="9525" marT="9525" marB="0" anchor="b"/>
+                </a:tc>
+              </a:tr>
+              <a:tr h="281765">
+                <a:tc>
+                  <a:txBody>
+                    <a:bodyPr/>
+                    <a:lstStyle/>
+                    <a:p>
+                      <a:pPr algn="l" fontAlgn="b"/>
+                      <a:r>
+                        <a:rPr lang="en-US" sz="1800" b="0" i="0" u="none" strike="noStrike">
+                          <a:solidFill>
+                            <a:srgbClr val="000000"/>
+                          </a:solidFill>
+                          <a:effectLst/>
+                          <a:latin typeface="Calibri" panose="020F0502020204030204" pitchFamily="34" charset="0"/>
+                        </a:rPr>
+                        <a:t>com.theopen</a:t>
+                      </a:r>
+                    </a:p>
+                  </a:txBody>
+                  <a:tcPr marL="9525" marR="9525" marT="9525" marB="0" anchor="b"/>
+                </a:tc>
+                <a:tc>
+                  <a:txBody>
+                    <a:bodyPr/>
+                    <a:lstStyle/>
+                    <a:p>
+                      <a:pPr algn="l" fontAlgn="b"/>
+                      <a:r>
+                        <a:rPr lang="en-US" sz="1800" b="0" i="0" u="none" strike="noStrike">
+                          <a:solidFill>
+                            <a:srgbClr val="000000"/>
+                          </a:solidFill>
+                          <a:effectLst/>
+                          <a:latin typeface="Calibri" panose="020F0502020204030204" pitchFamily="34" charset="0"/>
+                        </a:rPr>
+                        <a:t>Sports</a:t>
+                      </a:r>
+                    </a:p>
+                  </a:txBody>
+                  <a:tcPr marL="9525" marR="9525" marT="9525" marB="0" anchor="b"/>
+                </a:tc>
+              </a:tr>
+              <a:tr h="281765">
+                <a:tc>
+                  <a:txBody>
+                    <a:bodyPr/>
+                    <a:lstStyle/>
+                    <a:p>
+                      <a:pPr algn="l" fontAlgn="b"/>
+                      <a:r>
+                        <a:rPr lang="en-US" sz="1800" b="0" i="0" u="none" strike="noStrike">
+                          <a:solidFill>
+                            <a:srgbClr val="000000"/>
+                          </a:solidFill>
+                          <a:effectLst/>
+                          <a:latin typeface="Calibri" panose="020F0502020204030204" pitchFamily="34" charset="0"/>
+                        </a:rPr>
+                        <a:t>com.tregware.radar</a:t>
+                      </a:r>
+                    </a:p>
+                  </a:txBody>
+                  <a:tcPr marL="9525" marR="9525" marT="9525" marB="0" anchor="b"/>
+                </a:tc>
+                <a:tc>
+                  <a:txBody>
+                    <a:bodyPr/>
+                    <a:lstStyle/>
+                    <a:p>
+                      <a:pPr algn="l" fontAlgn="b"/>
+                      <a:r>
+                        <a:rPr lang="en-US" sz="1800" b="0" i="0" u="none" strike="noStrike" dirty="0">
+                          <a:solidFill>
+                            <a:srgbClr val="000000"/>
+                          </a:solidFill>
+                          <a:effectLst/>
+                          <a:latin typeface="Calibri" panose="020F0502020204030204" pitchFamily="34" charset="0"/>
+                        </a:rPr>
+                        <a:t>Weather</a:t>
+                      </a:r>
+                    </a:p>
+                  </a:txBody>
+                  <a:tcPr marL="9525" marR="9525" marT="9525" marB="0" anchor="b"/>
+                </a:tc>
+              </a:tr>
+            </a:tbl>
+          </a:graphicData>
+        </a:graphic>
+      </p:graphicFrame>
+    </p:spTree>
+    <p:extLst>
+      <p:ext uri="{BB962C8B-B14F-4D97-AF65-F5344CB8AC3E}">
+        <p14:creationId xmlns:p14="http://schemas.microsoft.com/office/powerpoint/2010/main" val="1142655838"/>
       </p:ext>
     </p:extLst>
   </p:cSld>

--- a/documentation/presentations/Google Play Store - Prajit.pptx
+++ b/documentation/presentations/Google Play Store - Prajit.pptx
@@ -14,6 +14,10 @@
     <p:sldId id="262" r:id="rId8"/>
     <p:sldId id="263" r:id="rId9"/>
     <p:sldId id="264" r:id="rId10"/>
+    <p:sldId id="267" r:id="rId11"/>
+    <p:sldId id="268" r:id="rId12"/>
+    <p:sldId id="265" r:id="rId13"/>
+    <p:sldId id="269" r:id="rId14"/>
   </p:sldIdLst>
   <p:sldSz cx="12192000" cy="6858000"/>
   <p:notesSz cx="6858000" cy="9144000"/>
@@ -3882,6 +3886,3703 @@
 </p:sld>
 </file>
 
+<file path=ppt/slides/slide10.xml><?xml version="1.0" encoding="utf-8"?>
+<p:sld xmlns:a="http://schemas.openxmlformats.org/drawingml/2006/main" xmlns:r="http://schemas.openxmlformats.org/officeDocument/2006/relationships" xmlns:p="http://schemas.openxmlformats.org/presentationml/2006/main">
+  <p:cSld>
+    <p:spTree>
+      <p:nvGrpSpPr>
+        <p:cNvPr id="1" name=""/>
+        <p:cNvGrpSpPr/>
+        <p:nvPr/>
+      </p:nvGrpSpPr>
+      <p:grpSpPr>
+        <a:xfrm>
+          <a:off x="0" y="0"/>
+          <a:ext cx="0" cy="0"/>
+          <a:chOff x="0" y="0"/>
+          <a:chExt cx="0" cy="0"/>
+        </a:xfrm>
+      </p:grpSpPr>
+      <p:sp>
+        <p:nvSpPr>
+          <p:cNvPr id="2" name="Title 1"/>
+          <p:cNvSpPr>
+            <a:spLocks noGrp="1"/>
+          </p:cNvSpPr>
+          <p:nvPr>
+            <p:ph type="title"/>
+          </p:nvPr>
+        </p:nvSpPr>
+        <p:spPr/>
+        <p:txBody>
+          <a:bodyPr/>
+          <a:lstStyle/>
+          <a:p>
+            <a:r>
+              <a:rPr lang="en-US" dirty="0"/>
+              <a:t>Results for All Medical Apps</a:t>
+            </a:r>
+            <a:endParaRPr lang="en-US" dirty="0"/>
+          </a:p>
+        </p:txBody>
+      </p:sp>
+      <p:graphicFrame>
+        <p:nvGraphicFramePr>
+          <p:cNvPr id="4" name="Content Placeholder 3"/>
+          <p:cNvGraphicFramePr>
+            <a:graphicFrameLocks noGrp="1"/>
+          </p:cNvGraphicFramePr>
+          <p:nvPr>
+            <p:ph idx="1"/>
+            <p:extLst>
+              <p:ext uri="{D42A27DB-BD31-4B8C-83A1-F6EECF244321}">
+                <p14:modId xmlns:p14="http://schemas.microsoft.com/office/powerpoint/2010/main" val="2991937765"/>
+              </p:ext>
+            </p:extLst>
+          </p:nvPr>
+        </p:nvGraphicFramePr>
+        <p:xfrm>
+          <a:off x="1213804" y="1737360"/>
+          <a:ext cx="9941875" cy="2838450"/>
+        </p:xfrm>
+        <a:graphic>
+          <a:graphicData uri="http://schemas.openxmlformats.org/drawingml/2006/table">
+            <a:tbl>
+              <a:tblPr>
+                <a:tableStyleId>{5C22544A-7EE6-4342-B048-85BDC9FD1C3A}</a:tableStyleId>
+              </a:tblPr>
+              <a:tblGrid>
+                <a:gridCol w="4499173"/>
+                <a:gridCol w="2435703"/>
+                <a:gridCol w="3006999"/>
+              </a:tblGrid>
+              <a:tr h="281765">
+                <a:tc>
+                  <a:txBody>
+                    <a:bodyPr/>
+                    <a:lstStyle/>
+                    <a:p>
+                      <a:pPr algn="l" fontAlgn="b"/>
+                      <a:r>
+                        <a:rPr lang="en-US" sz="1800" b="1" i="0" u="none" strike="noStrike" dirty="0" err="1">
+                          <a:solidFill>
+                            <a:srgbClr val="000000"/>
+                          </a:solidFill>
+                          <a:effectLst/>
+                          <a:latin typeface="Calibri" panose="020F0502020204030204" pitchFamily="34" charset="0"/>
+                        </a:rPr>
+                        <a:t>AppPkgName</a:t>
+                      </a:r>
+                      <a:endParaRPr lang="en-US" sz="1800" b="1" i="0" u="none" strike="noStrike" dirty="0">
+                        <a:solidFill>
+                          <a:srgbClr val="000000"/>
+                        </a:solidFill>
+                        <a:effectLst/>
+                        <a:latin typeface="Calibri" panose="020F0502020204030204" pitchFamily="34" charset="0"/>
+                      </a:endParaRPr>
+                    </a:p>
+                  </a:txBody>
+                  <a:tcPr marL="9525" marR="9525" marT="9525" marB="0" anchor="b">
+                    <a:solidFill>
+                      <a:schemeClr val="bg1">
+                        <a:lumMod val="75000"/>
+                      </a:schemeClr>
+                    </a:solidFill>
+                  </a:tcPr>
+                </a:tc>
+                <a:tc>
+                  <a:txBody>
+                    <a:bodyPr/>
+                    <a:lstStyle/>
+                    <a:p>
+                      <a:pPr algn="l" fontAlgn="b"/>
+                      <a:r>
+                        <a:rPr lang="en-US" sz="1800" b="1" i="0" u="none" strike="noStrike" dirty="0" smtClean="0">
+                          <a:solidFill>
+                            <a:srgbClr val="000000"/>
+                          </a:solidFill>
+                          <a:effectLst/>
+                          <a:latin typeface="Calibri" panose="020F0502020204030204" pitchFamily="34" charset="0"/>
+                        </a:rPr>
+                        <a:t>Cluster Assignment</a:t>
+                      </a:r>
+                      <a:endParaRPr lang="en-US" sz="1800" b="1" i="0" u="none" strike="noStrike" dirty="0">
+                        <a:solidFill>
+                          <a:srgbClr val="000000"/>
+                        </a:solidFill>
+                        <a:effectLst/>
+                        <a:latin typeface="Calibri" panose="020F0502020204030204" pitchFamily="34" charset="0"/>
+                      </a:endParaRPr>
+                    </a:p>
+                  </a:txBody>
+                  <a:tcPr marL="9525" marR="9525" marT="9525" marB="0" anchor="b">
+                    <a:solidFill>
+                      <a:schemeClr val="bg1">
+                        <a:lumMod val="75000"/>
+                      </a:schemeClr>
+                    </a:solidFill>
+                  </a:tcPr>
+                </a:tc>
+                <a:tc>
+                  <a:txBody>
+                    <a:bodyPr/>
+                    <a:lstStyle/>
+                    <a:p>
+                      <a:pPr algn="l" fontAlgn="b"/>
+                      <a:r>
+                        <a:rPr lang="en-US" sz="1800" b="1" i="0" u="none" strike="noStrike" dirty="0" err="1">
+                          <a:solidFill>
+                            <a:srgbClr val="000000"/>
+                          </a:solidFill>
+                          <a:effectLst/>
+                          <a:latin typeface="Calibri" panose="020F0502020204030204" pitchFamily="34" charset="0"/>
+                        </a:rPr>
+                        <a:t>AppCategory</a:t>
+                      </a:r>
+                      <a:endParaRPr lang="en-US" sz="1800" b="1" i="0" u="none" strike="noStrike" dirty="0">
+                        <a:solidFill>
+                          <a:srgbClr val="000000"/>
+                        </a:solidFill>
+                        <a:effectLst/>
+                        <a:latin typeface="Calibri" panose="020F0502020204030204" pitchFamily="34" charset="0"/>
+                      </a:endParaRPr>
+                    </a:p>
+                  </a:txBody>
+                  <a:tcPr marL="9525" marR="9525" marT="9525" marB="0" anchor="b">
+                    <a:solidFill>
+                      <a:schemeClr val="bg1">
+                        <a:lumMod val="75000"/>
+                      </a:schemeClr>
+                    </a:solidFill>
+                  </a:tcPr>
+                </a:tc>
+              </a:tr>
+              <a:tr h="281765">
+                <a:tc>
+                  <a:txBody>
+                    <a:bodyPr/>
+                    <a:lstStyle/>
+                    <a:p>
+                      <a:pPr algn="l" fontAlgn="b"/>
+                      <a:r>
+                        <a:rPr lang="en-US" sz="1800" b="0" i="0" u="none" strike="noStrike" dirty="0" err="1">
+                          <a:solidFill>
+                            <a:srgbClr val="000000"/>
+                          </a:solidFill>
+                          <a:effectLst/>
+                          <a:latin typeface="Calibri" panose="020F0502020204030204" pitchFamily="34" charset="0"/>
+                        </a:rPr>
+                        <a:t>com.drugscom.app</a:t>
+                      </a:r>
+                      <a:endParaRPr lang="en-US" sz="1800" b="0" i="0" u="none" strike="noStrike" dirty="0">
+                        <a:solidFill>
+                          <a:srgbClr val="000000"/>
+                        </a:solidFill>
+                        <a:effectLst/>
+                        <a:latin typeface="Calibri" panose="020F0502020204030204" pitchFamily="34" charset="0"/>
+                      </a:endParaRPr>
+                    </a:p>
+                  </a:txBody>
+                  <a:tcPr marL="9525" marR="9525" marT="9525" marB="0" anchor="b">
+                    <a:solidFill>
+                      <a:schemeClr val="bg2"/>
+                    </a:solidFill>
+                  </a:tcPr>
+                </a:tc>
+                <a:tc>
+                  <a:txBody>
+                    <a:bodyPr/>
+                    <a:lstStyle/>
+                    <a:p>
+                      <a:pPr algn="r" fontAlgn="b"/>
+                      <a:r>
+                        <a:rPr lang="en-US" sz="1800" b="0" i="0" u="none" strike="noStrike" dirty="0">
+                          <a:solidFill>
+                            <a:srgbClr val="000000"/>
+                          </a:solidFill>
+                          <a:effectLst/>
+                          <a:latin typeface="Calibri" panose="020F0502020204030204" pitchFamily="34" charset="0"/>
+                        </a:rPr>
+                        <a:t>13</a:t>
+                      </a:r>
+                    </a:p>
+                  </a:txBody>
+                  <a:tcPr marL="9525" marR="9525" marT="9525" marB="0" anchor="b">
+                    <a:solidFill>
+                      <a:schemeClr val="bg2"/>
+                    </a:solidFill>
+                  </a:tcPr>
+                </a:tc>
+                <a:tc>
+                  <a:txBody>
+                    <a:bodyPr/>
+                    <a:lstStyle/>
+                    <a:p>
+                      <a:pPr algn="l" fontAlgn="b"/>
+                      <a:r>
+                        <a:rPr lang="en-US" sz="1800" b="0" i="0" u="none" strike="noStrike">
+                          <a:solidFill>
+                            <a:srgbClr val="000000"/>
+                          </a:solidFill>
+                          <a:effectLst/>
+                          <a:latin typeface="Calibri" panose="020F0502020204030204" pitchFamily="34" charset="0"/>
+                        </a:rPr>
+                        <a:t>Medical</a:t>
+                      </a:r>
+                    </a:p>
+                  </a:txBody>
+                  <a:tcPr marL="9525" marR="9525" marT="9525" marB="0" anchor="b">
+                    <a:solidFill>
+                      <a:schemeClr val="bg2"/>
+                    </a:solidFill>
+                  </a:tcPr>
+                </a:tc>
+              </a:tr>
+              <a:tr h="281765">
+                <a:tc>
+                  <a:txBody>
+                    <a:bodyPr/>
+                    <a:lstStyle/>
+                    <a:p>
+                      <a:pPr algn="l" fontAlgn="b"/>
+                      <a:r>
+                        <a:rPr lang="en-US" sz="1800" b="0" i="0" u="none" strike="noStrike">
+                          <a:solidFill>
+                            <a:srgbClr val="000000"/>
+                          </a:solidFill>
+                          <a:effectLst/>
+                          <a:latin typeface="Calibri" panose="020F0502020204030204" pitchFamily="34" charset="0"/>
+                        </a:rPr>
+                        <a:t>com.ovuline.pregnancy</a:t>
+                      </a:r>
+                    </a:p>
+                  </a:txBody>
+                  <a:tcPr marL="9525" marR="9525" marT="9525" marB="0" anchor="b">
+                    <a:solidFill>
+                      <a:schemeClr val="bg2"/>
+                    </a:solidFill>
+                  </a:tcPr>
+                </a:tc>
+                <a:tc>
+                  <a:txBody>
+                    <a:bodyPr/>
+                    <a:lstStyle/>
+                    <a:p>
+                      <a:pPr algn="r" fontAlgn="b"/>
+                      <a:r>
+                        <a:rPr lang="en-US" sz="1800" b="0" i="0" u="none" strike="noStrike">
+                          <a:solidFill>
+                            <a:srgbClr val="000000"/>
+                          </a:solidFill>
+                          <a:effectLst/>
+                          <a:latin typeface="Calibri" panose="020F0502020204030204" pitchFamily="34" charset="0"/>
+                        </a:rPr>
+                        <a:t>13</a:t>
+                      </a:r>
+                    </a:p>
+                  </a:txBody>
+                  <a:tcPr marL="9525" marR="9525" marT="9525" marB="0" anchor="b">
+                    <a:solidFill>
+                      <a:schemeClr val="bg2"/>
+                    </a:solidFill>
+                  </a:tcPr>
+                </a:tc>
+                <a:tc>
+                  <a:txBody>
+                    <a:bodyPr/>
+                    <a:lstStyle/>
+                    <a:p>
+                      <a:pPr algn="l" fontAlgn="b"/>
+                      <a:r>
+                        <a:rPr lang="en-US" sz="1800" b="0" i="0" u="none" strike="noStrike">
+                          <a:solidFill>
+                            <a:srgbClr val="000000"/>
+                          </a:solidFill>
+                          <a:effectLst/>
+                          <a:latin typeface="Calibri" panose="020F0502020204030204" pitchFamily="34" charset="0"/>
+                        </a:rPr>
+                        <a:t>Medical</a:t>
+                      </a:r>
+                    </a:p>
+                  </a:txBody>
+                  <a:tcPr marL="9525" marR="9525" marT="9525" marB="0" anchor="b">
+                    <a:solidFill>
+                      <a:schemeClr val="bg2"/>
+                    </a:solidFill>
+                  </a:tcPr>
+                </a:tc>
+              </a:tr>
+              <a:tr h="281765">
+                <a:tc>
+                  <a:txBody>
+                    <a:bodyPr/>
+                    <a:lstStyle/>
+                    <a:p>
+                      <a:pPr algn="l" fontAlgn="b"/>
+                      <a:r>
+                        <a:rPr lang="en-US" sz="1800" b="0" i="0" u="none" strike="noStrike">
+                          <a:solidFill>
+                            <a:srgbClr val="000000"/>
+                          </a:solidFill>
+                          <a:effectLst/>
+                          <a:latin typeface="Calibri" panose="020F0502020204030204" pitchFamily="34" charset="0"/>
+                        </a:rPr>
+                        <a:t>com.jardogs.fmhmobile</a:t>
+                      </a:r>
+                    </a:p>
+                  </a:txBody>
+                  <a:tcPr marL="9525" marR="9525" marT="9525" marB="0" anchor="b">
+                    <a:solidFill>
+                      <a:schemeClr val="bg2"/>
+                    </a:solidFill>
+                  </a:tcPr>
+                </a:tc>
+                <a:tc>
+                  <a:txBody>
+                    <a:bodyPr/>
+                    <a:lstStyle/>
+                    <a:p>
+                      <a:pPr algn="r" fontAlgn="b"/>
+                      <a:r>
+                        <a:rPr lang="en-US" sz="1800" b="0" i="0" u="none" strike="noStrike">
+                          <a:solidFill>
+                            <a:srgbClr val="000000"/>
+                          </a:solidFill>
+                          <a:effectLst/>
+                          <a:latin typeface="Calibri" panose="020F0502020204030204" pitchFamily="34" charset="0"/>
+                        </a:rPr>
+                        <a:t>14</a:t>
+                      </a:r>
+                    </a:p>
+                  </a:txBody>
+                  <a:tcPr marL="9525" marR="9525" marT="9525" marB="0" anchor="b">
+                    <a:solidFill>
+                      <a:schemeClr val="bg2"/>
+                    </a:solidFill>
+                  </a:tcPr>
+                </a:tc>
+                <a:tc>
+                  <a:txBody>
+                    <a:bodyPr/>
+                    <a:lstStyle/>
+                    <a:p>
+                      <a:pPr algn="l" fontAlgn="b"/>
+                      <a:r>
+                        <a:rPr lang="en-US" sz="1800" b="0" i="0" u="none" strike="noStrike">
+                          <a:solidFill>
+                            <a:srgbClr val="000000"/>
+                          </a:solidFill>
+                          <a:effectLst/>
+                          <a:latin typeface="Calibri" panose="020F0502020204030204" pitchFamily="34" charset="0"/>
+                        </a:rPr>
+                        <a:t>Medical</a:t>
+                      </a:r>
+                    </a:p>
+                  </a:txBody>
+                  <a:tcPr marL="9525" marR="9525" marT="9525" marB="0" anchor="b">
+                    <a:solidFill>
+                      <a:schemeClr val="bg2"/>
+                    </a:solidFill>
+                  </a:tcPr>
+                </a:tc>
+              </a:tr>
+              <a:tr h="281765">
+                <a:tc>
+                  <a:txBody>
+                    <a:bodyPr/>
+                    <a:lstStyle/>
+                    <a:p>
+                      <a:pPr algn="l" fontAlgn="b"/>
+                      <a:r>
+                        <a:rPr lang="en-US" sz="1800" b="0" i="0" u="none" strike="noStrike">
+                          <a:solidFill>
+                            <a:srgbClr val="000000"/>
+                          </a:solidFill>
+                          <a:effectLst/>
+                          <a:latin typeface="Calibri" panose="020F0502020204030204" pitchFamily="34" charset="0"/>
+                        </a:rPr>
+                        <a:t>com.goodrx</a:t>
+                      </a:r>
+                    </a:p>
+                  </a:txBody>
+                  <a:tcPr marL="9525" marR="9525" marT="9525" marB="0" anchor="b">
+                    <a:solidFill>
+                      <a:schemeClr val="bg2"/>
+                    </a:solidFill>
+                  </a:tcPr>
+                </a:tc>
+                <a:tc>
+                  <a:txBody>
+                    <a:bodyPr/>
+                    <a:lstStyle/>
+                    <a:p>
+                      <a:pPr algn="r" fontAlgn="b"/>
+                      <a:r>
+                        <a:rPr lang="en-US" sz="1800" b="0" i="0" u="none" strike="noStrike">
+                          <a:solidFill>
+                            <a:srgbClr val="000000"/>
+                          </a:solidFill>
+                          <a:effectLst/>
+                          <a:latin typeface="Calibri" panose="020F0502020204030204" pitchFamily="34" charset="0"/>
+                        </a:rPr>
+                        <a:t>49</a:t>
+                      </a:r>
+                    </a:p>
+                  </a:txBody>
+                  <a:tcPr marL="9525" marR="9525" marT="9525" marB="0" anchor="b">
+                    <a:solidFill>
+                      <a:schemeClr val="bg2"/>
+                    </a:solidFill>
+                  </a:tcPr>
+                </a:tc>
+                <a:tc>
+                  <a:txBody>
+                    <a:bodyPr/>
+                    <a:lstStyle/>
+                    <a:p>
+                      <a:pPr algn="l" fontAlgn="b"/>
+                      <a:r>
+                        <a:rPr lang="en-US" sz="1800" b="0" i="0" u="none" strike="noStrike">
+                          <a:solidFill>
+                            <a:srgbClr val="000000"/>
+                          </a:solidFill>
+                          <a:effectLst/>
+                          <a:latin typeface="Calibri" panose="020F0502020204030204" pitchFamily="34" charset="0"/>
+                        </a:rPr>
+                        <a:t>Medical</a:t>
+                      </a:r>
+                    </a:p>
+                  </a:txBody>
+                  <a:tcPr marL="9525" marR="9525" marT="9525" marB="0" anchor="b">
+                    <a:solidFill>
+                      <a:schemeClr val="bg2"/>
+                    </a:solidFill>
+                  </a:tcPr>
+                </a:tc>
+              </a:tr>
+              <a:tr h="281765">
+                <a:tc>
+                  <a:txBody>
+                    <a:bodyPr/>
+                    <a:lstStyle/>
+                    <a:p>
+                      <a:pPr algn="l" fontAlgn="b"/>
+                      <a:r>
+                        <a:rPr lang="en-US" sz="1800" b="0" i="0" u="none" strike="noStrike">
+                          <a:solidFill>
+                            <a:srgbClr val="000000"/>
+                          </a:solidFill>
+                          <a:effectLst/>
+                          <a:latin typeface="Calibri" panose="020F0502020204030204" pitchFamily="34" charset="0"/>
+                        </a:rPr>
+                        <a:t>com.microphone.earspy</a:t>
+                      </a:r>
+                    </a:p>
+                  </a:txBody>
+                  <a:tcPr marL="9525" marR="9525" marT="9525" marB="0" anchor="b">
+                    <a:solidFill>
+                      <a:schemeClr val="bg2"/>
+                    </a:solidFill>
+                  </a:tcPr>
+                </a:tc>
+                <a:tc>
+                  <a:txBody>
+                    <a:bodyPr/>
+                    <a:lstStyle/>
+                    <a:p>
+                      <a:pPr algn="r" fontAlgn="b"/>
+                      <a:r>
+                        <a:rPr lang="en-US" sz="1800" b="0" i="0" u="none" strike="noStrike">
+                          <a:solidFill>
+                            <a:srgbClr val="000000"/>
+                          </a:solidFill>
+                          <a:effectLst/>
+                          <a:latin typeface="Calibri" panose="020F0502020204030204" pitchFamily="34" charset="0"/>
+                        </a:rPr>
+                        <a:t>65</a:t>
+                      </a:r>
+                    </a:p>
+                  </a:txBody>
+                  <a:tcPr marL="9525" marR="9525" marT="9525" marB="0" anchor="b">
+                    <a:solidFill>
+                      <a:schemeClr val="bg2"/>
+                    </a:solidFill>
+                  </a:tcPr>
+                </a:tc>
+                <a:tc>
+                  <a:txBody>
+                    <a:bodyPr/>
+                    <a:lstStyle/>
+                    <a:p>
+                      <a:pPr algn="l" fontAlgn="b"/>
+                      <a:r>
+                        <a:rPr lang="en-US" sz="1800" b="0" i="0" u="none" strike="noStrike">
+                          <a:solidFill>
+                            <a:srgbClr val="000000"/>
+                          </a:solidFill>
+                          <a:effectLst/>
+                          <a:latin typeface="Calibri" panose="020F0502020204030204" pitchFamily="34" charset="0"/>
+                        </a:rPr>
+                        <a:t>Medical</a:t>
+                      </a:r>
+                    </a:p>
+                  </a:txBody>
+                  <a:tcPr marL="9525" marR="9525" marT="9525" marB="0" anchor="b">
+                    <a:solidFill>
+                      <a:schemeClr val="bg2"/>
+                    </a:solidFill>
+                  </a:tcPr>
+                </a:tc>
+              </a:tr>
+              <a:tr h="281765">
+                <a:tc>
+                  <a:txBody>
+                    <a:bodyPr/>
+                    <a:lstStyle/>
+                    <a:p>
+                      <a:pPr algn="l" fontAlgn="b"/>
+                      <a:r>
+                        <a:rPr lang="en-US" sz="1800" b="0" i="0" u="none" strike="noStrike">
+                          <a:solidFill>
+                            <a:srgbClr val="000000"/>
+                          </a:solidFill>
+                          <a:effectLst/>
+                          <a:latin typeface="Calibri" panose="020F0502020204030204" pitchFamily="34" charset="0"/>
+                        </a:rPr>
+                        <a:t>com.hp.pregnancy.lite</a:t>
+                      </a:r>
+                    </a:p>
+                  </a:txBody>
+                  <a:tcPr marL="9525" marR="9525" marT="9525" marB="0" anchor="b">
+                    <a:solidFill>
+                      <a:schemeClr val="bg2"/>
+                    </a:solidFill>
+                  </a:tcPr>
+                </a:tc>
+                <a:tc>
+                  <a:txBody>
+                    <a:bodyPr/>
+                    <a:lstStyle/>
+                    <a:p>
+                      <a:pPr algn="r" fontAlgn="b"/>
+                      <a:r>
+                        <a:rPr lang="en-US" sz="1800" b="0" i="0" u="none" strike="noStrike">
+                          <a:solidFill>
+                            <a:srgbClr val="000000"/>
+                          </a:solidFill>
+                          <a:effectLst/>
+                          <a:latin typeface="Calibri" panose="020F0502020204030204" pitchFamily="34" charset="0"/>
+                        </a:rPr>
+                        <a:t>75</a:t>
+                      </a:r>
+                    </a:p>
+                  </a:txBody>
+                  <a:tcPr marL="9525" marR="9525" marT="9525" marB="0" anchor="b">
+                    <a:solidFill>
+                      <a:schemeClr val="bg2"/>
+                    </a:solidFill>
+                  </a:tcPr>
+                </a:tc>
+                <a:tc>
+                  <a:txBody>
+                    <a:bodyPr/>
+                    <a:lstStyle/>
+                    <a:p>
+                      <a:pPr algn="l" fontAlgn="b"/>
+                      <a:r>
+                        <a:rPr lang="en-US" sz="1800" b="0" i="0" u="none" strike="noStrike">
+                          <a:solidFill>
+                            <a:srgbClr val="000000"/>
+                          </a:solidFill>
+                          <a:effectLst/>
+                          <a:latin typeface="Calibri" panose="020F0502020204030204" pitchFamily="34" charset="0"/>
+                        </a:rPr>
+                        <a:t>Medical</a:t>
+                      </a:r>
+                    </a:p>
+                  </a:txBody>
+                  <a:tcPr marL="9525" marR="9525" marT="9525" marB="0" anchor="b">
+                    <a:solidFill>
+                      <a:schemeClr val="bg2"/>
+                    </a:solidFill>
+                  </a:tcPr>
+                </a:tc>
+              </a:tr>
+              <a:tr h="281765">
+                <a:tc>
+                  <a:txBody>
+                    <a:bodyPr/>
+                    <a:lstStyle/>
+                    <a:p>
+                      <a:pPr algn="l" fontAlgn="b"/>
+                      <a:r>
+                        <a:rPr lang="en-US" sz="1800" b="0" i="0" u="none" strike="noStrike">
+                          <a:solidFill>
+                            <a:srgbClr val="000000"/>
+                          </a:solidFill>
+                          <a:effectLst/>
+                          <a:latin typeface="Calibri" panose="020F0502020204030204" pitchFamily="34" charset="0"/>
+                        </a:rPr>
+                        <a:t>com.carezone.caredroid.careapp.medications</a:t>
+                      </a:r>
+                    </a:p>
+                  </a:txBody>
+                  <a:tcPr marL="9525" marR="9525" marT="9525" marB="0" anchor="b">
+                    <a:solidFill>
+                      <a:schemeClr val="bg2"/>
+                    </a:solidFill>
+                  </a:tcPr>
+                </a:tc>
+                <a:tc>
+                  <a:txBody>
+                    <a:bodyPr/>
+                    <a:lstStyle/>
+                    <a:p>
+                      <a:pPr algn="r" fontAlgn="b"/>
+                      <a:r>
+                        <a:rPr lang="en-US" sz="1800" b="0" i="0" u="none" strike="noStrike">
+                          <a:solidFill>
+                            <a:srgbClr val="000000"/>
+                          </a:solidFill>
+                          <a:effectLst/>
+                          <a:latin typeface="Calibri" panose="020F0502020204030204" pitchFamily="34" charset="0"/>
+                        </a:rPr>
+                        <a:t>80</a:t>
+                      </a:r>
+                    </a:p>
+                  </a:txBody>
+                  <a:tcPr marL="9525" marR="9525" marT="9525" marB="0" anchor="b">
+                    <a:solidFill>
+                      <a:schemeClr val="bg2"/>
+                    </a:solidFill>
+                  </a:tcPr>
+                </a:tc>
+                <a:tc>
+                  <a:txBody>
+                    <a:bodyPr/>
+                    <a:lstStyle/>
+                    <a:p>
+                      <a:pPr algn="l" fontAlgn="b"/>
+                      <a:r>
+                        <a:rPr lang="en-US" sz="1800" b="0" i="0" u="none" strike="noStrike">
+                          <a:solidFill>
+                            <a:srgbClr val="000000"/>
+                          </a:solidFill>
+                          <a:effectLst/>
+                          <a:latin typeface="Calibri" panose="020F0502020204030204" pitchFamily="34" charset="0"/>
+                        </a:rPr>
+                        <a:t>Medical</a:t>
+                      </a:r>
+                    </a:p>
+                  </a:txBody>
+                  <a:tcPr marL="9525" marR="9525" marT="9525" marB="0" anchor="b">
+                    <a:solidFill>
+                      <a:schemeClr val="bg2"/>
+                    </a:solidFill>
+                  </a:tcPr>
+                </a:tc>
+              </a:tr>
+              <a:tr h="281765">
+                <a:tc>
+                  <a:txBody>
+                    <a:bodyPr/>
+                    <a:lstStyle/>
+                    <a:p>
+                      <a:pPr algn="l" fontAlgn="b"/>
+                      <a:r>
+                        <a:rPr lang="en-US" sz="1800" b="0" i="0" u="none" strike="noStrike">
+                          <a:solidFill>
+                            <a:srgbClr val="000000"/>
+                          </a:solidFill>
+                          <a:effectLst/>
+                          <a:latin typeface="Calibri" panose="020F0502020204030204" pitchFamily="34" charset="0"/>
+                        </a:rPr>
+                        <a:t>com.smsrobot.period</a:t>
+                      </a:r>
+                    </a:p>
+                  </a:txBody>
+                  <a:tcPr marL="9525" marR="9525" marT="9525" marB="0" anchor="b">
+                    <a:solidFill>
+                      <a:schemeClr val="bg2"/>
+                    </a:solidFill>
+                  </a:tcPr>
+                </a:tc>
+                <a:tc>
+                  <a:txBody>
+                    <a:bodyPr/>
+                    <a:lstStyle/>
+                    <a:p>
+                      <a:pPr algn="r" fontAlgn="b"/>
+                      <a:r>
+                        <a:rPr lang="en-US" sz="1800" b="0" i="0" u="none" strike="noStrike">
+                          <a:solidFill>
+                            <a:srgbClr val="000000"/>
+                          </a:solidFill>
+                          <a:effectLst/>
+                          <a:latin typeface="Calibri" panose="020F0502020204030204" pitchFamily="34" charset="0"/>
+                        </a:rPr>
+                        <a:t>94</a:t>
+                      </a:r>
+                    </a:p>
+                  </a:txBody>
+                  <a:tcPr marL="9525" marR="9525" marT="9525" marB="0" anchor="b">
+                    <a:solidFill>
+                      <a:schemeClr val="bg2"/>
+                    </a:solidFill>
+                  </a:tcPr>
+                </a:tc>
+                <a:tc>
+                  <a:txBody>
+                    <a:bodyPr/>
+                    <a:lstStyle/>
+                    <a:p>
+                      <a:pPr algn="l" fontAlgn="b"/>
+                      <a:r>
+                        <a:rPr lang="en-US" sz="1800" b="0" i="0" u="none" strike="noStrike">
+                          <a:solidFill>
+                            <a:srgbClr val="000000"/>
+                          </a:solidFill>
+                          <a:effectLst/>
+                          <a:latin typeface="Calibri" panose="020F0502020204030204" pitchFamily="34" charset="0"/>
+                        </a:rPr>
+                        <a:t>Medical</a:t>
+                      </a:r>
+                    </a:p>
+                  </a:txBody>
+                  <a:tcPr marL="9525" marR="9525" marT="9525" marB="0" anchor="b">
+                    <a:solidFill>
+                      <a:schemeClr val="bg2"/>
+                    </a:solidFill>
+                  </a:tcPr>
+                </a:tc>
+              </a:tr>
+              <a:tr h="281765">
+                <a:tc>
+                  <a:txBody>
+                    <a:bodyPr/>
+                    <a:lstStyle/>
+                    <a:p>
+                      <a:pPr algn="l" fontAlgn="b"/>
+                      <a:r>
+                        <a:rPr lang="en-US" sz="1800" b="0" i="0" u="none" strike="noStrike">
+                          <a:solidFill>
+                            <a:srgbClr val="000000"/>
+                          </a:solidFill>
+                          <a:effectLst/>
+                          <a:latin typeface="Calibri" panose="020F0502020204030204" pitchFamily="34" charset="0"/>
+                        </a:rPr>
+                        <a:t>epic.mychart.android</a:t>
+                      </a:r>
+                    </a:p>
+                  </a:txBody>
+                  <a:tcPr marL="9525" marR="9525" marT="9525" marB="0" anchor="b">
+                    <a:solidFill>
+                      <a:schemeClr val="bg2"/>
+                    </a:solidFill>
+                  </a:tcPr>
+                </a:tc>
+                <a:tc>
+                  <a:txBody>
+                    <a:bodyPr/>
+                    <a:lstStyle/>
+                    <a:p>
+                      <a:pPr algn="r" fontAlgn="b"/>
+                      <a:r>
+                        <a:rPr lang="en-US" sz="1800" b="0" i="0" u="none" strike="noStrike">
+                          <a:solidFill>
+                            <a:srgbClr val="000000"/>
+                          </a:solidFill>
+                          <a:effectLst/>
+                          <a:latin typeface="Calibri" panose="020F0502020204030204" pitchFamily="34" charset="0"/>
+                        </a:rPr>
+                        <a:t>96</a:t>
+                      </a:r>
+                    </a:p>
+                  </a:txBody>
+                  <a:tcPr marL="9525" marR="9525" marT="9525" marB="0" anchor="b">
+                    <a:solidFill>
+                      <a:schemeClr val="bg2"/>
+                    </a:solidFill>
+                  </a:tcPr>
+                </a:tc>
+                <a:tc>
+                  <a:txBody>
+                    <a:bodyPr/>
+                    <a:lstStyle/>
+                    <a:p>
+                      <a:pPr algn="l" fontAlgn="b"/>
+                      <a:r>
+                        <a:rPr lang="en-US" sz="1800" b="0" i="0" u="none" strike="noStrike" dirty="0">
+                          <a:solidFill>
+                            <a:srgbClr val="000000"/>
+                          </a:solidFill>
+                          <a:effectLst/>
+                          <a:latin typeface="Calibri" panose="020F0502020204030204" pitchFamily="34" charset="0"/>
+                        </a:rPr>
+                        <a:t>Medical</a:t>
+                      </a:r>
+                    </a:p>
+                  </a:txBody>
+                  <a:tcPr marL="9525" marR="9525" marT="9525" marB="0" anchor="b">
+                    <a:solidFill>
+                      <a:schemeClr val="bg2"/>
+                    </a:solidFill>
+                  </a:tcPr>
+                </a:tc>
+              </a:tr>
+            </a:tbl>
+          </a:graphicData>
+        </a:graphic>
+      </p:graphicFrame>
+    </p:spTree>
+    <p:extLst>
+      <p:ext uri="{BB962C8B-B14F-4D97-AF65-F5344CB8AC3E}">
+        <p14:creationId xmlns:p14="http://schemas.microsoft.com/office/powerpoint/2010/main" val="2996016731"/>
+      </p:ext>
+    </p:extLst>
+  </p:cSld>
+  <p:clrMapOvr>
+    <a:masterClrMapping/>
+  </p:clrMapOvr>
+</p:sld>
+</file>
+
+<file path=ppt/slides/slide11.xml><?xml version="1.0" encoding="utf-8"?>
+<p:sld xmlns:a="http://schemas.openxmlformats.org/drawingml/2006/main" xmlns:r="http://schemas.openxmlformats.org/officeDocument/2006/relationships" xmlns:p="http://schemas.openxmlformats.org/presentationml/2006/main">
+  <p:cSld>
+    <p:spTree>
+      <p:nvGrpSpPr>
+        <p:cNvPr id="1" name=""/>
+        <p:cNvGrpSpPr/>
+        <p:nvPr/>
+      </p:nvGrpSpPr>
+      <p:grpSpPr>
+        <a:xfrm>
+          <a:off x="0" y="0"/>
+          <a:ext cx="0" cy="0"/>
+          <a:chOff x="0" y="0"/>
+          <a:chExt cx="0" cy="0"/>
+        </a:xfrm>
+      </p:grpSpPr>
+      <p:sp>
+        <p:nvSpPr>
+          <p:cNvPr id="2" name="Title 1"/>
+          <p:cNvSpPr>
+            <a:spLocks noGrp="1"/>
+          </p:cNvSpPr>
+          <p:nvPr>
+            <p:ph type="title"/>
+          </p:nvPr>
+        </p:nvSpPr>
+        <p:spPr/>
+        <p:txBody>
+          <a:bodyPr/>
+          <a:lstStyle/>
+          <a:p>
+            <a:r>
+              <a:rPr lang="en-US" dirty="0" smtClean="0"/>
+              <a:t>R</a:t>
+            </a:r>
+            <a:r>
+              <a:rPr lang="en-US" dirty="0" smtClean="0"/>
+              <a:t>esults for </a:t>
+            </a:r>
+            <a:r>
+              <a:rPr lang="en-US" dirty="0"/>
+              <a:t>A</a:t>
+            </a:r>
+            <a:r>
+              <a:rPr lang="en-US" dirty="0" smtClean="0"/>
+              <a:t>ll </a:t>
+            </a:r>
+            <a:r>
+              <a:rPr lang="en-US" dirty="0" smtClean="0"/>
+              <a:t>Health &amp; Fitness Apps</a:t>
+            </a:r>
+            <a:endParaRPr lang="en-US" dirty="0"/>
+          </a:p>
+        </p:txBody>
+      </p:sp>
+      <p:graphicFrame>
+        <p:nvGraphicFramePr>
+          <p:cNvPr id="4" name="Content Placeholder 3"/>
+          <p:cNvGraphicFramePr>
+            <a:graphicFrameLocks noGrp="1"/>
+          </p:cNvGraphicFramePr>
+          <p:nvPr>
+            <p:ph idx="1"/>
+            <p:extLst>
+              <p:ext uri="{D42A27DB-BD31-4B8C-83A1-F6EECF244321}">
+                <p14:modId xmlns:p14="http://schemas.microsoft.com/office/powerpoint/2010/main" val="3748793187"/>
+              </p:ext>
+            </p:extLst>
+          </p:nvPr>
+        </p:nvGraphicFramePr>
+        <p:xfrm>
+          <a:off x="1213804" y="1737360"/>
+          <a:ext cx="9941875" cy="3122295"/>
+        </p:xfrm>
+        <a:graphic>
+          <a:graphicData uri="http://schemas.openxmlformats.org/drawingml/2006/table">
+            <a:tbl>
+              <a:tblPr>
+                <a:tableStyleId>{5C22544A-7EE6-4342-B048-85BDC9FD1C3A}</a:tableStyleId>
+              </a:tblPr>
+              <a:tblGrid>
+                <a:gridCol w="4499173"/>
+                <a:gridCol w="2435703"/>
+                <a:gridCol w="3006999"/>
+              </a:tblGrid>
+              <a:tr h="281765">
+                <a:tc>
+                  <a:txBody>
+                    <a:bodyPr/>
+                    <a:lstStyle/>
+                    <a:p>
+                      <a:pPr algn="l" fontAlgn="b"/>
+                      <a:r>
+                        <a:rPr lang="en-US" sz="1800" b="1" i="0" u="none" strike="noStrike" dirty="0" err="1">
+                          <a:solidFill>
+                            <a:srgbClr val="000000"/>
+                          </a:solidFill>
+                          <a:effectLst/>
+                          <a:latin typeface="Calibri" panose="020F0502020204030204" pitchFamily="34" charset="0"/>
+                        </a:rPr>
+                        <a:t>AppPkgName</a:t>
+                      </a:r>
+                      <a:endParaRPr lang="en-US" sz="1800" b="1" i="0" u="none" strike="noStrike" dirty="0">
+                        <a:solidFill>
+                          <a:srgbClr val="000000"/>
+                        </a:solidFill>
+                        <a:effectLst/>
+                        <a:latin typeface="Calibri" panose="020F0502020204030204" pitchFamily="34" charset="0"/>
+                      </a:endParaRPr>
+                    </a:p>
+                  </a:txBody>
+                  <a:tcPr marL="9525" marR="9525" marT="9525" marB="0" anchor="b">
+                    <a:solidFill>
+                      <a:schemeClr val="bg1">
+                        <a:lumMod val="75000"/>
+                      </a:schemeClr>
+                    </a:solidFill>
+                  </a:tcPr>
+                </a:tc>
+                <a:tc>
+                  <a:txBody>
+                    <a:bodyPr/>
+                    <a:lstStyle/>
+                    <a:p>
+                      <a:pPr algn="l" fontAlgn="b"/>
+                      <a:r>
+                        <a:rPr lang="en-US" sz="1800" b="1" i="0" u="none" strike="noStrike" dirty="0" smtClean="0">
+                          <a:solidFill>
+                            <a:srgbClr val="000000"/>
+                          </a:solidFill>
+                          <a:effectLst/>
+                          <a:latin typeface="Calibri" panose="020F0502020204030204" pitchFamily="34" charset="0"/>
+                        </a:rPr>
+                        <a:t>Cluster Assignment</a:t>
+                      </a:r>
+                      <a:endParaRPr lang="en-US" sz="1800" b="1" i="0" u="none" strike="noStrike" dirty="0">
+                        <a:solidFill>
+                          <a:srgbClr val="000000"/>
+                        </a:solidFill>
+                        <a:effectLst/>
+                        <a:latin typeface="Calibri" panose="020F0502020204030204" pitchFamily="34" charset="0"/>
+                      </a:endParaRPr>
+                    </a:p>
+                  </a:txBody>
+                  <a:tcPr marL="9525" marR="9525" marT="9525" marB="0" anchor="b">
+                    <a:solidFill>
+                      <a:schemeClr val="bg1">
+                        <a:lumMod val="75000"/>
+                      </a:schemeClr>
+                    </a:solidFill>
+                  </a:tcPr>
+                </a:tc>
+                <a:tc>
+                  <a:txBody>
+                    <a:bodyPr/>
+                    <a:lstStyle/>
+                    <a:p>
+                      <a:pPr algn="l" fontAlgn="b"/>
+                      <a:r>
+                        <a:rPr lang="en-US" sz="1800" b="1" i="0" u="none" strike="noStrike" dirty="0" err="1">
+                          <a:solidFill>
+                            <a:srgbClr val="000000"/>
+                          </a:solidFill>
+                          <a:effectLst/>
+                          <a:latin typeface="Calibri" panose="020F0502020204030204" pitchFamily="34" charset="0"/>
+                        </a:rPr>
+                        <a:t>AppCategory</a:t>
+                      </a:r>
+                      <a:endParaRPr lang="en-US" sz="1800" b="1" i="0" u="none" strike="noStrike" dirty="0">
+                        <a:solidFill>
+                          <a:srgbClr val="000000"/>
+                        </a:solidFill>
+                        <a:effectLst/>
+                        <a:latin typeface="Calibri" panose="020F0502020204030204" pitchFamily="34" charset="0"/>
+                      </a:endParaRPr>
+                    </a:p>
+                  </a:txBody>
+                  <a:tcPr marL="9525" marR="9525" marT="9525" marB="0" anchor="b">
+                    <a:solidFill>
+                      <a:schemeClr val="bg1">
+                        <a:lumMod val="75000"/>
+                      </a:schemeClr>
+                    </a:solidFill>
+                  </a:tcPr>
+                </a:tc>
+              </a:tr>
+              <a:tr h="281765">
+                <a:tc>
+                  <a:txBody>
+                    <a:bodyPr/>
+                    <a:lstStyle/>
+                    <a:p>
+                      <a:pPr algn="l" fontAlgn="b"/>
+                      <a:r>
+                        <a:rPr lang="en-US" sz="1800" b="0" i="0" u="none" strike="noStrike" dirty="0" err="1">
+                          <a:solidFill>
+                            <a:srgbClr val="000000"/>
+                          </a:solidFill>
+                          <a:effectLst/>
+                          <a:latin typeface="Calibri" panose="020F0502020204030204" pitchFamily="34" charset="0"/>
+                        </a:rPr>
+                        <a:t>com.fitnow.loseit</a:t>
+                      </a:r>
+                      <a:endParaRPr lang="en-US" sz="1800" b="0" i="0" u="none" strike="noStrike" dirty="0">
+                        <a:solidFill>
+                          <a:srgbClr val="000000"/>
+                        </a:solidFill>
+                        <a:effectLst/>
+                        <a:latin typeface="Calibri" panose="020F0502020204030204" pitchFamily="34" charset="0"/>
+                      </a:endParaRPr>
+                    </a:p>
+                  </a:txBody>
+                  <a:tcPr marL="9525" marR="9525" marT="9525" marB="0" anchor="b">
+                    <a:solidFill>
+                      <a:schemeClr val="bg2"/>
+                    </a:solidFill>
+                  </a:tcPr>
+                </a:tc>
+                <a:tc>
+                  <a:txBody>
+                    <a:bodyPr/>
+                    <a:lstStyle/>
+                    <a:p>
+                      <a:pPr algn="r" fontAlgn="b"/>
+                      <a:r>
+                        <a:rPr lang="en-US" sz="1800" b="0" i="0" u="none" strike="noStrike">
+                          <a:solidFill>
+                            <a:srgbClr val="000000"/>
+                          </a:solidFill>
+                          <a:effectLst/>
+                          <a:latin typeface="Calibri" panose="020F0502020204030204" pitchFamily="34" charset="0"/>
+                        </a:rPr>
+                        <a:t>13</a:t>
+                      </a:r>
+                    </a:p>
+                  </a:txBody>
+                  <a:tcPr marL="9525" marR="9525" marT="9525" marB="0" anchor="b">
+                    <a:solidFill>
+                      <a:schemeClr val="bg2"/>
+                    </a:solidFill>
+                  </a:tcPr>
+                </a:tc>
+                <a:tc>
+                  <a:txBody>
+                    <a:bodyPr/>
+                    <a:lstStyle/>
+                    <a:p>
+                      <a:pPr algn="l" fontAlgn="b"/>
+                      <a:r>
+                        <a:rPr lang="en-US" sz="1800" b="0" i="0" u="none" strike="noStrike">
+                          <a:solidFill>
+                            <a:srgbClr val="000000"/>
+                          </a:solidFill>
+                          <a:effectLst/>
+                          <a:latin typeface="Calibri" panose="020F0502020204030204" pitchFamily="34" charset="0"/>
+                        </a:rPr>
+                        <a:t>Health &amp; Fitness</a:t>
+                      </a:r>
+                    </a:p>
+                  </a:txBody>
+                  <a:tcPr marL="9525" marR="9525" marT="9525" marB="0" anchor="b">
+                    <a:solidFill>
+                      <a:schemeClr val="bg2"/>
+                    </a:solidFill>
+                  </a:tcPr>
+                </a:tc>
+              </a:tr>
+              <a:tr h="281765">
+                <a:tc>
+                  <a:txBody>
+                    <a:bodyPr/>
+                    <a:lstStyle/>
+                    <a:p>
+                      <a:pPr algn="l" fontAlgn="b"/>
+                      <a:r>
+                        <a:rPr lang="en-US" sz="1800" b="0" i="0" u="none" strike="noStrike">
+                          <a:solidFill>
+                            <a:srgbClr val="000000"/>
+                          </a:solidFill>
+                          <a:effectLst/>
+                          <a:latin typeface="Calibri" panose="020F0502020204030204" pitchFamily="34" charset="0"/>
+                        </a:rPr>
+                        <a:t>com.webmd.android</a:t>
+                      </a:r>
+                    </a:p>
+                  </a:txBody>
+                  <a:tcPr marL="9525" marR="9525" marT="9525" marB="0" anchor="b">
+                    <a:solidFill>
+                      <a:schemeClr val="bg2"/>
+                    </a:solidFill>
+                  </a:tcPr>
+                </a:tc>
+                <a:tc>
+                  <a:txBody>
+                    <a:bodyPr/>
+                    <a:lstStyle/>
+                    <a:p>
+                      <a:pPr algn="r" fontAlgn="b"/>
+                      <a:r>
+                        <a:rPr lang="en-US" sz="1800" b="0" i="0" u="none" strike="noStrike">
+                          <a:solidFill>
+                            <a:srgbClr val="000000"/>
+                          </a:solidFill>
+                          <a:effectLst/>
+                          <a:latin typeface="Calibri" panose="020F0502020204030204" pitchFamily="34" charset="0"/>
+                        </a:rPr>
+                        <a:t>13</a:t>
+                      </a:r>
+                    </a:p>
+                  </a:txBody>
+                  <a:tcPr marL="9525" marR="9525" marT="9525" marB="0" anchor="b">
+                    <a:solidFill>
+                      <a:schemeClr val="bg2"/>
+                    </a:solidFill>
+                  </a:tcPr>
+                </a:tc>
+                <a:tc>
+                  <a:txBody>
+                    <a:bodyPr/>
+                    <a:lstStyle/>
+                    <a:p>
+                      <a:pPr algn="l" fontAlgn="b"/>
+                      <a:r>
+                        <a:rPr lang="en-US" sz="1800" b="0" i="0" u="none" strike="noStrike">
+                          <a:solidFill>
+                            <a:srgbClr val="000000"/>
+                          </a:solidFill>
+                          <a:effectLst/>
+                          <a:latin typeface="Calibri" panose="020F0502020204030204" pitchFamily="34" charset="0"/>
+                        </a:rPr>
+                        <a:t>Health &amp; Fitness</a:t>
+                      </a:r>
+                    </a:p>
+                  </a:txBody>
+                  <a:tcPr marL="9525" marR="9525" marT="9525" marB="0" anchor="b">
+                    <a:solidFill>
+                      <a:schemeClr val="bg2"/>
+                    </a:solidFill>
+                  </a:tcPr>
+                </a:tc>
+              </a:tr>
+              <a:tr h="281765">
+                <a:tc>
+                  <a:txBody>
+                    <a:bodyPr/>
+                    <a:lstStyle/>
+                    <a:p>
+                      <a:pPr algn="l" fontAlgn="b"/>
+                      <a:r>
+                        <a:rPr lang="en-US" sz="1800" b="0" i="0" u="none" strike="noStrike">
+                          <a:solidFill>
+                            <a:srgbClr val="000000"/>
+                          </a:solidFill>
+                          <a:effectLst/>
+                          <a:latin typeface="Calibri" panose="020F0502020204030204" pitchFamily="34" charset="0"/>
+                        </a:rPr>
+                        <a:t>com.period.tracker.lite</a:t>
+                      </a:r>
+                    </a:p>
+                  </a:txBody>
+                  <a:tcPr marL="9525" marR="9525" marT="9525" marB="0" anchor="b">
+                    <a:solidFill>
+                      <a:schemeClr val="bg2"/>
+                    </a:solidFill>
+                  </a:tcPr>
+                </a:tc>
+                <a:tc>
+                  <a:txBody>
+                    <a:bodyPr/>
+                    <a:lstStyle/>
+                    <a:p>
+                      <a:pPr algn="r" fontAlgn="b"/>
+                      <a:r>
+                        <a:rPr lang="en-US" sz="1800" b="0" i="0" u="none" strike="noStrike">
+                          <a:solidFill>
+                            <a:srgbClr val="000000"/>
+                          </a:solidFill>
+                          <a:effectLst/>
+                          <a:latin typeface="Calibri" panose="020F0502020204030204" pitchFamily="34" charset="0"/>
+                        </a:rPr>
+                        <a:t>27</a:t>
+                      </a:r>
+                    </a:p>
+                  </a:txBody>
+                  <a:tcPr marL="9525" marR="9525" marT="9525" marB="0" anchor="b">
+                    <a:solidFill>
+                      <a:schemeClr val="bg2"/>
+                    </a:solidFill>
+                  </a:tcPr>
+                </a:tc>
+                <a:tc>
+                  <a:txBody>
+                    <a:bodyPr/>
+                    <a:lstStyle/>
+                    <a:p>
+                      <a:pPr algn="l" fontAlgn="b"/>
+                      <a:r>
+                        <a:rPr lang="en-US" sz="1800" b="0" i="0" u="none" strike="noStrike">
+                          <a:solidFill>
+                            <a:srgbClr val="000000"/>
+                          </a:solidFill>
+                          <a:effectLst/>
+                          <a:latin typeface="Calibri" panose="020F0502020204030204" pitchFamily="34" charset="0"/>
+                        </a:rPr>
+                        <a:t>Health &amp; Fitness</a:t>
+                      </a:r>
+                    </a:p>
+                  </a:txBody>
+                  <a:tcPr marL="9525" marR="9525" marT="9525" marB="0" anchor="b">
+                    <a:solidFill>
+                      <a:schemeClr val="bg2"/>
+                    </a:solidFill>
+                  </a:tcPr>
+                </a:tc>
+              </a:tr>
+              <a:tr h="281765">
+                <a:tc>
+                  <a:txBody>
+                    <a:bodyPr/>
+                    <a:lstStyle/>
+                    <a:p>
+                      <a:pPr algn="l" fontAlgn="b"/>
+                      <a:r>
+                        <a:rPr lang="en-US" sz="1800" b="0" i="0" u="none" strike="noStrike">
+                          <a:solidFill>
+                            <a:srgbClr val="000000"/>
+                          </a:solidFill>
+                          <a:effectLst/>
+                          <a:latin typeface="Calibri" panose="020F0502020204030204" pitchFamily="34" charset="0"/>
+                        </a:rPr>
+                        <a:t>com.popularapp.periodcalendar</a:t>
+                      </a:r>
+                    </a:p>
+                  </a:txBody>
+                  <a:tcPr marL="9525" marR="9525" marT="9525" marB="0" anchor="b">
+                    <a:solidFill>
+                      <a:schemeClr val="bg2"/>
+                    </a:solidFill>
+                  </a:tcPr>
+                </a:tc>
+                <a:tc>
+                  <a:txBody>
+                    <a:bodyPr/>
+                    <a:lstStyle/>
+                    <a:p>
+                      <a:pPr algn="r" fontAlgn="b"/>
+                      <a:r>
+                        <a:rPr lang="en-US" sz="1800" b="0" i="0" u="none" strike="noStrike">
+                          <a:solidFill>
+                            <a:srgbClr val="000000"/>
+                          </a:solidFill>
+                          <a:effectLst/>
+                          <a:latin typeface="Calibri" panose="020F0502020204030204" pitchFamily="34" charset="0"/>
+                        </a:rPr>
+                        <a:t>27</a:t>
+                      </a:r>
+                    </a:p>
+                  </a:txBody>
+                  <a:tcPr marL="9525" marR="9525" marT="9525" marB="0" anchor="b">
+                    <a:solidFill>
+                      <a:schemeClr val="bg2"/>
+                    </a:solidFill>
+                  </a:tcPr>
+                </a:tc>
+                <a:tc>
+                  <a:txBody>
+                    <a:bodyPr/>
+                    <a:lstStyle/>
+                    <a:p>
+                      <a:pPr algn="l" fontAlgn="b"/>
+                      <a:r>
+                        <a:rPr lang="en-US" sz="1800" b="0" i="0" u="none" strike="noStrike">
+                          <a:solidFill>
+                            <a:srgbClr val="000000"/>
+                          </a:solidFill>
+                          <a:effectLst/>
+                          <a:latin typeface="Calibri" panose="020F0502020204030204" pitchFamily="34" charset="0"/>
+                        </a:rPr>
+                        <a:t>Health &amp; Fitness</a:t>
+                      </a:r>
+                    </a:p>
+                  </a:txBody>
+                  <a:tcPr marL="9525" marR="9525" marT="9525" marB="0" anchor="b">
+                    <a:solidFill>
+                      <a:schemeClr val="bg2"/>
+                    </a:solidFill>
+                  </a:tcPr>
+                </a:tc>
+              </a:tr>
+              <a:tr h="281765">
+                <a:tc>
+                  <a:txBody>
+                    <a:bodyPr/>
+                    <a:lstStyle/>
+                    <a:p>
+                      <a:pPr algn="l" fontAlgn="b"/>
+                      <a:r>
+                        <a:rPr lang="en-US" sz="1800" b="0" i="0" u="none" strike="noStrike">
+                          <a:solidFill>
+                            <a:srgbClr val="000000"/>
+                          </a:solidFill>
+                          <a:effectLst/>
+                          <a:latin typeface="Calibri" panose="020F0502020204030204" pitchFamily="34" charset="0"/>
+                        </a:rPr>
+                        <a:t>com.cvs.launchers.cvs</a:t>
+                      </a:r>
+                    </a:p>
+                  </a:txBody>
+                  <a:tcPr marL="9525" marR="9525" marT="9525" marB="0" anchor="b">
+                    <a:solidFill>
+                      <a:schemeClr val="bg2"/>
+                    </a:solidFill>
+                  </a:tcPr>
+                </a:tc>
+                <a:tc>
+                  <a:txBody>
+                    <a:bodyPr/>
+                    <a:lstStyle/>
+                    <a:p>
+                      <a:pPr algn="r" fontAlgn="b"/>
+                      <a:r>
+                        <a:rPr lang="en-US" sz="1800" b="0" i="0" u="none" strike="noStrike">
+                          <a:solidFill>
+                            <a:srgbClr val="000000"/>
+                          </a:solidFill>
+                          <a:effectLst/>
+                          <a:latin typeface="Calibri" panose="020F0502020204030204" pitchFamily="34" charset="0"/>
+                        </a:rPr>
+                        <a:t>32</a:t>
+                      </a:r>
+                    </a:p>
+                  </a:txBody>
+                  <a:tcPr marL="9525" marR="9525" marT="9525" marB="0" anchor="b">
+                    <a:solidFill>
+                      <a:schemeClr val="bg2"/>
+                    </a:solidFill>
+                  </a:tcPr>
+                </a:tc>
+                <a:tc>
+                  <a:txBody>
+                    <a:bodyPr/>
+                    <a:lstStyle/>
+                    <a:p>
+                      <a:pPr algn="l" fontAlgn="b"/>
+                      <a:r>
+                        <a:rPr lang="en-US" sz="1800" b="0" i="0" u="none" strike="noStrike">
+                          <a:solidFill>
+                            <a:srgbClr val="000000"/>
+                          </a:solidFill>
+                          <a:effectLst/>
+                          <a:latin typeface="Calibri" panose="020F0502020204030204" pitchFamily="34" charset="0"/>
+                        </a:rPr>
+                        <a:t>Health &amp; Fitness</a:t>
+                      </a:r>
+                    </a:p>
+                  </a:txBody>
+                  <a:tcPr marL="9525" marR="9525" marT="9525" marB="0" anchor="b">
+                    <a:solidFill>
+                      <a:schemeClr val="bg2"/>
+                    </a:solidFill>
+                  </a:tcPr>
+                </a:tc>
+              </a:tr>
+              <a:tr h="281765">
+                <a:tc>
+                  <a:txBody>
+                    <a:bodyPr/>
+                    <a:lstStyle/>
+                    <a:p>
+                      <a:pPr algn="l" fontAlgn="b"/>
+                      <a:r>
+                        <a:rPr lang="en-US" sz="1800" b="0" i="0" u="none" strike="noStrike">
+                          <a:solidFill>
+                            <a:srgbClr val="000000"/>
+                          </a:solidFill>
+                          <a:effectLst/>
+                          <a:latin typeface="Calibri" panose="020F0502020204030204" pitchFamily="34" charset="0"/>
+                        </a:rPr>
+                        <a:t>com.babycenter.pregnancytracker</a:t>
+                      </a:r>
+                    </a:p>
+                  </a:txBody>
+                  <a:tcPr marL="9525" marR="9525" marT="9525" marB="0" anchor="b">
+                    <a:solidFill>
+                      <a:schemeClr val="bg2"/>
+                    </a:solidFill>
+                  </a:tcPr>
+                </a:tc>
+                <a:tc>
+                  <a:txBody>
+                    <a:bodyPr/>
+                    <a:lstStyle/>
+                    <a:p>
+                      <a:pPr algn="r" fontAlgn="b"/>
+                      <a:r>
+                        <a:rPr lang="en-US" sz="1800" b="0" i="0" u="none" strike="noStrike">
+                          <a:solidFill>
+                            <a:srgbClr val="000000"/>
+                          </a:solidFill>
+                          <a:effectLst/>
+                          <a:latin typeface="Calibri" panose="020F0502020204030204" pitchFamily="34" charset="0"/>
+                        </a:rPr>
+                        <a:t>54</a:t>
+                      </a:r>
+                    </a:p>
+                  </a:txBody>
+                  <a:tcPr marL="9525" marR="9525" marT="9525" marB="0" anchor="b">
+                    <a:solidFill>
+                      <a:schemeClr val="bg2"/>
+                    </a:solidFill>
+                  </a:tcPr>
+                </a:tc>
+                <a:tc>
+                  <a:txBody>
+                    <a:bodyPr/>
+                    <a:lstStyle/>
+                    <a:p>
+                      <a:pPr algn="l" fontAlgn="b"/>
+                      <a:r>
+                        <a:rPr lang="en-US" sz="1800" b="0" i="0" u="none" strike="noStrike">
+                          <a:solidFill>
+                            <a:srgbClr val="000000"/>
+                          </a:solidFill>
+                          <a:effectLst/>
+                          <a:latin typeface="Calibri" panose="020F0502020204030204" pitchFamily="34" charset="0"/>
+                        </a:rPr>
+                        <a:t>Health &amp; Fitness</a:t>
+                      </a:r>
+                    </a:p>
+                  </a:txBody>
+                  <a:tcPr marL="9525" marR="9525" marT="9525" marB="0" anchor="b">
+                    <a:solidFill>
+                      <a:schemeClr val="bg2"/>
+                    </a:solidFill>
+                  </a:tcPr>
+                </a:tc>
+              </a:tr>
+              <a:tr h="281765">
+                <a:tc>
+                  <a:txBody>
+                    <a:bodyPr/>
+                    <a:lstStyle/>
+                    <a:p>
+                      <a:pPr algn="l" fontAlgn="b"/>
+                      <a:r>
+                        <a:rPr lang="en-US" sz="1800" b="0" i="0" u="none" strike="noStrike">
+                          <a:solidFill>
+                            <a:srgbClr val="000000"/>
+                          </a:solidFill>
+                          <a:effectLst/>
+                          <a:latin typeface="Calibri" panose="020F0502020204030204" pitchFamily="34" charset="0"/>
+                        </a:rPr>
+                        <a:t>com.fitbit.FitbitMobile</a:t>
+                      </a:r>
+                    </a:p>
+                  </a:txBody>
+                  <a:tcPr marL="9525" marR="9525" marT="9525" marB="0" anchor="b">
+                    <a:solidFill>
+                      <a:schemeClr val="bg2"/>
+                    </a:solidFill>
+                  </a:tcPr>
+                </a:tc>
+                <a:tc>
+                  <a:txBody>
+                    <a:bodyPr/>
+                    <a:lstStyle/>
+                    <a:p>
+                      <a:pPr algn="r" fontAlgn="b"/>
+                      <a:r>
+                        <a:rPr lang="en-US" sz="1800" b="0" i="0" u="none" strike="noStrike">
+                          <a:solidFill>
+                            <a:srgbClr val="000000"/>
+                          </a:solidFill>
+                          <a:effectLst/>
+                          <a:latin typeface="Calibri" panose="020F0502020204030204" pitchFamily="34" charset="0"/>
+                        </a:rPr>
+                        <a:t>60</a:t>
+                      </a:r>
+                    </a:p>
+                  </a:txBody>
+                  <a:tcPr marL="9525" marR="9525" marT="9525" marB="0" anchor="b">
+                    <a:solidFill>
+                      <a:schemeClr val="bg2"/>
+                    </a:solidFill>
+                  </a:tcPr>
+                </a:tc>
+                <a:tc>
+                  <a:txBody>
+                    <a:bodyPr/>
+                    <a:lstStyle/>
+                    <a:p>
+                      <a:pPr algn="l" fontAlgn="b"/>
+                      <a:r>
+                        <a:rPr lang="en-US" sz="1800" b="0" i="0" u="none" strike="noStrike">
+                          <a:solidFill>
+                            <a:srgbClr val="000000"/>
+                          </a:solidFill>
+                          <a:effectLst/>
+                          <a:latin typeface="Calibri" panose="020F0502020204030204" pitchFamily="34" charset="0"/>
+                        </a:rPr>
+                        <a:t>Health &amp; Fitness</a:t>
+                      </a:r>
+                    </a:p>
+                  </a:txBody>
+                  <a:tcPr marL="9525" marR="9525" marT="9525" marB="0" anchor="b">
+                    <a:solidFill>
+                      <a:schemeClr val="bg2"/>
+                    </a:solidFill>
+                  </a:tcPr>
+                </a:tc>
+              </a:tr>
+              <a:tr h="281765">
+                <a:tc>
+                  <a:txBody>
+                    <a:bodyPr/>
+                    <a:lstStyle/>
+                    <a:p>
+                      <a:pPr algn="l" fontAlgn="b"/>
+                      <a:r>
+                        <a:rPr lang="en-US" sz="1800" b="0" i="0" u="none" strike="noStrike">
+                          <a:solidFill>
+                            <a:srgbClr val="000000"/>
+                          </a:solidFill>
+                          <a:effectLst/>
+                          <a:latin typeface="Calibri" panose="020F0502020204030204" pitchFamily="34" charset="0"/>
+                        </a:rPr>
+                        <a:t>com.myfitnesspal.android</a:t>
+                      </a:r>
+                    </a:p>
+                  </a:txBody>
+                  <a:tcPr marL="9525" marR="9525" marT="9525" marB="0" anchor="b">
+                    <a:solidFill>
+                      <a:schemeClr val="bg2"/>
+                    </a:solidFill>
+                  </a:tcPr>
+                </a:tc>
+                <a:tc>
+                  <a:txBody>
+                    <a:bodyPr/>
+                    <a:lstStyle/>
+                    <a:p>
+                      <a:pPr algn="r" fontAlgn="b"/>
+                      <a:r>
+                        <a:rPr lang="en-US" sz="1800" b="0" i="0" u="none" strike="noStrike">
+                          <a:solidFill>
+                            <a:srgbClr val="000000"/>
+                          </a:solidFill>
+                          <a:effectLst/>
+                          <a:latin typeface="Calibri" panose="020F0502020204030204" pitchFamily="34" charset="0"/>
+                        </a:rPr>
+                        <a:t>87</a:t>
+                      </a:r>
+                    </a:p>
+                  </a:txBody>
+                  <a:tcPr marL="9525" marR="9525" marT="9525" marB="0" anchor="b">
+                    <a:solidFill>
+                      <a:schemeClr val="bg2"/>
+                    </a:solidFill>
+                  </a:tcPr>
+                </a:tc>
+                <a:tc>
+                  <a:txBody>
+                    <a:bodyPr/>
+                    <a:lstStyle/>
+                    <a:p>
+                      <a:pPr algn="l" fontAlgn="b"/>
+                      <a:r>
+                        <a:rPr lang="en-US" sz="1800" b="0" i="0" u="none" strike="noStrike">
+                          <a:solidFill>
+                            <a:srgbClr val="000000"/>
+                          </a:solidFill>
+                          <a:effectLst/>
+                          <a:latin typeface="Calibri" panose="020F0502020204030204" pitchFamily="34" charset="0"/>
+                        </a:rPr>
+                        <a:t>Health &amp; Fitness</a:t>
+                      </a:r>
+                    </a:p>
+                  </a:txBody>
+                  <a:tcPr marL="9525" marR="9525" marT="9525" marB="0" anchor="b">
+                    <a:solidFill>
+                      <a:schemeClr val="bg2"/>
+                    </a:solidFill>
+                  </a:tcPr>
+                </a:tc>
+              </a:tr>
+              <a:tr h="281765">
+                <a:tc>
+                  <a:txBody>
+                    <a:bodyPr/>
+                    <a:lstStyle/>
+                    <a:p>
+                      <a:pPr algn="l" fontAlgn="b"/>
+                      <a:r>
+                        <a:rPr lang="en-US" sz="1800" b="0" i="0" u="none" strike="noStrike">
+                          <a:solidFill>
+                            <a:srgbClr val="000000"/>
+                          </a:solidFill>
+                          <a:effectLst/>
+                          <a:latin typeface="Calibri" panose="020F0502020204030204" pitchFamily="34" charset="0"/>
+                        </a:rPr>
+                        <a:t>com.google.android.apps.fitness</a:t>
+                      </a:r>
+                    </a:p>
+                  </a:txBody>
+                  <a:tcPr marL="9525" marR="9525" marT="9525" marB="0" anchor="b">
+                    <a:solidFill>
+                      <a:schemeClr val="bg2"/>
+                    </a:solidFill>
+                  </a:tcPr>
+                </a:tc>
+                <a:tc>
+                  <a:txBody>
+                    <a:bodyPr/>
+                    <a:lstStyle/>
+                    <a:p>
+                      <a:pPr algn="r" fontAlgn="b"/>
+                      <a:r>
+                        <a:rPr lang="en-US" sz="1800" b="0" i="0" u="none" strike="noStrike">
+                          <a:solidFill>
+                            <a:srgbClr val="000000"/>
+                          </a:solidFill>
+                          <a:effectLst/>
+                          <a:latin typeface="Calibri" panose="020F0502020204030204" pitchFamily="34" charset="0"/>
+                        </a:rPr>
+                        <a:t>91</a:t>
+                      </a:r>
+                    </a:p>
+                  </a:txBody>
+                  <a:tcPr marL="9525" marR="9525" marT="9525" marB="0" anchor="b">
+                    <a:solidFill>
+                      <a:schemeClr val="bg2"/>
+                    </a:solidFill>
+                  </a:tcPr>
+                </a:tc>
+                <a:tc>
+                  <a:txBody>
+                    <a:bodyPr/>
+                    <a:lstStyle/>
+                    <a:p>
+                      <a:pPr algn="l" fontAlgn="b"/>
+                      <a:r>
+                        <a:rPr lang="en-US" sz="1800" b="0" i="0" u="none" strike="noStrike">
+                          <a:solidFill>
+                            <a:srgbClr val="000000"/>
+                          </a:solidFill>
+                          <a:effectLst/>
+                          <a:latin typeface="Calibri" panose="020F0502020204030204" pitchFamily="34" charset="0"/>
+                        </a:rPr>
+                        <a:t>Health &amp; Fitness</a:t>
+                      </a:r>
+                    </a:p>
+                  </a:txBody>
+                  <a:tcPr marL="9525" marR="9525" marT="9525" marB="0" anchor="b">
+                    <a:solidFill>
+                      <a:schemeClr val="bg2"/>
+                    </a:solidFill>
+                  </a:tcPr>
+                </a:tc>
+              </a:tr>
+              <a:tr h="281765">
+                <a:tc>
+                  <a:txBody>
+                    <a:bodyPr/>
+                    <a:lstStyle/>
+                    <a:p>
+                      <a:pPr algn="l" fontAlgn="b"/>
+                      <a:r>
+                        <a:rPr lang="en-US" sz="1800" b="0" i="0" u="none" strike="noStrike">
+                          <a:solidFill>
+                            <a:srgbClr val="000000"/>
+                          </a:solidFill>
+                          <a:effectLst/>
+                          <a:latin typeface="Calibri" panose="020F0502020204030204" pitchFamily="34" charset="0"/>
+                        </a:rPr>
+                        <a:t>com.tayu.tau.pedometer</a:t>
+                      </a:r>
+                    </a:p>
+                  </a:txBody>
+                  <a:tcPr marL="9525" marR="9525" marT="9525" marB="0" anchor="b">
+                    <a:solidFill>
+                      <a:schemeClr val="bg2"/>
+                    </a:solidFill>
+                  </a:tcPr>
+                </a:tc>
+                <a:tc>
+                  <a:txBody>
+                    <a:bodyPr/>
+                    <a:lstStyle/>
+                    <a:p>
+                      <a:pPr algn="r" fontAlgn="b"/>
+                      <a:r>
+                        <a:rPr lang="en-US" sz="1800" b="0" i="0" u="none" strike="noStrike">
+                          <a:solidFill>
+                            <a:srgbClr val="000000"/>
+                          </a:solidFill>
+                          <a:effectLst/>
+                          <a:latin typeface="Calibri" panose="020F0502020204030204" pitchFamily="34" charset="0"/>
+                        </a:rPr>
+                        <a:t>94</a:t>
+                      </a:r>
+                    </a:p>
+                  </a:txBody>
+                  <a:tcPr marL="9525" marR="9525" marT="9525" marB="0" anchor="b">
+                    <a:solidFill>
+                      <a:schemeClr val="bg2"/>
+                    </a:solidFill>
+                  </a:tcPr>
+                </a:tc>
+                <a:tc>
+                  <a:txBody>
+                    <a:bodyPr/>
+                    <a:lstStyle/>
+                    <a:p>
+                      <a:pPr algn="l" fontAlgn="b"/>
+                      <a:r>
+                        <a:rPr lang="en-US" sz="1800" b="0" i="0" u="none" strike="noStrike" dirty="0">
+                          <a:solidFill>
+                            <a:srgbClr val="000000"/>
+                          </a:solidFill>
+                          <a:effectLst/>
+                          <a:latin typeface="Calibri" panose="020F0502020204030204" pitchFamily="34" charset="0"/>
+                        </a:rPr>
+                        <a:t>Health &amp; Fitness</a:t>
+                      </a:r>
+                    </a:p>
+                  </a:txBody>
+                  <a:tcPr marL="9525" marR="9525" marT="9525" marB="0" anchor="b">
+                    <a:solidFill>
+                      <a:schemeClr val="bg2"/>
+                    </a:solidFill>
+                  </a:tcPr>
+                </a:tc>
+              </a:tr>
+            </a:tbl>
+          </a:graphicData>
+        </a:graphic>
+      </p:graphicFrame>
+    </p:spTree>
+    <p:extLst>
+      <p:ext uri="{BB962C8B-B14F-4D97-AF65-F5344CB8AC3E}">
+        <p14:creationId xmlns:p14="http://schemas.microsoft.com/office/powerpoint/2010/main" val="2723369929"/>
+      </p:ext>
+    </p:extLst>
+  </p:cSld>
+  <p:clrMapOvr>
+    <a:masterClrMapping/>
+  </p:clrMapOvr>
+</p:sld>
+</file>
+
+<file path=ppt/slides/slide12.xml><?xml version="1.0" encoding="utf-8"?>
+<p:sld xmlns:a="http://schemas.openxmlformats.org/drawingml/2006/main" xmlns:r="http://schemas.openxmlformats.org/officeDocument/2006/relationships" xmlns:p="http://schemas.openxmlformats.org/presentationml/2006/main">
+  <p:cSld>
+    <p:spTree>
+      <p:nvGrpSpPr>
+        <p:cNvPr id="1" name=""/>
+        <p:cNvGrpSpPr/>
+        <p:nvPr/>
+      </p:nvGrpSpPr>
+      <p:grpSpPr>
+        <a:xfrm>
+          <a:off x="0" y="0"/>
+          <a:ext cx="0" cy="0"/>
+          <a:chOff x="0" y="0"/>
+          <a:chExt cx="0" cy="0"/>
+        </a:xfrm>
+      </p:grpSpPr>
+      <p:sp>
+        <p:nvSpPr>
+          <p:cNvPr id="2" name="Title 1"/>
+          <p:cNvSpPr>
+            <a:spLocks noGrp="1"/>
+          </p:cNvSpPr>
+          <p:nvPr>
+            <p:ph type="title"/>
+          </p:nvPr>
+        </p:nvSpPr>
+        <p:spPr/>
+        <p:txBody>
+          <a:bodyPr/>
+          <a:lstStyle/>
+          <a:p>
+            <a:r>
+              <a:rPr lang="en-US" dirty="0" smtClean="0"/>
+              <a:t>Library Apps seem like the best</a:t>
+            </a:r>
+            <a:endParaRPr lang="en-US" dirty="0"/>
+          </a:p>
+        </p:txBody>
+      </p:sp>
+      <p:graphicFrame>
+        <p:nvGraphicFramePr>
+          <p:cNvPr id="4" name="Content Placeholder 3"/>
+          <p:cNvGraphicFramePr>
+            <a:graphicFrameLocks noGrp="1"/>
+          </p:cNvGraphicFramePr>
+          <p:nvPr>
+            <p:ph idx="1"/>
+            <p:extLst>
+              <p:ext uri="{D42A27DB-BD31-4B8C-83A1-F6EECF244321}">
+                <p14:modId xmlns:p14="http://schemas.microsoft.com/office/powerpoint/2010/main" val="3714558784"/>
+              </p:ext>
+            </p:extLst>
+          </p:nvPr>
+        </p:nvGraphicFramePr>
+        <p:xfrm>
+          <a:off x="1213804" y="1737360"/>
+          <a:ext cx="9941875" cy="3122295"/>
+        </p:xfrm>
+        <a:graphic>
+          <a:graphicData uri="http://schemas.openxmlformats.org/drawingml/2006/table">
+            <a:tbl>
+              <a:tblPr>
+                <a:tableStyleId>{5C22544A-7EE6-4342-B048-85BDC9FD1C3A}</a:tableStyleId>
+              </a:tblPr>
+              <a:tblGrid>
+                <a:gridCol w="5526861"/>
+                <a:gridCol w="1977651"/>
+                <a:gridCol w="2437363"/>
+              </a:tblGrid>
+              <a:tr h="281765">
+                <a:tc>
+                  <a:txBody>
+                    <a:bodyPr/>
+                    <a:lstStyle/>
+                    <a:p>
+                      <a:pPr algn="l" fontAlgn="b"/>
+                      <a:r>
+                        <a:rPr lang="en-US" sz="1800" b="1" i="0" u="none" strike="noStrike" dirty="0" err="1">
+                          <a:solidFill>
+                            <a:srgbClr val="000000"/>
+                          </a:solidFill>
+                          <a:effectLst/>
+                          <a:latin typeface="Calibri" panose="020F0502020204030204" pitchFamily="34" charset="0"/>
+                        </a:rPr>
+                        <a:t>AppPkgName</a:t>
+                      </a:r>
+                      <a:endParaRPr lang="en-US" sz="1800" b="1" i="0" u="none" strike="noStrike" dirty="0">
+                        <a:solidFill>
+                          <a:srgbClr val="000000"/>
+                        </a:solidFill>
+                        <a:effectLst/>
+                        <a:latin typeface="Calibri" panose="020F0502020204030204" pitchFamily="34" charset="0"/>
+                      </a:endParaRPr>
+                    </a:p>
+                  </a:txBody>
+                  <a:tcPr marL="9525" marR="9525" marT="9525" marB="0" anchor="b">
+                    <a:solidFill>
+                      <a:schemeClr val="bg1">
+                        <a:lumMod val="75000"/>
+                      </a:schemeClr>
+                    </a:solidFill>
+                  </a:tcPr>
+                </a:tc>
+                <a:tc>
+                  <a:txBody>
+                    <a:bodyPr/>
+                    <a:lstStyle/>
+                    <a:p>
+                      <a:pPr algn="l" fontAlgn="b"/>
+                      <a:r>
+                        <a:rPr lang="en-US" sz="1800" b="1" i="0" u="none" strike="noStrike" dirty="0" smtClean="0">
+                          <a:solidFill>
+                            <a:srgbClr val="000000"/>
+                          </a:solidFill>
+                          <a:effectLst/>
+                          <a:latin typeface="Calibri" panose="020F0502020204030204" pitchFamily="34" charset="0"/>
+                        </a:rPr>
+                        <a:t>Cluster Assignment</a:t>
+                      </a:r>
+                      <a:endParaRPr lang="en-US" sz="1800" b="1" i="0" u="none" strike="noStrike" dirty="0">
+                        <a:solidFill>
+                          <a:srgbClr val="000000"/>
+                        </a:solidFill>
+                        <a:effectLst/>
+                        <a:latin typeface="Calibri" panose="020F0502020204030204" pitchFamily="34" charset="0"/>
+                      </a:endParaRPr>
+                    </a:p>
+                  </a:txBody>
+                  <a:tcPr marL="9525" marR="9525" marT="9525" marB="0" anchor="b">
+                    <a:solidFill>
+                      <a:schemeClr val="bg1">
+                        <a:lumMod val="75000"/>
+                      </a:schemeClr>
+                    </a:solidFill>
+                  </a:tcPr>
+                </a:tc>
+                <a:tc>
+                  <a:txBody>
+                    <a:bodyPr/>
+                    <a:lstStyle/>
+                    <a:p>
+                      <a:pPr algn="l" fontAlgn="b"/>
+                      <a:r>
+                        <a:rPr lang="en-US" sz="1800" b="1" i="0" u="none" strike="noStrike" dirty="0" err="1">
+                          <a:solidFill>
+                            <a:srgbClr val="000000"/>
+                          </a:solidFill>
+                          <a:effectLst/>
+                          <a:latin typeface="Calibri" panose="020F0502020204030204" pitchFamily="34" charset="0"/>
+                        </a:rPr>
+                        <a:t>AppCategory</a:t>
+                      </a:r>
+                      <a:endParaRPr lang="en-US" sz="1800" b="1" i="0" u="none" strike="noStrike" dirty="0">
+                        <a:solidFill>
+                          <a:srgbClr val="000000"/>
+                        </a:solidFill>
+                        <a:effectLst/>
+                        <a:latin typeface="Calibri" panose="020F0502020204030204" pitchFamily="34" charset="0"/>
+                      </a:endParaRPr>
+                    </a:p>
+                  </a:txBody>
+                  <a:tcPr marL="9525" marR="9525" marT="9525" marB="0" anchor="b">
+                    <a:solidFill>
+                      <a:schemeClr val="bg1">
+                        <a:lumMod val="75000"/>
+                      </a:schemeClr>
+                    </a:solidFill>
+                  </a:tcPr>
+                </a:tc>
+              </a:tr>
+              <a:tr h="281765">
+                <a:tc>
+                  <a:txBody>
+                    <a:bodyPr/>
+                    <a:lstStyle/>
+                    <a:p>
+                      <a:pPr algn="l" fontAlgn="b"/>
+                      <a:r>
+                        <a:rPr lang="en-US" sz="1800" b="0" i="0" u="none" strike="noStrike" dirty="0" err="1">
+                          <a:solidFill>
+                            <a:srgbClr val="000000"/>
+                          </a:solidFill>
+                          <a:effectLst/>
+                          <a:latin typeface="Calibri" panose="020F0502020204030204" pitchFamily="34" charset="0"/>
+                        </a:rPr>
+                        <a:t>com.aviary.android.feather.plugins.borders.free</a:t>
+                      </a:r>
+                      <a:endParaRPr lang="en-US" sz="1800" b="0" i="0" u="none" strike="noStrike" dirty="0">
+                        <a:solidFill>
+                          <a:srgbClr val="000000"/>
+                        </a:solidFill>
+                        <a:effectLst/>
+                        <a:latin typeface="Calibri" panose="020F0502020204030204" pitchFamily="34" charset="0"/>
+                      </a:endParaRPr>
+                    </a:p>
+                  </a:txBody>
+                  <a:tcPr marL="9525" marR="9525" marT="9525" marB="0" anchor="b">
+                    <a:solidFill>
+                      <a:srgbClr val="92D050"/>
+                    </a:solidFill>
+                  </a:tcPr>
+                </a:tc>
+                <a:tc>
+                  <a:txBody>
+                    <a:bodyPr/>
+                    <a:lstStyle/>
+                    <a:p>
+                      <a:pPr algn="r" fontAlgn="b"/>
+                      <a:r>
+                        <a:rPr lang="en-US" sz="1800" b="0" i="0" u="none" strike="noStrike" dirty="0">
+                          <a:solidFill>
+                            <a:srgbClr val="000000"/>
+                          </a:solidFill>
+                          <a:effectLst/>
+                          <a:latin typeface="Calibri" panose="020F0502020204030204" pitchFamily="34" charset="0"/>
+                        </a:rPr>
+                        <a:t>5</a:t>
+                      </a:r>
+                    </a:p>
+                  </a:txBody>
+                  <a:tcPr marL="9525" marR="9525" marT="9525" marB="0" anchor="b">
+                    <a:solidFill>
+                      <a:srgbClr val="92D050"/>
+                    </a:solidFill>
+                  </a:tcPr>
+                </a:tc>
+                <a:tc>
+                  <a:txBody>
+                    <a:bodyPr/>
+                    <a:lstStyle/>
+                    <a:p>
+                      <a:pPr algn="l" fontAlgn="b"/>
+                      <a:r>
+                        <a:rPr lang="en-US" sz="1800" b="0" i="0" u="none" strike="noStrike">
+                          <a:solidFill>
+                            <a:srgbClr val="000000"/>
+                          </a:solidFill>
+                          <a:effectLst/>
+                          <a:latin typeface="Calibri" panose="020F0502020204030204" pitchFamily="34" charset="0"/>
+                        </a:rPr>
+                        <a:t>Libraries &amp; Demo</a:t>
+                      </a:r>
+                    </a:p>
+                  </a:txBody>
+                  <a:tcPr marL="9525" marR="9525" marT="9525" marB="0" anchor="b">
+                    <a:solidFill>
+                      <a:srgbClr val="92D050"/>
+                    </a:solidFill>
+                  </a:tcPr>
+                </a:tc>
+              </a:tr>
+              <a:tr h="281765">
+                <a:tc>
+                  <a:txBody>
+                    <a:bodyPr/>
+                    <a:lstStyle/>
+                    <a:p>
+                      <a:pPr algn="l" fontAlgn="b"/>
+                      <a:r>
+                        <a:rPr lang="en-US" sz="1800" b="0" i="0" u="none" strike="noStrike">
+                          <a:solidFill>
+                            <a:srgbClr val="000000"/>
+                          </a:solidFill>
+                          <a:effectLst/>
+                          <a:latin typeface="Calibri" panose="020F0502020204030204" pitchFamily="34" charset="0"/>
+                        </a:rPr>
+                        <a:t>com.aviary.android.feather.plugins.filters.original</a:t>
+                      </a:r>
+                    </a:p>
+                  </a:txBody>
+                  <a:tcPr marL="9525" marR="9525" marT="9525" marB="0" anchor="b">
+                    <a:solidFill>
+                      <a:srgbClr val="92D050"/>
+                    </a:solidFill>
+                  </a:tcPr>
+                </a:tc>
+                <a:tc>
+                  <a:txBody>
+                    <a:bodyPr/>
+                    <a:lstStyle/>
+                    <a:p>
+                      <a:pPr algn="r" fontAlgn="b"/>
+                      <a:r>
+                        <a:rPr lang="en-US" sz="1800" b="0" i="0" u="none" strike="noStrike">
+                          <a:solidFill>
+                            <a:srgbClr val="000000"/>
+                          </a:solidFill>
+                          <a:effectLst/>
+                          <a:latin typeface="Calibri" panose="020F0502020204030204" pitchFamily="34" charset="0"/>
+                        </a:rPr>
+                        <a:t>5</a:t>
+                      </a:r>
+                    </a:p>
+                  </a:txBody>
+                  <a:tcPr marL="9525" marR="9525" marT="9525" marB="0" anchor="b">
+                    <a:solidFill>
+                      <a:srgbClr val="92D050"/>
+                    </a:solidFill>
+                  </a:tcPr>
+                </a:tc>
+                <a:tc>
+                  <a:txBody>
+                    <a:bodyPr/>
+                    <a:lstStyle/>
+                    <a:p>
+                      <a:pPr algn="l" fontAlgn="b"/>
+                      <a:r>
+                        <a:rPr lang="en-US" sz="1800" b="0" i="0" u="none" strike="noStrike">
+                          <a:solidFill>
+                            <a:srgbClr val="000000"/>
+                          </a:solidFill>
+                          <a:effectLst/>
+                          <a:latin typeface="Calibri" panose="020F0502020204030204" pitchFamily="34" charset="0"/>
+                        </a:rPr>
+                        <a:t>Libraries &amp; Demo</a:t>
+                      </a:r>
+                    </a:p>
+                  </a:txBody>
+                  <a:tcPr marL="9525" marR="9525" marT="9525" marB="0" anchor="b">
+                    <a:solidFill>
+                      <a:srgbClr val="92D050"/>
+                    </a:solidFill>
+                  </a:tcPr>
+                </a:tc>
+              </a:tr>
+              <a:tr h="281765">
+                <a:tc>
+                  <a:txBody>
+                    <a:bodyPr/>
+                    <a:lstStyle/>
+                    <a:p>
+                      <a:pPr algn="l" fontAlgn="b"/>
+                      <a:r>
+                        <a:rPr lang="en-US" sz="1800" b="0" i="0" u="none" strike="noStrike">
+                          <a:solidFill>
+                            <a:srgbClr val="000000"/>
+                          </a:solidFill>
+                          <a:effectLst/>
+                          <a:latin typeface="Calibri" panose="020F0502020204030204" pitchFamily="34" charset="0"/>
+                        </a:rPr>
+                        <a:t>com.aviary.android.feather.plugins.stickers.free_stickers</a:t>
+                      </a:r>
+                    </a:p>
+                  </a:txBody>
+                  <a:tcPr marL="9525" marR="9525" marT="9525" marB="0" anchor="b">
+                    <a:solidFill>
+                      <a:srgbClr val="92D050"/>
+                    </a:solidFill>
+                  </a:tcPr>
+                </a:tc>
+                <a:tc>
+                  <a:txBody>
+                    <a:bodyPr/>
+                    <a:lstStyle/>
+                    <a:p>
+                      <a:pPr algn="r" fontAlgn="b"/>
+                      <a:r>
+                        <a:rPr lang="en-US" sz="1800" b="0" i="0" u="none" strike="noStrike">
+                          <a:solidFill>
+                            <a:srgbClr val="000000"/>
+                          </a:solidFill>
+                          <a:effectLst/>
+                          <a:latin typeface="Calibri" panose="020F0502020204030204" pitchFamily="34" charset="0"/>
+                        </a:rPr>
+                        <a:t>5</a:t>
+                      </a:r>
+                    </a:p>
+                  </a:txBody>
+                  <a:tcPr marL="9525" marR="9525" marT="9525" marB="0" anchor="b">
+                    <a:solidFill>
+                      <a:srgbClr val="92D050"/>
+                    </a:solidFill>
+                  </a:tcPr>
+                </a:tc>
+                <a:tc>
+                  <a:txBody>
+                    <a:bodyPr/>
+                    <a:lstStyle/>
+                    <a:p>
+                      <a:pPr algn="l" fontAlgn="b"/>
+                      <a:r>
+                        <a:rPr lang="en-US" sz="1800" b="0" i="0" u="none" strike="noStrike">
+                          <a:solidFill>
+                            <a:srgbClr val="000000"/>
+                          </a:solidFill>
+                          <a:effectLst/>
+                          <a:latin typeface="Calibri" panose="020F0502020204030204" pitchFamily="34" charset="0"/>
+                        </a:rPr>
+                        <a:t>Libraries &amp; Demo</a:t>
+                      </a:r>
+                    </a:p>
+                  </a:txBody>
+                  <a:tcPr marL="9525" marR="9525" marT="9525" marB="0" anchor="b">
+                    <a:solidFill>
+                      <a:srgbClr val="92D050"/>
+                    </a:solidFill>
+                  </a:tcPr>
+                </a:tc>
+              </a:tr>
+              <a:tr h="281765">
+                <a:tc>
+                  <a:txBody>
+                    <a:bodyPr/>
+                    <a:lstStyle/>
+                    <a:p>
+                      <a:pPr algn="l" fontAlgn="b"/>
+                      <a:r>
+                        <a:rPr lang="en-US" sz="1800" b="0" i="0" u="none" strike="noStrike">
+                          <a:solidFill>
+                            <a:srgbClr val="000000"/>
+                          </a:solidFill>
+                          <a:effectLst/>
+                          <a:latin typeface="Calibri" panose="020F0502020204030204" pitchFamily="34" charset="0"/>
+                        </a:rPr>
+                        <a:t>com.estrongs.chromecast</a:t>
+                      </a:r>
+                    </a:p>
+                  </a:txBody>
+                  <a:tcPr marL="9525" marR="9525" marT="9525" marB="0" anchor="b">
+                    <a:solidFill>
+                      <a:srgbClr val="92D050"/>
+                    </a:solidFill>
+                  </a:tcPr>
+                </a:tc>
+                <a:tc>
+                  <a:txBody>
+                    <a:bodyPr/>
+                    <a:lstStyle/>
+                    <a:p>
+                      <a:pPr algn="r" fontAlgn="b"/>
+                      <a:r>
+                        <a:rPr lang="en-US" sz="1800" b="0" i="0" u="none" strike="noStrike">
+                          <a:solidFill>
+                            <a:srgbClr val="000000"/>
+                          </a:solidFill>
+                          <a:effectLst/>
+                          <a:latin typeface="Calibri" panose="020F0502020204030204" pitchFamily="34" charset="0"/>
+                        </a:rPr>
+                        <a:t>5</a:t>
+                      </a:r>
+                    </a:p>
+                  </a:txBody>
+                  <a:tcPr marL="9525" marR="9525" marT="9525" marB="0" anchor="b">
+                    <a:solidFill>
+                      <a:srgbClr val="92D050"/>
+                    </a:solidFill>
+                  </a:tcPr>
+                </a:tc>
+                <a:tc>
+                  <a:txBody>
+                    <a:bodyPr/>
+                    <a:lstStyle/>
+                    <a:p>
+                      <a:pPr algn="l" fontAlgn="b"/>
+                      <a:r>
+                        <a:rPr lang="en-US" sz="1800" b="0" i="0" u="none" strike="noStrike">
+                          <a:solidFill>
+                            <a:srgbClr val="000000"/>
+                          </a:solidFill>
+                          <a:effectLst/>
+                          <a:latin typeface="Calibri" panose="020F0502020204030204" pitchFamily="34" charset="0"/>
+                        </a:rPr>
+                        <a:t>Libraries &amp; Demo</a:t>
+                      </a:r>
+                    </a:p>
+                  </a:txBody>
+                  <a:tcPr marL="9525" marR="9525" marT="9525" marB="0" anchor="b">
+                    <a:solidFill>
+                      <a:srgbClr val="92D050"/>
+                    </a:solidFill>
+                  </a:tcPr>
+                </a:tc>
+              </a:tr>
+              <a:tr h="281765">
+                <a:tc>
+                  <a:txBody>
+                    <a:bodyPr/>
+                    <a:lstStyle/>
+                    <a:p>
+                      <a:pPr algn="l" fontAlgn="b"/>
+                      <a:r>
+                        <a:rPr lang="en-US" sz="1800" b="0" i="0" u="none" strike="noStrike">
+                          <a:solidFill>
+                            <a:srgbClr val="000000"/>
+                          </a:solidFill>
+                          <a:effectLst/>
+                          <a:latin typeface="Calibri" panose="020F0502020204030204" pitchFamily="34" charset="0"/>
+                        </a:rPr>
+                        <a:t>com.foxfi.addon</a:t>
+                      </a:r>
+                    </a:p>
+                  </a:txBody>
+                  <a:tcPr marL="9525" marR="9525" marT="9525" marB="0" anchor="b">
+                    <a:solidFill>
+                      <a:srgbClr val="92D050"/>
+                    </a:solidFill>
+                  </a:tcPr>
+                </a:tc>
+                <a:tc>
+                  <a:txBody>
+                    <a:bodyPr/>
+                    <a:lstStyle/>
+                    <a:p>
+                      <a:pPr algn="r" fontAlgn="b"/>
+                      <a:r>
+                        <a:rPr lang="en-US" sz="1800" b="0" i="0" u="none" strike="noStrike">
+                          <a:solidFill>
+                            <a:srgbClr val="000000"/>
+                          </a:solidFill>
+                          <a:effectLst/>
+                          <a:latin typeface="Calibri" panose="020F0502020204030204" pitchFamily="34" charset="0"/>
+                        </a:rPr>
+                        <a:t>5</a:t>
+                      </a:r>
+                    </a:p>
+                  </a:txBody>
+                  <a:tcPr marL="9525" marR="9525" marT="9525" marB="0" anchor="b">
+                    <a:solidFill>
+                      <a:srgbClr val="92D050"/>
+                    </a:solidFill>
+                  </a:tcPr>
+                </a:tc>
+                <a:tc>
+                  <a:txBody>
+                    <a:bodyPr/>
+                    <a:lstStyle/>
+                    <a:p>
+                      <a:pPr algn="l" fontAlgn="b"/>
+                      <a:r>
+                        <a:rPr lang="en-US" sz="1800" b="0" i="0" u="none" strike="noStrike">
+                          <a:solidFill>
+                            <a:srgbClr val="000000"/>
+                          </a:solidFill>
+                          <a:effectLst/>
+                          <a:latin typeface="Calibri" panose="020F0502020204030204" pitchFamily="34" charset="0"/>
+                        </a:rPr>
+                        <a:t>Libraries &amp; Demo</a:t>
+                      </a:r>
+                    </a:p>
+                  </a:txBody>
+                  <a:tcPr marL="9525" marR="9525" marT="9525" marB="0" anchor="b">
+                    <a:solidFill>
+                      <a:srgbClr val="92D050"/>
+                    </a:solidFill>
+                  </a:tcPr>
+                </a:tc>
+              </a:tr>
+              <a:tr h="281765">
+                <a:tc>
+                  <a:txBody>
+                    <a:bodyPr/>
+                    <a:lstStyle/>
+                    <a:p>
+                      <a:pPr algn="l" fontAlgn="b"/>
+                      <a:r>
+                        <a:rPr lang="en-US" sz="1800" b="0" i="0" u="none" strike="noStrike">
+                          <a:solidFill>
+                            <a:srgbClr val="000000"/>
+                          </a:solidFill>
+                          <a:effectLst/>
+                          <a:latin typeface="Calibri" panose="020F0502020204030204" pitchFamily="34" charset="0"/>
+                        </a:rPr>
+                        <a:t>com.mxtech.ffmpeg.v7_neon</a:t>
+                      </a:r>
+                    </a:p>
+                  </a:txBody>
+                  <a:tcPr marL="9525" marR="9525" marT="9525" marB="0" anchor="b">
+                    <a:solidFill>
+                      <a:srgbClr val="92D050"/>
+                    </a:solidFill>
+                  </a:tcPr>
+                </a:tc>
+                <a:tc>
+                  <a:txBody>
+                    <a:bodyPr/>
+                    <a:lstStyle/>
+                    <a:p>
+                      <a:pPr algn="r" fontAlgn="b"/>
+                      <a:r>
+                        <a:rPr lang="en-US" sz="1800" b="0" i="0" u="none" strike="noStrike">
+                          <a:solidFill>
+                            <a:srgbClr val="000000"/>
+                          </a:solidFill>
+                          <a:effectLst/>
+                          <a:latin typeface="Calibri" panose="020F0502020204030204" pitchFamily="34" charset="0"/>
+                        </a:rPr>
+                        <a:t>5</a:t>
+                      </a:r>
+                    </a:p>
+                  </a:txBody>
+                  <a:tcPr marL="9525" marR="9525" marT="9525" marB="0" anchor="b">
+                    <a:solidFill>
+                      <a:srgbClr val="92D050"/>
+                    </a:solidFill>
+                  </a:tcPr>
+                </a:tc>
+                <a:tc>
+                  <a:txBody>
+                    <a:bodyPr/>
+                    <a:lstStyle/>
+                    <a:p>
+                      <a:pPr algn="l" fontAlgn="b"/>
+                      <a:r>
+                        <a:rPr lang="en-US" sz="1800" b="0" i="0" u="none" strike="noStrike">
+                          <a:solidFill>
+                            <a:srgbClr val="000000"/>
+                          </a:solidFill>
+                          <a:effectLst/>
+                          <a:latin typeface="Calibri" panose="020F0502020204030204" pitchFamily="34" charset="0"/>
+                        </a:rPr>
+                        <a:t>Libraries &amp; Demo</a:t>
+                      </a:r>
+                    </a:p>
+                  </a:txBody>
+                  <a:tcPr marL="9525" marR="9525" marT="9525" marB="0" anchor="b">
+                    <a:solidFill>
+                      <a:srgbClr val="92D050"/>
+                    </a:solidFill>
+                  </a:tcPr>
+                </a:tc>
+              </a:tr>
+              <a:tr h="281765">
+                <a:tc>
+                  <a:txBody>
+                    <a:bodyPr/>
+                    <a:lstStyle/>
+                    <a:p>
+                      <a:pPr algn="l" fontAlgn="b"/>
+                      <a:r>
+                        <a:rPr lang="en-US" sz="1800" b="0" i="0" u="none" strike="noStrike">
+                          <a:solidFill>
+                            <a:srgbClr val="000000"/>
+                          </a:solidFill>
+                          <a:effectLst/>
+                          <a:latin typeface="Calibri" panose="020F0502020204030204" pitchFamily="34" charset="0"/>
+                        </a:rPr>
+                        <a:t>com.mxtech.ffmpeg.v7_vfpv3d16</a:t>
+                      </a:r>
+                    </a:p>
+                  </a:txBody>
+                  <a:tcPr marL="9525" marR="9525" marT="9525" marB="0" anchor="b">
+                    <a:solidFill>
+                      <a:srgbClr val="92D050"/>
+                    </a:solidFill>
+                  </a:tcPr>
+                </a:tc>
+                <a:tc>
+                  <a:txBody>
+                    <a:bodyPr/>
+                    <a:lstStyle/>
+                    <a:p>
+                      <a:pPr algn="r" fontAlgn="b"/>
+                      <a:r>
+                        <a:rPr lang="en-US" sz="1800" b="0" i="0" u="none" strike="noStrike">
+                          <a:solidFill>
+                            <a:srgbClr val="000000"/>
+                          </a:solidFill>
+                          <a:effectLst/>
+                          <a:latin typeface="Calibri" panose="020F0502020204030204" pitchFamily="34" charset="0"/>
+                        </a:rPr>
+                        <a:t>5</a:t>
+                      </a:r>
+                    </a:p>
+                  </a:txBody>
+                  <a:tcPr marL="9525" marR="9525" marT="9525" marB="0" anchor="b">
+                    <a:solidFill>
+                      <a:srgbClr val="92D050"/>
+                    </a:solidFill>
+                  </a:tcPr>
+                </a:tc>
+                <a:tc>
+                  <a:txBody>
+                    <a:bodyPr/>
+                    <a:lstStyle/>
+                    <a:p>
+                      <a:pPr algn="l" fontAlgn="b"/>
+                      <a:r>
+                        <a:rPr lang="en-US" sz="1800" b="0" i="0" u="none" strike="noStrike" dirty="0">
+                          <a:solidFill>
+                            <a:srgbClr val="000000"/>
+                          </a:solidFill>
+                          <a:effectLst/>
+                          <a:latin typeface="Calibri" panose="020F0502020204030204" pitchFamily="34" charset="0"/>
+                        </a:rPr>
+                        <a:t>Libraries &amp; Demo</a:t>
+                      </a:r>
+                    </a:p>
+                  </a:txBody>
+                  <a:tcPr marL="9525" marR="9525" marT="9525" marB="0" anchor="b">
+                    <a:solidFill>
+                      <a:srgbClr val="92D050"/>
+                    </a:solidFill>
+                  </a:tcPr>
+                </a:tc>
+              </a:tr>
+              <a:tr h="281765">
+                <a:tc>
+                  <a:txBody>
+                    <a:bodyPr/>
+                    <a:lstStyle/>
+                    <a:p>
+                      <a:pPr algn="l" fontAlgn="b"/>
+                      <a:r>
+                        <a:rPr lang="en-US" sz="1800" b="0" i="0" u="none" strike="noStrike">
+                          <a:solidFill>
+                            <a:srgbClr val="000000"/>
+                          </a:solidFill>
+                          <a:effectLst/>
+                          <a:latin typeface="Calibri" panose="020F0502020204030204" pitchFamily="34" charset="0"/>
+                        </a:rPr>
+                        <a:t>com.google.samples.apps.cardboarddemo</a:t>
+                      </a:r>
+                    </a:p>
+                  </a:txBody>
+                  <a:tcPr marL="9525" marR="9525" marT="9525" marB="0" anchor="b">
+                    <a:solidFill>
+                      <a:schemeClr val="accent3">
+                        <a:lumMod val="20000"/>
+                        <a:lumOff val="80000"/>
+                      </a:schemeClr>
+                    </a:solidFill>
+                  </a:tcPr>
+                </a:tc>
+                <a:tc>
+                  <a:txBody>
+                    <a:bodyPr/>
+                    <a:lstStyle/>
+                    <a:p>
+                      <a:pPr algn="r" fontAlgn="b"/>
+                      <a:r>
+                        <a:rPr lang="en-US" sz="1800" b="0" i="0" u="none" strike="noStrike">
+                          <a:solidFill>
+                            <a:srgbClr val="000000"/>
+                          </a:solidFill>
+                          <a:effectLst/>
+                          <a:latin typeface="Calibri" panose="020F0502020204030204" pitchFamily="34" charset="0"/>
+                        </a:rPr>
+                        <a:t>27</a:t>
+                      </a:r>
+                    </a:p>
+                  </a:txBody>
+                  <a:tcPr marL="9525" marR="9525" marT="9525" marB="0" anchor="b">
+                    <a:solidFill>
+                      <a:schemeClr val="accent3">
+                        <a:lumMod val="20000"/>
+                        <a:lumOff val="80000"/>
+                      </a:schemeClr>
+                    </a:solidFill>
+                  </a:tcPr>
+                </a:tc>
+                <a:tc>
+                  <a:txBody>
+                    <a:bodyPr/>
+                    <a:lstStyle/>
+                    <a:p>
+                      <a:pPr algn="l" fontAlgn="b"/>
+                      <a:r>
+                        <a:rPr lang="en-US" sz="1800" b="0" i="0" u="none" strike="noStrike">
+                          <a:solidFill>
+                            <a:srgbClr val="000000"/>
+                          </a:solidFill>
+                          <a:effectLst/>
+                          <a:latin typeface="Calibri" panose="020F0502020204030204" pitchFamily="34" charset="0"/>
+                        </a:rPr>
+                        <a:t>Libraries &amp; Demo</a:t>
+                      </a:r>
+                    </a:p>
+                  </a:txBody>
+                  <a:tcPr marL="9525" marR="9525" marT="9525" marB="0" anchor="b">
+                    <a:solidFill>
+                      <a:schemeClr val="accent3">
+                        <a:lumMod val="20000"/>
+                        <a:lumOff val="80000"/>
+                      </a:schemeClr>
+                    </a:solidFill>
+                  </a:tcPr>
+                </a:tc>
+              </a:tr>
+              <a:tr h="281765">
+                <a:tc>
+                  <a:txBody>
+                    <a:bodyPr/>
+                    <a:lstStyle/>
+                    <a:p>
+                      <a:pPr algn="l" fontAlgn="b"/>
+                      <a:r>
+                        <a:rPr lang="en-US" sz="1800" b="0" i="0" u="none" strike="noStrike">
+                          <a:solidFill>
+                            <a:srgbClr val="000000"/>
+                          </a:solidFill>
+                          <a:effectLst/>
+                          <a:latin typeface="Calibri" panose="020F0502020204030204" pitchFamily="34" charset="0"/>
+                        </a:rPr>
+                        <a:t>com.google.vr.cardboard.apps.designlab</a:t>
+                      </a:r>
+                    </a:p>
+                  </a:txBody>
+                  <a:tcPr marL="9525" marR="9525" marT="9525" marB="0" anchor="b">
+                    <a:solidFill>
+                      <a:schemeClr val="accent3">
+                        <a:lumMod val="20000"/>
+                        <a:lumOff val="80000"/>
+                      </a:schemeClr>
+                    </a:solidFill>
+                  </a:tcPr>
+                </a:tc>
+                <a:tc>
+                  <a:txBody>
+                    <a:bodyPr/>
+                    <a:lstStyle/>
+                    <a:p>
+                      <a:pPr algn="r" fontAlgn="b"/>
+                      <a:r>
+                        <a:rPr lang="en-US" sz="1800" b="0" i="0" u="none" strike="noStrike">
+                          <a:solidFill>
+                            <a:srgbClr val="000000"/>
+                          </a:solidFill>
+                          <a:effectLst/>
+                          <a:latin typeface="Calibri" panose="020F0502020204030204" pitchFamily="34" charset="0"/>
+                        </a:rPr>
+                        <a:t>27</a:t>
+                      </a:r>
+                    </a:p>
+                  </a:txBody>
+                  <a:tcPr marL="9525" marR="9525" marT="9525" marB="0" anchor="b">
+                    <a:solidFill>
+                      <a:schemeClr val="accent3">
+                        <a:lumMod val="20000"/>
+                        <a:lumOff val="80000"/>
+                      </a:schemeClr>
+                    </a:solidFill>
+                  </a:tcPr>
+                </a:tc>
+                <a:tc>
+                  <a:txBody>
+                    <a:bodyPr/>
+                    <a:lstStyle/>
+                    <a:p>
+                      <a:pPr algn="l" fontAlgn="b"/>
+                      <a:r>
+                        <a:rPr lang="en-US" sz="1800" b="0" i="0" u="none" strike="noStrike">
+                          <a:solidFill>
+                            <a:srgbClr val="000000"/>
+                          </a:solidFill>
+                          <a:effectLst/>
+                          <a:latin typeface="Calibri" panose="020F0502020204030204" pitchFamily="34" charset="0"/>
+                        </a:rPr>
+                        <a:t>Libraries &amp; Demo</a:t>
+                      </a:r>
+                    </a:p>
+                  </a:txBody>
+                  <a:tcPr marL="9525" marR="9525" marT="9525" marB="0" anchor="b">
+                    <a:solidFill>
+                      <a:schemeClr val="accent3">
+                        <a:lumMod val="20000"/>
+                        <a:lumOff val="80000"/>
+                      </a:schemeClr>
+                    </a:solidFill>
+                  </a:tcPr>
+                </a:tc>
+              </a:tr>
+              <a:tr h="281765">
+                <a:tc>
+                  <a:txBody>
+                    <a:bodyPr/>
+                    <a:lstStyle/>
+                    <a:p>
+                      <a:pPr algn="l" fontAlgn="b"/>
+                      <a:r>
+                        <a:rPr lang="en-US" sz="1800" b="0" i="0" u="none" strike="noStrike">
+                          <a:solidFill>
+                            <a:srgbClr val="000000"/>
+                          </a:solidFill>
+                          <a:effectLst/>
+                          <a:latin typeface="Calibri" panose="020F0502020204030204" pitchFamily="34" charset="0"/>
+                        </a:rPr>
+                        <a:t>com.ivona.tts</a:t>
+                      </a:r>
+                    </a:p>
+                  </a:txBody>
+                  <a:tcPr marL="9525" marR="9525" marT="9525" marB="0" anchor="b">
+                    <a:solidFill>
+                      <a:schemeClr val="accent3"/>
+                    </a:solidFill>
+                  </a:tcPr>
+                </a:tc>
+                <a:tc>
+                  <a:txBody>
+                    <a:bodyPr/>
+                    <a:lstStyle/>
+                    <a:p>
+                      <a:pPr algn="r" fontAlgn="b"/>
+                      <a:r>
+                        <a:rPr lang="en-US" sz="1800" b="0" i="0" u="none" strike="noStrike">
+                          <a:solidFill>
+                            <a:srgbClr val="000000"/>
+                          </a:solidFill>
+                          <a:effectLst/>
+                          <a:latin typeface="Calibri" panose="020F0502020204030204" pitchFamily="34" charset="0"/>
+                        </a:rPr>
+                        <a:t>65</a:t>
+                      </a:r>
+                    </a:p>
+                  </a:txBody>
+                  <a:tcPr marL="9525" marR="9525" marT="9525" marB="0" anchor="b">
+                    <a:solidFill>
+                      <a:schemeClr val="accent3"/>
+                    </a:solidFill>
+                  </a:tcPr>
+                </a:tc>
+                <a:tc>
+                  <a:txBody>
+                    <a:bodyPr/>
+                    <a:lstStyle/>
+                    <a:p>
+                      <a:pPr algn="l" fontAlgn="b"/>
+                      <a:r>
+                        <a:rPr lang="en-US" sz="1800" b="0" i="0" u="none" strike="noStrike" dirty="0">
+                          <a:solidFill>
+                            <a:srgbClr val="000000"/>
+                          </a:solidFill>
+                          <a:effectLst/>
+                          <a:latin typeface="Calibri" panose="020F0502020204030204" pitchFamily="34" charset="0"/>
+                        </a:rPr>
+                        <a:t>Libraries &amp; Demo</a:t>
+                      </a:r>
+                    </a:p>
+                  </a:txBody>
+                  <a:tcPr marL="9525" marR="9525" marT="9525" marB="0" anchor="b">
+                    <a:solidFill>
+                      <a:schemeClr val="accent3"/>
+                    </a:solidFill>
+                  </a:tcPr>
+                </a:tc>
+              </a:tr>
+            </a:tbl>
+          </a:graphicData>
+        </a:graphic>
+      </p:graphicFrame>
+    </p:spTree>
+    <p:extLst>
+      <p:ext uri="{BB962C8B-B14F-4D97-AF65-F5344CB8AC3E}">
+        <p14:creationId xmlns:p14="http://schemas.microsoft.com/office/powerpoint/2010/main" val="631584222"/>
+      </p:ext>
+    </p:extLst>
+  </p:cSld>
+  <p:clrMapOvr>
+    <a:masterClrMapping/>
+  </p:clrMapOvr>
+</p:sld>
+</file>
+
+<file path=ppt/slides/slide13.xml><?xml version="1.0" encoding="utf-8"?>
+<p:sld xmlns:a="http://schemas.openxmlformats.org/drawingml/2006/main" xmlns:r="http://schemas.openxmlformats.org/officeDocument/2006/relationships" xmlns:p="http://schemas.openxmlformats.org/presentationml/2006/main">
+  <p:cSld>
+    <p:spTree>
+      <p:nvGrpSpPr>
+        <p:cNvPr id="1" name=""/>
+        <p:cNvGrpSpPr/>
+        <p:nvPr/>
+      </p:nvGrpSpPr>
+      <p:grpSpPr>
+        <a:xfrm>
+          <a:off x="0" y="0"/>
+          <a:ext cx="0" cy="0"/>
+          <a:chOff x="0" y="0"/>
+          <a:chExt cx="0" cy="0"/>
+        </a:xfrm>
+      </p:grpSpPr>
+      <p:sp>
+        <p:nvSpPr>
+          <p:cNvPr id="2" name="Title 1"/>
+          <p:cNvSpPr>
+            <a:spLocks noGrp="1"/>
+          </p:cNvSpPr>
+          <p:nvPr>
+            <p:ph type="title"/>
+          </p:nvPr>
+        </p:nvSpPr>
+        <p:spPr/>
+        <p:txBody>
+          <a:bodyPr/>
+          <a:lstStyle/>
+          <a:p>
+            <a:r>
+              <a:rPr lang="en-US" dirty="0" smtClean="0"/>
+              <a:t>Finance apps seem to pretty uniform</a:t>
+            </a:r>
+            <a:endParaRPr lang="en-US" dirty="0"/>
+          </a:p>
+        </p:txBody>
+      </p:sp>
+      <p:graphicFrame>
+        <p:nvGraphicFramePr>
+          <p:cNvPr id="4" name="Content Placeholder 3"/>
+          <p:cNvGraphicFramePr>
+            <a:graphicFrameLocks noGrp="1"/>
+          </p:cNvGraphicFramePr>
+          <p:nvPr>
+            <p:ph idx="1"/>
+            <p:extLst/>
+          </p:nvPr>
+        </p:nvGraphicFramePr>
+        <p:xfrm>
+          <a:off x="1213804" y="1737360"/>
+          <a:ext cx="9941875" cy="2838450"/>
+        </p:xfrm>
+        <a:graphic>
+          <a:graphicData uri="http://schemas.openxmlformats.org/drawingml/2006/table">
+            <a:tbl>
+              <a:tblPr>
+                <a:tableStyleId>{5C22544A-7EE6-4342-B048-85BDC9FD1C3A}</a:tableStyleId>
+              </a:tblPr>
+              <a:tblGrid>
+                <a:gridCol w="3752256"/>
+                <a:gridCol w="3752256"/>
+                <a:gridCol w="2437363"/>
+              </a:tblGrid>
+              <a:tr h="281765">
+                <a:tc>
+                  <a:txBody>
+                    <a:bodyPr/>
+                    <a:lstStyle/>
+                    <a:p>
+                      <a:pPr algn="l" fontAlgn="b"/>
+                      <a:r>
+                        <a:rPr lang="en-US" sz="1800" b="1" i="0" u="none" strike="noStrike" dirty="0" err="1">
+                          <a:solidFill>
+                            <a:srgbClr val="000000"/>
+                          </a:solidFill>
+                          <a:effectLst/>
+                          <a:latin typeface="Calibri" panose="020F0502020204030204" pitchFamily="34" charset="0"/>
+                        </a:rPr>
+                        <a:t>AppPkgName</a:t>
+                      </a:r>
+                      <a:endParaRPr lang="en-US" sz="1800" b="1" i="0" u="none" strike="noStrike" dirty="0">
+                        <a:solidFill>
+                          <a:srgbClr val="000000"/>
+                        </a:solidFill>
+                        <a:effectLst/>
+                        <a:latin typeface="Calibri" panose="020F0502020204030204" pitchFamily="34" charset="0"/>
+                      </a:endParaRPr>
+                    </a:p>
+                  </a:txBody>
+                  <a:tcPr marL="9525" marR="9525" marT="9525" marB="0" anchor="b">
+                    <a:solidFill>
+                      <a:schemeClr val="bg1">
+                        <a:lumMod val="75000"/>
+                      </a:schemeClr>
+                    </a:solidFill>
+                  </a:tcPr>
+                </a:tc>
+                <a:tc>
+                  <a:txBody>
+                    <a:bodyPr/>
+                    <a:lstStyle/>
+                    <a:p>
+                      <a:pPr algn="l" fontAlgn="b"/>
+                      <a:r>
+                        <a:rPr lang="en-US" sz="1800" b="1" i="0" u="none" strike="noStrike" dirty="0" smtClean="0">
+                          <a:solidFill>
+                            <a:srgbClr val="000000"/>
+                          </a:solidFill>
+                          <a:effectLst/>
+                          <a:latin typeface="Calibri" panose="020F0502020204030204" pitchFamily="34" charset="0"/>
+                        </a:rPr>
+                        <a:t>Cluster Assignment</a:t>
+                      </a:r>
+                      <a:endParaRPr lang="en-US" sz="1800" b="1" i="0" u="none" strike="noStrike" dirty="0">
+                        <a:solidFill>
+                          <a:srgbClr val="000000"/>
+                        </a:solidFill>
+                        <a:effectLst/>
+                        <a:latin typeface="Calibri" panose="020F0502020204030204" pitchFamily="34" charset="0"/>
+                      </a:endParaRPr>
+                    </a:p>
+                  </a:txBody>
+                  <a:tcPr marL="9525" marR="9525" marT="9525" marB="0" anchor="b">
+                    <a:solidFill>
+                      <a:schemeClr val="bg1">
+                        <a:lumMod val="75000"/>
+                      </a:schemeClr>
+                    </a:solidFill>
+                  </a:tcPr>
+                </a:tc>
+                <a:tc>
+                  <a:txBody>
+                    <a:bodyPr/>
+                    <a:lstStyle/>
+                    <a:p>
+                      <a:pPr algn="l" fontAlgn="b"/>
+                      <a:r>
+                        <a:rPr lang="en-US" sz="1800" b="1" i="0" u="none" strike="noStrike" dirty="0" err="1">
+                          <a:solidFill>
+                            <a:srgbClr val="000000"/>
+                          </a:solidFill>
+                          <a:effectLst/>
+                          <a:latin typeface="Calibri" panose="020F0502020204030204" pitchFamily="34" charset="0"/>
+                        </a:rPr>
+                        <a:t>AppCategory</a:t>
+                      </a:r>
+                      <a:endParaRPr lang="en-US" sz="1800" b="1" i="0" u="none" strike="noStrike" dirty="0">
+                        <a:solidFill>
+                          <a:srgbClr val="000000"/>
+                        </a:solidFill>
+                        <a:effectLst/>
+                        <a:latin typeface="Calibri" panose="020F0502020204030204" pitchFamily="34" charset="0"/>
+                      </a:endParaRPr>
+                    </a:p>
+                  </a:txBody>
+                  <a:tcPr marL="9525" marR="9525" marT="9525" marB="0" anchor="b">
+                    <a:solidFill>
+                      <a:schemeClr val="bg1">
+                        <a:lumMod val="75000"/>
+                      </a:schemeClr>
+                    </a:solidFill>
+                  </a:tcPr>
+                </a:tc>
+              </a:tr>
+              <a:tr h="281765">
+                <a:tc>
+                  <a:txBody>
+                    <a:bodyPr/>
+                    <a:lstStyle/>
+                    <a:p>
+                      <a:pPr algn="l" fontAlgn="b"/>
+                      <a:r>
+                        <a:rPr lang="en-US" sz="1800" b="0" i="0" u="none" strike="noStrike" dirty="0" err="1">
+                          <a:solidFill>
+                            <a:srgbClr val="000000"/>
+                          </a:solidFill>
+                          <a:effectLst/>
+                          <a:latin typeface="Calibri" panose="020F0502020204030204" pitchFamily="34" charset="0"/>
+                        </a:rPr>
+                        <a:t>com.google.android.apps.walletnfcrel</a:t>
+                      </a:r>
+                      <a:endParaRPr lang="en-US" sz="1800" b="0" i="0" u="none" strike="noStrike" dirty="0">
+                        <a:solidFill>
+                          <a:srgbClr val="000000"/>
+                        </a:solidFill>
+                        <a:effectLst/>
+                        <a:latin typeface="Calibri" panose="020F0502020204030204" pitchFamily="34" charset="0"/>
+                      </a:endParaRPr>
+                    </a:p>
+                  </a:txBody>
+                  <a:tcPr marL="9525" marR="9525" marT="9525" marB="0" anchor="b">
+                    <a:solidFill>
+                      <a:srgbClr val="92D050"/>
+                    </a:solidFill>
+                  </a:tcPr>
+                </a:tc>
+                <a:tc>
+                  <a:txBody>
+                    <a:bodyPr/>
+                    <a:lstStyle/>
+                    <a:p>
+                      <a:pPr algn="r" fontAlgn="b"/>
+                      <a:r>
+                        <a:rPr lang="en-US" sz="1800" b="0" i="0" u="none" strike="noStrike" dirty="0">
+                          <a:solidFill>
+                            <a:srgbClr val="000000"/>
+                          </a:solidFill>
+                          <a:effectLst/>
+                          <a:latin typeface="Calibri" panose="020F0502020204030204" pitchFamily="34" charset="0"/>
+                        </a:rPr>
+                        <a:t>31</a:t>
+                      </a:r>
+                    </a:p>
+                  </a:txBody>
+                  <a:tcPr marL="9525" marR="9525" marT="9525" marB="0" anchor="b">
+                    <a:solidFill>
+                      <a:srgbClr val="92D050"/>
+                    </a:solidFill>
+                  </a:tcPr>
+                </a:tc>
+                <a:tc>
+                  <a:txBody>
+                    <a:bodyPr/>
+                    <a:lstStyle/>
+                    <a:p>
+                      <a:pPr algn="l" fontAlgn="b"/>
+                      <a:r>
+                        <a:rPr lang="en-US" sz="1800" b="0" i="0" u="none" strike="noStrike">
+                          <a:solidFill>
+                            <a:srgbClr val="000000"/>
+                          </a:solidFill>
+                          <a:effectLst/>
+                          <a:latin typeface="Calibri" panose="020F0502020204030204" pitchFamily="34" charset="0"/>
+                        </a:rPr>
+                        <a:t>Finance</a:t>
+                      </a:r>
+                    </a:p>
+                  </a:txBody>
+                  <a:tcPr marL="9525" marR="9525" marT="9525" marB="0" anchor="b">
+                    <a:solidFill>
+                      <a:srgbClr val="92D050"/>
+                    </a:solidFill>
+                  </a:tcPr>
+                </a:tc>
+              </a:tr>
+              <a:tr h="281765">
+                <a:tc>
+                  <a:txBody>
+                    <a:bodyPr/>
+                    <a:lstStyle/>
+                    <a:p>
+                      <a:pPr algn="l" fontAlgn="b"/>
+                      <a:r>
+                        <a:rPr lang="en-US" sz="1800" b="0" i="0" u="none" strike="noStrike">
+                          <a:solidFill>
+                            <a:srgbClr val="000000"/>
+                          </a:solidFill>
+                          <a:effectLst/>
+                          <a:latin typeface="Calibri" panose="020F0502020204030204" pitchFamily="34" charset="0"/>
+                        </a:rPr>
+                        <a:t>com.infonow.bofa</a:t>
+                      </a:r>
+                    </a:p>
+                  </a:txBody>
+                  <a:tcPr marL="9525" marR="9525" marT="9525" marB="0" anchor="b">
+                    <a:solidFill>
+                      <a:srgbClr val="92D050"/>
+                    </a:solidFill>
+                  </a:tcPr>
+                </a:tc>
+                <a:tc>
+                  <a:txBody>
+                    <a:bodyPr/>
+                    <a:lstStyle/>
+                    <a:p>
+                      <a:pPr algn="r" fontAlgn="b"/>
+                      <a:r>
+                        <a:rPr lang="en-US" sz="1800" b="0" i="0" u="none" strike="noStrike">
+                          <a:solidFill>
+                            <a:srgbClr val="000000"/>
+                          </a:solidFill>
+                          <a:effectLst/>
+                          <a:latin typeface="Calibri" panose="020F0502020204030204" pitchFamily="34" charset="0"/>
+                        </a:rPr>
+                        <a:t>31</a:t>
+                      </a:r>
+                    </a:p>
+                  </a:txBody>
+                  <a:tcPr marL="9525" marR="9525" marT="9525" marB="0" anchor="b">
+                    <a:solidFill>
+                      <a:srgbClr val="92D050"/>
+                    </a:solidFill>
+                  </a:tcPr>
+                </a:tc>
+                <a:tc>
+                  <a:txBody>
+                    <a:bodyPr/>
+                    <a:lstStyle/>
+                    <a:p>
+                      <a:pPr algn="l" fontAlgn="b"/>
+                      <a:r>
+                        <a:rPr lang="en-US" sz="1800" b="0" i="0" u="none" strike="noStrike">
+                          <a:solidFill>
+                            <a:srgbClr val="000000"/>
+                          </a:solidFill>
+                          <a:effectLst/>
+                          <a:latin typeface="Calibri" panose="020F0502020204030204" pitchFamily="34" charset="0"/>
+                        </a:rPr>
+                        <a:t>Finance</a:t>
+                      </a:r>
+                    </a:p>
+                  </a:txBody>
+                  <a:tcPr marL="9525" marR="9525" marT="9525" marB="0" anchor="b">
+                    <a:solidFill>
+                      <a:srgbClr val="92D050"/>
+                    </a:solidFill>
+                  </a:tcPr>
+                </a:tc>
+              </a:tr>
+              <a:tr h="281765">
+                <a:tc>
+                  <a:txBody>
+                    <a:bodyPr/>
+                    <a:lstStyle/>
+                    <a:p>
+                      <a:pPr algn="l" fontAlgn="b"/>
+                      <a:r>
+                        <a:rPr lang="en-US" sz="1800" b="0" i="0" u="none" strike="noStrike">
+                          <a:solidFill>
+                            <a:srgbClr val="000000"/>
+                          </a:solidFill>
+                          <a:effectLst/>
+                          <a:latin typeface="Calibri" panose="020F0502020204030204" pitchFamily="34" charset="0"/>
+                        </a:rPr>
+                        <a:t>com.paypal.android.p2pmobile</a:t>
+                      </a:r>
+                    </a:p>
+                  </a:txBody>
+                  <a:tcPr marL="9525" marR="9525" marT="9525" marB="0" anchor="b">
+                    <a:solidFill>
+                      <a:srgbClr val="92D050"/>
+                    </a:solidFill>
+                  </a:tcPr>
+                </a:tc>
+                <a:tc>
+                  <a:txBody>
+                    <a:bodyPr/>
+                    <a:lstStyle/>
+                    <a:p>
+                      <a:pPr algn="r" fontAlgn="b"/>
+                      <a:r>
+                        <a:rPr lang="en-US" sz="1800" b="0" i="0" u="none" strike="noStrike">
+                          <a:solidFill>
+                            <a:srgbClr val="000000"/>
+                          </a:solidFill>
+                          <a:effectLst/>
+                          <a:latin typeface="Calibri" panose="020F0502020204030204" pitchFamily="34" charset="0"/>
+                        </a:rPr>
+                        <a:t>31</a:t>
+                      </a:r>
+                    </a:p>
+                  </a:txBody>
+                  <a:tcPr marL="9525" marR="9525" marT="9525" marB="0" anchor="b">
+                    <a:solidFill>
+                      <a:srgbClr val="92D050"/>
+                    </a:solidFill>
+                  </a:tcPr>
+                </a:tc>
+                <a:tc>
+                  <a:txBody>
+                    <a:bodyPr/>
+                    <a:lstStyle/>
+                    <a:p>
+                      <a:pPr algn="l" fontAlgn="b"/>
+                      <a:r>
+                        <a:rPr lang="en-US" sz="1800" b="0" i="0" u="none" strike="noStrike" dirty="0">
+                          <a:solidFill>
+                            <a:srgbClr val="000000"/>
+                          </a:solidFill>
+                          <a:effectLst/>
+                          <a:latin typeface="Calibri" panose="020F0502020204030204" pitchFamily="34" charset="0"/>
+                        </a:rPr>
+                        <a:t>Finance</a:t>
+                      </a:r>
+                    </a:p>
+                  </a:txBody>
+                  <a:tcPr marL="9525" marR="9525" marT="9525" marB="0" anchor="b">
+                    <a:solidFill>
+                      <a:srgbClr val="92D050"/>
+                    </a:solidFill>
+                  </a:tcPr>
+                </a:tc>
+              </a:tr>
+              <a:tr h="281765">
+                <a:tc>
+                  <a:txBody>
+                    <a:bodyPr/>
+                    <a:lstStyle/>
+                    <a:p>
+                      <a:pPr algn="l" fontAlgn="b"/>
+                      <a:r>
+                        <a:rPr lang="en-US" sz="1800" b="0" i="0" u="none" strike="noStrike" dirty="0" err="1">
+                          <a:solidFill>
+                            <a:srgbClr val="000000"/>
+                          </a:solidFill>
+                          <a:effectLst/>
+                          <a:latin typeface="Calibri" panose="020F0502020204030204" pitchFamily="34" charset="0"/>
+                        </a:rPr>
+                        <a:t>com.geico.mobile</a:t>
+                      </a:r>
+                      <a:endParaRPr lang="en-US" sz="1800" b="0" i="0" u="none" strike="noStrike" dirty="0">
+                        <a:solidFill>
+                          <a:srgbClr val="000000"/>
+                        </a:solidFill>
+                        <a:effectLst/>
+                        <a:latin typeface="Calibri" panose="020F0502020204030204" pitchFamily="34" charset="0"/>
+                      </a:endParaRPr>
+                    </a:p>
+                  </a:txBody>
+                  <a:tcPr marL="9525" marR="9525" marT="9525" marB="0" anchor="b">
+                    <a:solidFill>
+                      <a:schemeClr val="accent5">
+                        <a:lumMod val="40000"/>
+                        <a:lumOff val="60000"/>
+                      </a:schemeClr>
+                    </a:solidFill>
+                  </a:tcPr>
+                </a:tc>
+                <a:tc>
+                  <a:txBody>
+                    <a:bodyPr/>
+                    <a:lstStyle/>
+                    <a:p>
+                      <a:pPr algn="r" fontAlgn="b"/>
+                      <a:r>
+                        <a:rPr lang="en-US" sz="1800" b="0" i="0" u="none" strike="noStrike">
+                          <a:solidFill>
+                            <a:srgbClr val="000000"/>
+                          </a:solidFill>
+                          <a:effectLst/>
+                          <a:latin typeface="Calibri" panose="020F0502020204030204" pitchFamily="34" charset="0"/>
+                        </a:rPr>
+                        <a:t>32</a:t>
+                      </a:r>
+                    </a:p>
+                  </a:txBody>
+                  <a:tcPr marL="9525" marR="9525" marT="9525" marB="0" anchor="b">
+                    <a:solidFill>
+                      <a:schemeClr val="accent5">
+                        <a:lumMod val="40000"/>
+                        <a:lumOff val="60000"/>
+                      </a:schemeClr>
+                    </a:solidFill>
+                  </a:tcPr>
+                </a:tc>
+                <a:tc>
+                  <a:txBody>
+                    <a:bodyPr/>
+                    <a:lstStyle/>
+                    <a:p>
+                      <a:pPr algn="l" fontAlgn="b"/>
+                      <a:r>
+                        <a:rPr lang="en-US" sz="1800" b="0" i="0" u="none" strike="noStrike" dirty="0">
+                          <a:solidFill>
+                            <a:srgbClr val="000000"/>
+                          </a:solidFill>
+                          <a:effectLst/>
+                          <a:latin typeface="Calibri" panose="020F0502020204030204" pitchFamily="34" charset="0"/>
+                        </a:rPr>
+                        <a:t>Finance</a:t>
+                      </a:r>
+                    </a:p>
+                  </a:txBody>
+                  <a:tcPr marL="9525" marR="9525" marT="9525" marB="0" anchor="b">
+                    <a:solidFill>
+                      <a:schemeClr val="accent5">
+                        <a:lumMod val="40000"/>
+                        <a:lumOff val="60000"/>
+                      </a:schemeClr>
+                    </a:solidFill>
+                  </a:tcPr>
+                </a:tc>
+              </a:tr>
+              <a:tr h="281765">
+                <a:tc>
+                  <a:txBody>
+                    <a:bodyPr/>
+                    <a:lstStyle/>
+                    <a:p>
+                      <a:pPr algn="l" fontAlgn="b"/>
+                      <a:r>
+                        <a:rPr lang="en-US" sz="1800" b="0" i="0" u="none" strike="noStrike" dirty="0" err="1">
+                          <a:solidFill>
+                            <a:srgbClr val="000000"/>
+                          </a:solidFill>
+                          <a:effectLst/>
+                          <a:latin typeface="Calibri" panose="020F0502020204030204" pitchFamily="34" charset="0"/>
+                        </a:rPr>
+                        <a:t>com.creditkarma.mobile</a:t>
+                      </a:r>
+                      <a:endParaRPr lang="en-US" sz="1800" b="0" i="0" u="none" strike="noStrike" dirty="0">
+                        <a:solidFill>
+                          <a:srgbClr val="000000"/>
+                        </a:solidFill>
+                        <a:effectLst/>
+                        <a:latin typeface="Calibri" panose="020F0502020204030204" pitchFamily="34" charset="0"/>
+                      </a:endParaRPr>
+                    </a:p>
+                  </a:txBody>
+                  <a:tcPr marL="9525" marR="9525" marT="9525" marB="0" anchor="b">
+                    <a:solidFill>
+                      <a:schemeClr val="accent2">
+                        <a:lumMod val="40000"/>
+                        <a:lumOff val="60000"/>
+                      </a:schemeClr>
+                    </a:solidFill>
+                  </a:tcPr>
+                </a:tc>
+                <a:tc>
+                  <a:txBody>
+                    <a:bodyPr/>
+                    <a:lstStyle/>
+                    <a:p>
+                      <a:pPr algn="r" fontAlgn="b"/>
+                      <a:r>
+                        <a:rPr lang="en-US" sz="1800" b="0" i="0" u="none" strike="noStrike">
+                          <a:solidFill>
+                            <a:srgbClr val="000000"/>
+                          </a:solidFill>
+                          <a:effectLst/>
+                          <a:latin typeface="Calibri" panose="020F0502020204030204" pitchFamily="34" charset="0"/>
+                        </a:rPr>
+                        <a:t>57</a:t>
+                      </a:r>
+                    </a:p>
+                  </a:txBody>
+                  <a:tcPr marL="9525" marR="9525" marT="9525" marB="0" anchor="b">
+                    <a:solidFill>
+                      <a:schemeClr val="accent2">
+                        <a:lumMod val="40000"/>
+                        <a:lumOff val="60000"/>
+                      </a:schemeClr>
+                    </a:solidFill>
+                  </a:tcPr>
+                </a:tc>
+                <a:tc>
+                  <a:txBody>
+                    <a:bodyPr/>
+                    <a:lstStyle/>
+                    <a:p>
+                      <a:pPr algn="l" fontAlgn="b"/>
+                      <a:r>
+                        <a:rPr lang="en-US" sz="1800" b="0" i="0" u="none" strike="noStrike" dirty="0">
+                          <a:solidFill>
+                            <a:srgbClr val="000000"/>
+                          </a:solidFill>
+                          <a:effectLst/>
+                          <a:latin typeface="Calibri" panose="020F0502020204030204" pitchFamily="34" charset="0"/>
+                        </a:rPr>
+                        <a:t>Finance</a:t>
+                      </a:r>
+                    </a:p>
+                  </a:txBody>
+                  <a:tcPr marL="9525" marR="9525" marT="9525" marB="0" anchor="b">
+                    <a:solidFill>
+                      <a:schemeClr val="accent2">
+                        <a:lumMod val="40000"/>
+                        <a:lumOff val="60000"/>
+                      </a:schemeClr>
+                    </a:solidFill>
+                  </a:tcPr>
+                </a:tc>
+              </a:tr>
+              <a:tr h="281765">
+                <a:tc>
+                  <a:txBody>
+                    <a:bodyPr/>
+                    <a:lstStyle/>
+                    <a:p>
+                      <a:pPr algn="l" fontAlgn="b"/>
+                      <a:r>
+                        <a:rPr lang="en-US" sz="1800" b="0" i="0" u="none" strike="noStrike" dirty="0" err="1">
+                          <a:solidFill>
+                            <a:srgbClr val="000000"/>
+                          </a:solidFill>
+                          <a:effectLst/>
+                          <a:latin typeface="Calibri" panose="020F0502020204030204" pitchFamily="34" charset="0"/>
+                        </a:rPr>
+                        <a:t>com.acorns.android</a:t>
+                      </a:r>
+                      <a:endParaRPr lang="en-US" sz="1800" b="0" i="0" u="none" strike="noStrike" dirty="0">
+                        <a:solidFill>
+                          <a:srgbClr val="000000"/>
+                        </a:solidFill>
+                        <a:effectLst/>
+                        <a:latin typeface="Calibri" panose="020F0502020204030204" pitchFamily="34" charset="0"/>
+                      </a:endParaRPr>
+                    </a:p>
+                  </a:txBody>
+                  <a:tcPr marL="9525" marR="9525" marT="9525" marB="0" anchor="b">
+                    <a:solidFill>
+                      <a:schemeClr val="accent3">
+                        <a:lumMod val="20000"/>
+                        <a:lumOff val="80000"/>
+                      </a:schemeClr>
+                    </a:solidFill>
+                  </a:tcPr>
+                </a:tc>
+                <a:tc>
+                  <a:txBody>
+                    <a:bodyPr/>
+                    <a:lstStyle/>
+                    <a:p>
+                      <a:pPr algn="r" fontAlgn="b"/>
+                      <a:r>
+                        <a:rPr lang="en-US" sz="1800" b="0" i="0" u="none" strike="noStrike">
+                          <a:solidFill>
+                            <a:srgbClr val="000000"/>
+                          </a:solidFill>
+                          <a:effectLst/>
+                          <a:latin typeface="Calibri" panose="020F0502020204030204" pitchFamily="34" charset="0"/>
+                        </a:rPr>
+                        <a:t>58</a:t>
+                      </a:r>
+                    </a:p>
+                  </a:txBody>
+                  <a:tcPr marL="9525" marR="9525" marT="9525" marB="0" anchor="b">
+                    <a:solidFill>
+                      <a:schemeClr val="accent3">
+                        <a:lumMod val="20000"/>
+                        <a:lumOff val="80000"/>
+                      </a:schemeClr>
+                    </a:solidFill>
+                  </a:tcPr>
+                </a:tc>
+                <a:tc>
+                  <a:txBody>
+                    <a:bodyPr/>
+                    <a:lstStyle/>
+                    <a:p>
+                      <a:pPr algn="l" fontAlgn="b"/>
+                      <a:r>
+                        <a:rPr lang="en-US" sz="1800" b="0" i="0" u="none" strike="noStrike">
+                          <a:solidFill>
+                            <a:srgbClr val="000000"/>
+                          </a:solidFill>
+                          <a:effectLst/>
+                          <a:latin typeface="Calibri" panose="020F0502020204030204" pitchFamily="34" charset="0"/>
+                        </a:rPr>
+                        <a:t>Finance</a:t>
+                      </a:r>
+                    </a:p>
+                  </a:txBody>
+                  <a:tcPr marL="9525" marR="9525" marT="9525" marB="0" anchor="b">
+                    <a:solidFill>
+                      <a:schemeClr val="accent3">
+                        <a:lumMod val="20000"/>
+                        <a:lumOff val="80000"/>
+                      </a:schemeClr>
+                    </a:solidFill>
+                  </a:tcPr>
+                </a:tc>
+              </a:tr>
+              <a:tr h="281765">
+                <a:tc>
+                  <a:txBody>
+                    <a:bodyPr/>
+                    <a:lstStyle/>
+                    <a:p>
+                      <a:pPr algn="l" fontAlgn="b"/>
+                      <a:r>
+                        <a:rPr lang="en-US" sz="1800" b="0" i="0" u="none" strike="noStrike">
+                          <a:solidFill>
+                            <a:srgbClr val="000000"/>
+                          </a:solidFill>
+                          <a:effectLst/>
+                          <a:latin typeface="Calibri" panose="020F0502020204030204" pitchFamily="34" charset="0"/>
+                        </a:rPr>
+                        <a:t>com.chase.sig.android</a:t>
+                      </a:r>
+                    </a:p>
+                  </a:txBody>
+                  <a:tcPr marL="9525" marR="9525" marT="9525" marB="0" anchor="b">
+                    <a:solidFill>
+                      <a:schemeClr val="accent3">
+                        <a:lumMod val="20000"/>
+                        <a:lumOff val="80000"/>
+                      </a:schemeClr>
+                    </a:solidFill>
+                  </a:tcPr>
+                </a:tc>
+                <a:tc>
+                  <a:txBody>
+                    <a:bodyPr/>
+                    <a:lstStyle/>
+                    <a:p>
+                      <a:pPr algn="r" fontAlgn="b"/>
+                      <a:r>
+                        <a:rPr lang="en-US" sz="1800" b="0" i="0" u="none" strike="noStrike">
+                          <a:solidFill>
+                            <a:srgbClr val="000000"/>
+                          </a:solidFill>
+                          <a:effectLst/>
+                          <a:latin typeface="Calibri" panose="020F0502020204030204" pitchFamily="34" charset="0"/>
+                        </a:rPr>
+                        <a:t>58</a:t>
+                      </a:r>
+                    </a:p>
+                  </a:txBody>
+                  <a:tcPr marL="9525" marR="9525" marT="9525" marB="0" anchor="b">
+                    <a:solidFill>
+                      <a:schemeClr val="accent3">
+                        <a:lumMod val="20000"/>
+                        <a:lumOff val="80000"/>
+                      </a:schemeClr>
+                    </a:solidFill>
+                  </a:tcPr>
+                </a:tc>
+                <a:tc>
+                  <a:txBody>
+                    <a:bodyPr/>
+                    <a:lstStyle/>
+                    <a:p>
+                      <a:pPr algn="l" fontAlgn="b"/>
+                      <a:r>
+                        <a:rPr lang="en-US" sz="1800" b="0" i="0" u="none" strike="noStrike">
+                          <a:solidFill>
+                            <a:srgbClr val="000000"/>
+                          </a:solidFill>
+                          <a:effectLst/>
+                          <a:latin typeface="Calibri" panose="020F0502020204030204" pitchFamily="34" charset="0"/>
+                        </a:rPr>
+                        <a:t>Finance</a:t>
+                      </a:r>
+                    </a:p>
+                  </a:txBody>
+                  <a:tcPr marL="9525" marR="9525" marT="9525" marB="0" anchor="b">
+                    <a:solidFill>
+                      <a:schemeClr val="accent3">
+                        <a:lumMod val="20000"/>
+                        <a:lumOff val="80000"/>
+                      </a:schemeClr>
+                    </a:solidFill>
+                  </a:tcPr>
+                </a:tc>
+              </a:tr>
+              <a:tr h="281765">
+                <a:tc>
+                  <a:txBody>
+                    <a:bodyPr/>
+                    <a:lstStyle/>
+                    <a:p>
+                      <a:pPr algn="l" fontAlgn="b"/>
+                      <a:r>
+                        <a:rPr lang="en-US" sz="1800" b="0" i="0" u="none" strike="noStrike">
+                          <a:solidFill>
+                            <a:srgbClr val="000000"/>
+                          </a:solidFill>
+                          <a:effectLst/>
+                          <a:latin typeface="Calibri" panose="020F0502020204030204" pitchFamily="34" charset="0"/>
+                        </a:rPr>
+                        <a:t>com.venmo</a:t>
+                      </a:r>
+                    </a:p>
+                  </a:txBody>
+                  <a:tcPr marL="9525" marR="9525" marT="9525" marB="0" anchor="b">
+                    <a:solidFill>
+                      <a:schemeClr val="accent3">
+                        <a:lumMod val="20000"/>
+                        <a:lumOff val="80000"/>
+                      </a:schemeClr>
+                    </a:solidFill>
+                  </a:tcPr>
+                </a:tc>
+                <a:tc>
+                  <a:txBody>
+                    <a:bodyPr/>
+                    <a:lstStyle/>
+                    <a:p>
+                      <a:pPr algn="r" fontAlgn="b"/>
+                      <a:r>
+                        <a:rPr lang="en-US" sz="1800" b="0" i="0" u="none" strike="noStrike">
+                          <a:solidFill>
+                            <a:srgbClr val="000000"/>
+                          </a:solidFill>
+                          <a:effectLst/>
+                          <a:latin typeface="Calibri" panose="020F0502020204030204" pitchFamily="34" charset="0"/>
+                        </a:rPr>
+                        <a:t>58</a:t>
+                      </a:r>
+                    </a:p>
+                  </a:txBody>
+                  <a:tcPr marL="9525" marR="9525" marT="9525" marB="0" anchor="b">
+                    <a:solidFill>
+                      <a:schemeClr val="accent3">
+                        <a:lumMod val="20000"/>
+                        <a:lumOff val="80000"/>
+                      </a:schemeClr>
+                    </a:solidFill>
+                  </a:tcPr>
+                </a:tc>
+                <a:tc>
+                  <a:txBody>
+                    <a:bodyPr/>
+                    <a:lstStyle/>
+                    <a:p>
+                      <a:pPr algn="l" fontAlgn="b"/>
+                      <a:r>
+                        <a:rPr lang="en-US" sz="1800" b="0" i="0" u="none" strike="noStrike">
+                          <a:solidFill>
+                            <a:srgbClr val="000000"/>
+                          </a:solidFill>
+                          <a:effectLst/>
+                          <a:latin typeface="Calibri" panose="020F0502020204030204" pitchFamily="34" charset="0"/>
+                        </a:rPr>
+                        <a:t>Finance</a:t>
+                      </a:r>
+                    </a:p>
+                  </a:txBody>
+                  <a:tcPr marL="9525" marR="9525" marT="9525" marB="0" anchor="b">
+                    <a:solidFill>
+                      <a:schemeClr val="accent3">
+                        <a:lumMod val="20000"/>
+                        <a:lumOff val="80000"/>
+                      </a:schemeClr>
+                    </a:solidFill>
+                  </a:tcPr>
+                </a:tc>
+              </a:tr>
+              <a:tr h="281765">
+                <a:tc>
+                  <a:txBody>
+                    <a:bodyPr/>
+                    <a:lstStyle/>
+                    <a:p>
+                      <a:pPr algn="l" fontAlgn="b"/>
+                      <a:r>
+                        <a:rPr lang="en-US" sz="1800" b="0" i="0" u="none" strike="noStrike">
+                          <a:solidFill>
+                            <a:srgbClr val="000000"/>
+                          </a:solidFill>
+                          <a:effectLst/>
+                          <a:latin typeface="Calibri" panose="020F0502020204030204" pitchFamily="34" charset="0"/>
+                        </a:rPr>
+                        <a:t>com.wf.wellsfargomobile</a:t>
+                      </a:r>
+                    </a:p>
+                  </a:txBody>
+                  <a:tcPr marL="9525" marR="9525" marT="9525" marB="0" anchor="b">
+                    <a:solidFill>
+                      <a:schemeClr val="accent3">
+                        <a:lumMod val="20000"/>
+                        <a:lumOff val="80000"/>
+                      </a:schemeClr>
+                    </a:solidFill>
+                  </a:tcPr>
+                </a:tc>
+                <a:tc>
+                  <a:txBody>
+                    <a:bodyPr/>
+                    <a:lstStyle/>
+                    <a:p>
+                      <a:pPr algn="r" fontAlgn="b"/>
+                      <a:r>
+                        <a:rPr lang="en-US" sz="1800" b="0" i="0" u="none" strike="noStrike">
+                          <a:solidFill>
+                            <a:srgbClr val="000000"/>
+                          </a:solidFill>
+                          <a:effectLst/>
+                          <a:latin typeface="Calibri" panose="020F0502020204030204" pitchFamily="34" charset="0"/>
+                        </a:rPr>
+                        <a:t>58</a:t>
+                      </a:r>
+                    </a:p>
+                  </a:txBody>
+                  <a:tcPr marL="9525" marR="9525" marT="9525" marB="0" anchor="b">
+                    <a:solidFill>
+                      <a:schemeClr val="accent3">
+                        <a:lumMod val="20000"/>
+                        <a:lumOff val="80000"/>
+                      </a:schemeClr>
+                    </a:solidFill>
+                  </a:tcPr>
+                </a:tc>
+                <a:tc>
+                  <a:txBody>
+                    <a:bodyPr/>
+                    <a:lstStyle/>
+                    <a:p>
+                      <a:pPr algn="l" fontAlgn="b"/>
+                      <a:r>
+                        <a:rPr lang="en-US" sz="1800" b="0" i="0" u="none" strike="noStrike" dirty="0">
+                          <a:solidFill>
+                            <a:srgbClr val="000000"/>
+                          </a:solidFill>
+                          <a:effectLst/>
+                          <a:latin typeface="Calibri" panose="020F0502020204030204" pitchFamily="34" charset="0"/>
+                        </a:rPr>
+                        <a:t>Finance</a:t>
+                      </a:r>
+                    </a:p>
+                  </a:txBody>
+                  <a:tcPr marL="9525" marR="9525" marT="9525" marB="0" anchor="b">
+                    <a:solidFill>
+                      <a:schemeClr val="accent3">
+                        <a:lumMod val="20000"/>
+                        <a:lumOff val="80000"/>
+                      </a:schemeClr>
+                    </a:solidFill>
+                  </a:tcPr>
+                </a:tc>
+              </a:tr>
+            </a:tbl>
+          </a:graphicData>
+        </a:graphic>
+      </p:graphicFrame>
+    </p:spTree>
+    <p:extLst>
+      <p:ext uri="{BB962C8B-B14F-4D97-AF65-F5344CB8AC3E}">
+        <p14:creationId xmlns:p14="http://schemas.microsoft.com/office/powerpoint/2010/main" val="2076143496"/>
+      </p:ext>
+    </p:extLst>
+  </p:cSld>
+  <p:clrMapOvr>
+    <a:masterClrMapping/>
+  </p:clrMapOvr>
+</p:sld>
+</file>
+
 <file path=ppt/slides/slide2.xml><?xml version="1.0" encoding="utf-8"?>
 <p:sld xmlns:a="http://schemas.openxmlformats.org/drawingml/2006/main" xmlns:r="http://schemas.openxmlformats.org/officeDocument/2006/relationships" xmlns:p="http://schemas.openxmlformats.org/presentationml/2006/main">
   <p:cSld>
@@ -7900,7 +11601,6 @@
               <a:rPr lang="en-US" dirty="0"/>
               <a:t>A clustering result satisfies completeness if all the data points that are members of a given class are elements of the same cluster.</a:t>
             </a:r>
-            <a:endParaRPr lang="en-US" dirty="0"/>
           </a:p>
         </p:txBody>
       </p:sp>
@@ -8033,11 +11733,11 @@
           <a:p>
             <a:r>
               <a:rPr lang="en-US" dirty="0" smtClean="0"/>
-              <a:t>The best result </a:t>
+              <a:t>R</a:t>
             </a:r>
             <a:r>
-              <a:rPr lang="en-US" smtClean="0"/>
-              <a:t>for Med-Health </a:t>
+              <a:rPr lang="en-US" dirty="0" smtClean="0"/>
+              <a:t>esults for Medical &amp; Healthcare </a:t>
             </a:r>
             <a:r>
               <a:rPr lang="en-US" dirty="0" smtClean="0"/>
@@ -8057,7 +11757,7 @@
             <p:ph idx="1"/>
             <p:extLst>
               <p:ext uri="{D42A27DB-BD31-4B8C-83A1-F6EECF244321}">
-                <p14:modId xmlns:p14="http://schemas.microsoft.com/office/powerpoint/2010/main" val="2154559902"/>
+                <p14:modId xmlns:p14="http://schemas.microsoft.com/office/powerpoint/2010/main" val="2771347440"/>
               </p:ext>
             </p:extLst>
           </p:nvPr>
@@ -8073,7 +11773,8 @@
                 <a:tableStyleId>{5C22544A-7EE6-4342-B048-85BDC9FD1C3A}</a:tableStyleId>
               </a:tblPr>
               <a:tblGrid>
-                <a:gridCol w="6026940"/>
+                <a:gridCol w="3013470"/>
+                <a:gridCol w="3013470"/>
                 <a:gridCol w="3914935"/>
               </a:tblGrid>
               <a:tr h="281765">
@@ -8117,14 +11818,14 @@
                     <a:p>
                       <a:pPr algn="l" fontAlgn="b"/>
                       <a:r>
-                        <a:rPr lang="en-US" sz="1800" b="1" i="0" u="none" strike="noStrike" dirty="0" err="1">
-                          <a:solidFill>
-                            <a:srgbClr val="000000"/>
-                          </a:solidFill>
-                          <a:effectLst/>
-                          <a:latin typeface="Calibri" panose="020F0502020204030204" pitchFamily="34" charset="0"/>
-                        </a:rPr>
-                        <a:t>AppCategory</a:t>
+                        <a:rPr lang="en-US" sz="1800" b="1" i="0" u="none" strike="noStrike" dirty="0" smtClean="0">
+                          <a:solidFill>
+                            <a:srgbClr val="000000"/>
+                          </a:solidFill>
+                          <a:effectLst/>
+                          <a:latin typeface="Calibri" panose="020F0502020204030204" pitchFamily="34" charset="0"/>
+                        </a:rPr>
+                        <a:t>Cluster Assignment</a:t>
                       </a:r>
                       <a:endParaRPr lang="en-US" sz="1800" b="1" i="0" u="none" strike="noStrike" dirty="0">
                         <a:solidFill>
@@ -8143,6 +11844,39 @@
                     </a:solidFill>
                   </a:tcPr>
                 </a:tc>
+                <a:tc>
+                  <a:txBody>
+                    <a:bodyPr/>
+                    <a:lstStyle/>
+                    <a:p>
+                      <a:pPr algn="l" fontAlgn="b"/>
+                      <a:r>
+                        <a:rPr lang="en-US" sz="1800" b="1" i="0" u="none" strike="noStrike" dirty="0" err="1">
+                          <a:solidFill>
+                            <a:srgbClr val="000000"/>
+                          </a:solidFill>
+                          <a:effectLst/>
+                          <a:latin typeface="Calibri" panose="020F0502020204030204" pitchFamily="34" charset="0"/>
+                        </a:rPr>
+                        <a:t>AppCategory</a:t>
+                      </a:r>
+                      <a:endParaRPr lang="en-US" sz="1800" b="1" i="0" u="none" strike="noStrike" dirty="0">
+                        <a:solidFill>
+                          <a:srgbClr val="000000"/>
+                        </a:solidFill>
+                        <a:effectLst/>
+                        <a:latin typeface="Calibri" panose="020F0502020204030204" pitchFamily="34" charset="0"/>
+                      </a:endParaRPr>
+                    </a:p>
+                  </a:txBody>
+                  <a:tcPr marL="9525" marR="9525" marT="9525" marB="0" anchor="b">
+                    <a:solidFill>
+                      <a:schemeClr val="bg1">
+                        <a:lumMod val="75000"/>
+                      </a:schemeClr>
+                    </a:solidFill>
+                  </a:tcPr>
+                </a:tc>
               </a:tr>
               <a:tr h="281765">
                 <a:tc>
@@ -8183,190 +11917,14 @@
                     <a:p>
                       <a:pPr algn="l" fontAlgn="b"/>
                       <a:r>
-                        <a:rPr lang="en-US" sz="1800" b="0" i="0" u="none" strike="noStrike">
-                          <a:solidFill>
-                            <a:srgbClr val="000000"/>
-                          </a:solidFill>
-                          <a:effectLst/>
-                          <a:latin typeface="Calibri" panose="020F0502020204030204" pitchFamily="34" charset="0"/>
-                        </a:rPr>
-                        <a:t>Health &amp; Fitness</a:t>
-                      </a:r>
-                    </a:p>
-                  </a:txBody>
-                  <a:tcPr marL="9525" marR="9525" marT="9525" marB="0" anchor="b">
-                    <a:solidFill>
-                      <a:srgbClr val="92D050"/>
-                    </a:solidFill>
-                  </a:tcPr>
-                </a:tc>
-              </a:tr>
-              <a:tr h="281765">
-                <a:tc>
-                  <a:txBody>
-                    <a:bodyPr/>
-                    <a:lstStyle/>
-                    <a:p>
-                      <a:pPr algn="l" fontAlgn="b"/>
-                      <a:r>
-                        <a:rPr lang="en-US" sz="1800" b="0" i="0" u="none" strike="noStrike">
-                          <a:solidFill>
-                            <a:srgbClr val="000000"/>
-                          </a:solidFill>
-                          <a:effectLst/>
-                          <a:latin typeface="Calibri" panose="020F0502020204030204" pitchFamily="34" charset="0"/>
-                        </a:rPr>
-                        <a:t>com.webmd.android</a:t>
-                      </a:r>
-                    </a:p>
-                  </a:txBody>
-                  <a:tcPr marL="9525" marR="9525" marT="9525" marB="0" anchor="b">
-                    <a:solidFill>
-                      <a:srgbClr val="92D050"/>
-                    </a:solidFill>
-                  </a:tcPr>
-                </a:tc>
-                <a:tc>
-                  <a:txBody>
-                    <a:bodyPr/>
-                    <a:lstStyle/>
-                    <a:p>
-                      <a:pPr algn="l" fontAlgn="b"/>
-                      <a:r>
-                        <a:rPr lang="en-US" sz="1800" b="0" i="0" u="none" strike="noStrike">
-                          <a:solidFill>
-                            <a:srgbClr val="000000"/>
-                          </a:solidFill>
-                          <a:effectLst/>
-                          <a:latin typeface="Calibri" panose="020F0502020204030204" pitchFamily="34" charset="0"/>
-                        </a:rPr>
-                        <a:t>Health &amp; Fitness</a:t>
-                      </a:r>
-                    </a:p>
-                  </a:txBody>
-                  <a:tcPr marL="9525" marR="9525" marT="9525" marB="0" anchor="b">
-                    <a:solidFill>
-                      <a:srgbClr val="92D050"/>
-                    </a:solidFill>
-                  </a:tcPr>
-                </a:tc>
-              </a:tr>
-              <a:tr h="281765">
-                <a:tc>
-                  <a:txBody>
-                    <a:bodyPr/>
-                    <a:lstStyle/>
-                    <a:p>
-                      <a:pPr algn="l" fontAlgn="b"/>
-                      <a:r>
-                        <a:rPr lang="en-US" sz="1800" b="0" i="0" u="none" strike="noStrike">
-                          <a:solidFill>
-                            <a:srgbClr val="000000"/>
-                          </a:solidFill>
-                          <a:effectLst/>
-                          <a:latin typeface="Calibri" panose="020F0502020204030204" pitchFamily="34" charset="0"/>
-                        </a:rPr>
-                        <a:t>com.drugscom.app</a:t>
-                      </a:r>
-                    </a:p>
-                  </a:txBody>
-                  <a:tcPr marL="9525" marR="9525" marT="9525" marB="0" anchor="b">
-                    <a:solidFill>
-                      <a:srgbClr val="92D050"/>
-                    </a:solidFill>
-                  </a:tcPr>
-                </a:tc>
-                <a:tc>
-                  <a:txBody>
-                    <a:bodyPr/>
-                    <a:lstStyle/>
-                    <a:p>
-                      <a:pPr algn="l" fontAlgn="b"/>
-                      <a:r>
-                        <a:rPr lang="en-US" sz="1800" b="0" i="0" u="none" strike="noStrike">
-                          <a:solidFill>
-                            <a:srgbClr val="000000"/>
-                          </a:solidFill>
-                          <a:effectLst/>
-                          <a:latin typeface="Calibri" panose="020F0502020204030204" pitchFamily="34" charset="0"/>
-                        </a:rPr>
-                        <a:t>Medical</a:t>
-                      </a:r>
-                    </a:p>
-                  </a:txBody>
-                  <a:tcPr marL="9525" marR="9525" marT="9525" marB="0" anchor="b">
-                    <a:solidFill>
-                      <a:srgbClr val="92D050"/>
-                    </a:solidFill>
-                  </a:tcPr>
-                </a:tc>
-              </a:tr>
-              <a:tr h="281765">
-                <a:tc>
-                  <a:txBody>
-                    <a:bodyPr/>
-                    <a:lstStyle/>
-                    <a:p>
-                      <a:pPr algn="l" fontAlgn="b"/>
-                      <a:r>
-                        <a:rPr lang="en-US" sz="1800" b="0" i="0" u="none" strike="noStrike">
-                          <a:solidFill>
-                            <a:srgbClr val="000000"/>
-                          </a:solidFill>
-                          <a:effectLst/>
-                          <a:latin typeface="Calibri" panose="020F0502020204030204" pitchFamily="34" charset="0"/>
-                        </a:rPr>
-                        <a:t>com.ovuline.pregnancy</a:t>
-                      </a:r>
-                    </a:p>
-                  </a:txBody>
-                  <a:tcPr marL="9525" marR="9525" marT="9525" marB="0" anchor="b">
-                    <a:solidFill>
-                      <a:srgbClr val="92D050"/>
-                    </a:solidFill>
-                  </a:tcPr>
-                </a:tc>
-                <a:tc>
-                  <a:txBody>
-                    <a:bodyPr/>
-                    <a:lstStyle/>
-                    <a:p>
-                      <a:pPr algn="l" fontAlgn="b"/>
-                      <a:r>
-                        <a:rPr lang="en-US" sz="1800" b="0" i="0" u="none" strike="noStrike" dirty="0">
-                          <a:solidFill>
-                            <a:srgbClr val="000000"/>
-                          </a:solidFill>
-                          <a:effectLst/>
-                          <a:latin typeface="Calibri" panose="020F0502020204030204" pitchFamily="34" charset="0"/>
-                        </a:rPr>
-                        <a:t>Medical</a:t>
-                      </a:r>
-                    </a:p>
-                  </a:txBody>
-                  <a:tcPr marL="9525" marR="9525" marT="9525" marB="0" anchor="b">
-                    <a:solidFill>
-                      <a:srgbClr val="92D050"/>
-                    </a:solidFill>
-                  </a:tcPr>
-                </a:tc>
-              </a:tr>
-              <a:tr h="281765">
-                <a:tc>
-                  <a:txBody>
-                    <a:bodyPr/>
-                    <a:lstStyle/>
-                    <a:p>
-                      <a:pPr algn="l" fontAlgn="b"/>
-                      <a:r>
-                        <a:rPr lang="en-US" sz="1800" b="0" i="0" u="none" strike="noStrike" dirty="0" err="1">
-                          <a:solidFill>
-                            <a:srgbClr val="000000"/>
-                          </a:solidFill>
-                          <a:effectLst/>
-                          <a:latin typeface="Calibri" panose="020F0502020204030204" pitchFamily="34" charset="0"/>
-                        </a:rPr>
-                        <a:t>air.com.peppapig.paintbox</a:t>
+                        <a:rPr lang="en-US" sz="1800" b="0" i="0" u="none" strike="noStrike" dirty="0" smtClean="0">
+                          <a:solidFill>
+                            <a:srgbClr val="000000"/>
+                          </a:solidFill>
+                          <a:effectLst/>
+                          <a:latin typeface="Calibri" panose="020F0502020204030204" pitchFamily="34" charset="0"/>
+                        </a:rPr>
+                        <a:t>13</a:t>
                       </a:r>
                       <a:endParaRPr lang="en-US" sz="1800" b="0" i="0" u="none" strike="noStrike" dirty="0">
                         <a:solidFill>
@@ -8377,7 +11935,11 @@
                       </a:endParaRPr>
                     </a:p>
                   </a:txBody>
-                  <a:tcPr marL="9525" marR="9525" marT="9525" marB="0" anchor="b"/>
+                  <a:tcPr marL="9525" marR="9525" marT="9525" marB="0" anchor="b">
+                    <a:solidFill>
+                      <a:srgbClr val="92D050"/>
+                    </a:solidFill>
+                  </a:tcPr>
                 </a:tc>
                 <a:tc>
                   <a:txBody>
@@ -8393,11 +11955,15 @@
                           <a:effectLst/>
                           <a:latin typeface="Calibri" panose="020F0502020204030204" pitchFamily="34" charset="0"/>
                         </a:rPr>
-                        <a:t>Educational</a:t>
-                      </a:r>
-                    </a:p>
-                  </a:txBody>
-                  <a:tcPr marL="9525" marR="9525" marT="9525" marB="0" anchor="b"/>
+                        <a:t>Health &amp; Fitness</a:t>
+                      </a:r>
+                    </a:p>
+                  </a:txBody>
+                  <a:tcPr marL="9525" marR="9525" marT="9525" marB="0" anchor="b">
+                    <a:solidFill>
+                      <a:srgbClr val="92D050"/>
+                    </a:solidFill>
+                  </a:tcPr>
                 </a:tc>
               </a:tr>
               <a:tr h="281765">
@@ -8415,11 +11981,46 @@
                           <a:effectLst/>
                           <a:latin typeface="Calibri" panose="020F0502020204030204" pitchFamily="34" charset="0"/>
                         </a:rPr>
-                        <a:t>com.t11.skyviewfree</a:t>
-                      </a:r>
-                    </a:p>
-                  </a:txBody>
-                  <a:tcPr marL="9525" marR="9525" marT="9525" marB="0" anchor="b"/>
+                        <a:t>com.webmd.android</a:t>
+                      </a:r>
+                    </a:p>
+                  </a:txBody>
+                  <a:tcPr marL="9525" marR="9525" marT="9525" marB="0" anchor="b">
+                    <a:solidFill>
+                      <a:srgbClr val="92D050"/>
+                    </a:solidFill>
+                  </a:tcPr>
+                </a:tc>
+                <a:tc>
+                  <a:txBody>
+                    <a:bodyPr/>
+                    <a:lstStyle/>
+                    <a:p>
+                      <a:pPr algn="l" fontAlgn="b"/>
+                      <a:r>
+                        <a:rPr lang="en-US" sz="1800" b="0" i="0" u="none" strike="noStrike" dirty="0" smtClean="0">
+                          <a:solidFill>
+                            <a:srgbClr val="000000"/>
+                          </a:solidFill>
+                          <a:effectLst/>
+                          <a:latin typeface="Calibri" panose="020F0502020204030204" pitchFamily="34" charset="0"/>
+                        </a:rPr>
+                        <a:t>13</a:t>
+                      </a:r>
+                      <a:endParaRPr lang="en-US" sz="1800" b="0" i="0" u="none" strike="noStrike" dirty="0">
+                        <a:solidFill>
+                          <a:srgbClr val="000000"/>
+                        </a:solidFill>
+                        <a:effectLst/>
+                        <a:latin typeface="Calibri" panose="020F0502020204030204" pitchFamily="34" charset="0"/>
+                      </a:endParaRPr>
+                    </a:p>
+                  </a:txBody>
+                  <a:tcPr marL="9525" marR="9525" marT="9525" marB="0" anchor="b">
+                    <a:solidFill>
+                      <a:srgbClr val="92D050"/>
+                    </a:solidFill>
+                  </a:tcPr>
                 </a:tc>
                 <a:tc>
                   <a:txBody>
@@ -8435,11 +12036,15 @@
                           <a:effectLst/>
                           <a:latin typeface="Calibri" panose="020F0502020204030204" pitchFamily="34" charset="0"/>
                         </a:rPr>
-                        <a:t>Education</a:t>
-                      </a:r>
-                    </a:p>
-                  </a:txBody>
-                  <a:tcPr marL="9525" marR="9525" marT="9525" marB="0" anchor="b"/>
+                        <a:t>Health &amp; Fitness</a:t>
+                      </a:r>
+                    </a:p>
+                  </a:txBody>
+                  <a:tcPr marL="9525" marR="9525" marT="9525" marB="0" anchor="b">
+                    <a:solidFill>
+                      <a:srgbClr val="92D050"/>
+                    </a:solidFill>
+                  </a:tcPr>
                 </a:tc>
               </a:tr>
               <a:tr h="281765">
@@ -8457,11 +12062,46 @@
                           <a:effectLst/>
                           <a:latin typeface="Calibri" panose="020F0502020204030204" pitchFamily="34" charset="0"/>
                         </a:rPr>
-                        <a:t>gov.nasa</a:t>
-                      </a:r>
-                    </a:p>
-                  </a:txBody>
-                  <a:tcPr marL="9525" marR="9525" marT="9525" marB="0" anchor="b"/>
+                        <a:t>com.drugscom.app</a:t>
+                      </a:r>
+                    </a:p>
+                  </a:txBody>
+                  <a:tcPr marL="9525" marR="9525" marT="9525" marB="0" anchor="b">
+                    <a:solidFill>
+                      <a:srgbClr val="92D050"/>
+                    </a:solidFill>
+                  </a:tcPr>
+                </a:tc>
+                <a:tc>
+                  <a:txBody>
+                    <a:bodyPr/>
+                    <a:lstStyle/>
+                    <a:p>
+                      <a:pPr algn="l" fontAlgn="b"/>
+                      <a:r>
+                        <a:rPr lang="en-US" sz="1800" b="0" i="0" u="none" strike="noStrike" dirty="0" smtClean="0">
+                          <a:solidFill>
+                            <a:srgbClr val="000000"/>
+                          </a:solidFill>
+                          <a:effectLst/>
+                          <a:latin typeface="Calibri" panose="020F0502020204030204" pitchFamily="34" charset="0"/>
+                        </a:rPr>
+                        <a:t>13</a:t>
+                      </a:r>
+                      <a:endParaRPr lang="en-US" sz="1800" b="0" i="0" u="none" strike="noStrike" dirty="0">
+                        <a:solidFill>
+                          <a:srgbClr val="000000"/>
+                        </a:solidFill>
+                        <a:effectLst/>
+                        <a:latin typeface="Calibri" panose="020F0502020204030204" pitchFamily="34" charset="0"/>
+                      </a:endParaRPr>
+                    </a:p>
+                  </a:txBody>
+                  <a:tcPr marL="9525" marR="9525" marT="9525" marB="0" anchor="b">
+                    <a:solidFill>
+                      <a:srgbClr val="92D050"/>
+                    </a:solidFill>
+                  </a:tcPr>
                 </a:tc>
                 <a:tc>
                   <a:txBody>
@@ -8477,11 +12117,15 @@
                           <a:effectLst/>
                           <a:latin typeface="Calibri" panose="020F0502020204030204" pitchFamily="34" charset="0"/>
                         </a:rPr>
-                        <a:t>Education</a:t>
-                      </a:r>
-                    </a:p>
-                  </a:txBody>
-                  <a:tcPr marL="9525" marR="9525" marT="9525" marB="0" anchor="b"/>
+                        <a:t>Medical</a:t>
+                      </a:r>
+                    </a:p>
+                  </a:txBody>
+                  <a:tcPr marL="9525" marR="9525" marT="9525" marB="0" anchor="b">
+                    <a:solidFill>
+                      <a:srgbClr val="92D050"/>
+                    </a:solidFill>
+                  </a:tcPr>
                 </a:tc>
               </a:tr>
               <a:tr h="281765">
@@ -8499,31 +12143,70 @@
                           <a:effectLst/>
                           <a:latin typeface="Calibri" panose="020F0502020204030204" pitchFamily="34" charset="0"/>
                         </a:rPr>
-                        <a:t>com.google.android.stardroid</a:t>
-                      </a:r>
-                    </a:p>
-                  </a:txBody>
-                  <a:tcPr marL="9525" marR="9525" marT="9525" marB="0" anchor="b"/>
-                </a:tc>
-                <a:tc>
-                  <a:txBody>
-                    <a:bodyPr/>
-                    <a:lstStyle/>
-                    <a:p>
-                      <a:pPr algn="l" fontAlgn="b"/>
-                      <a:r>
-                        <a:rPr lang="en-US" sz="1800" b="0" i="0" u="none" strike="noStrike">
-                          <a:solidFill>
-                            <a:srgbClr val="000000"/>
-                          </a:solidFill>
-                          <a:effectLst/>
-                          <a:latin typeface="Calibri" panose="020F0502020204030204" pitchFamily="34" charset="0"/>
-                        </a:rPr>
-                        <a:t>Books &amp; Reference</a:t>
-                      </a:r>
-                    </a:p>
-                  </a:txBody>
-                  <a:tcPr marL="9525" marR="9525" marT="9525" marB="0" anchor="b"/>
+                        <a:t>com.ovuline.pregnancy</a:t>
+                      </a:r>
+                    </a:p>
+                  </a:txBody>
+                  <a:tcPr marL="9525" marR="9525" marT="9525" marB="0" anchor="b">
+                    <a:solidFill>
+                      <a:srgbClr val="92D050"/>
+                    </a:solidFill>
+                  </a:tcPr>
+                </a:tc>
+                <a:tc>
+                  <a:txBody>
+                    <a:bodyPr/>
+                    <a:lstStyle/>
+                    <a:p>
+                      <a:pPr algn="l" fontAlgn="b"/>
+                      <a:r>
+                        <a:rPr lang="en-US" sz="1800" b="0" i="0" u="none" strike="noStrike" dirty="0" smtClean="0">
+                          <a:solidFill>
+                            <a:srgbClr val="000000"/>
+                          </a:solidFill>
+                          <a:effectLst/>
+                          <a:latin typeface="Calibri" panose="020F0502020204030204" pitchFamily="34" charset="0"/>
+                        </a:rPr>
+                        <a:t>13</a:t>
+                      </a:r>
+                      <a:endParaRPr lang="en-US" sz="1800" b="0" i="0" u="none" strike="noStrike" dirty="0">
+                        <a:solidFill>
+                          <a:srgbClr val="000000"/>
+                        </a:solidFill>
+                        <a:effectLst/>
+                        <a:latin typeface="Calibri" panose="020F0502020204030204" pitchFamily="34" charset="0"/>
+                      </a:endParaRPr>
+                    </a:p>
+                  </a:txBody>
+                  <a:tcPr marL="9525" marR="9525" marT="9525" marB="0" anchor="b">
+                    <a:solidFill>
+                      <a:srgbClr val="92D050"/>
+                    </a:solidFill>
+                  </a:tcPr>
+                </a:tc>
+                <a:tc>
+                  <a:txBody>
+                    <a:bodyPr/>
+                    <a:lstStyle/>
+                    <a:p>
+                      <a:pPr algn="l" fontAlgn="b"/>
+                      <a:r>
+                        <a:rPr lang="en-US" sz="1800" b="0" i="0" u="none" strike="noStrike" dirty="0">
+                          <a:solidFill>
+                            <a:srgbClr val="000000"/>
+                          </a:solidFill>
+                          <a:effectLst/>
+                          <a:latin typeface="Calibri" panose="020F0502020204030204" pitchFamily="34" charset="0"/>
+                        </a:rPr>
+                        <a:t>Medical</a:t>
+                      </a:r>
+                    </a:p>
+                  </a:txBody>
+                  <a:tcPr marL="9525" marR="9525" marT="9525" marB="0" anchor="b">
+                    <a:solidFill>
+                      <a:srgbClr val="92D050"/>
+                    </a:solidFill>
+                  </a:tcPr>
                 </a:tc>
               </a:tr>
               <a:tr h="281765">
@@ -8534,6 +12217,60 @@
                     <a:p>
                       <a:pPr algn="l" fontAlgn="b"/>
                       <a:r>
+                        <a:rPr lang="en-US" sz="1800" b="0" i="0" u="none" strike="noStrike" dirty="0" err="1">
+                          <a:solidFill>
+                            <a:srgbClr val="000000"/>
+                          </a:solidFill>
+                          <a:effectLst/>
+                          <a:latin typeface="Calibri" panose="020F0502020204030204" pitchFamily="34" charset="0"/>
+                        </a:rPr>
+                        <a:t>air.com.peppapig.paintbox</a:t>
+                      </a:r>
+                      <a:endParaRPr lang="en-US" sz="1800" b="0" i="0" u="none" strike="noStrike" dirty="0">
+                        <a:solidFill>
+                          <a:srgbClr val="000000"/>
+                        </a:solidFill>
+                        <a:effectLst/>
+                        <a:latin typeface="Calibri" panose="020F0502020204030204" pitchFamily="34" charset="0"/>
+                      </a:endParaRPr>
+                    </a:p>
+                  </a:txBody>
+                  <a:tcPr marL="9525" marR="9525" marT="9525" marB="0" anchor="b"/>
+                </a:tc>
+                <a:tc>
+                  <a:txBody>
+                    <a:bodyPr/>
+                    <a:lstStyle/>
+                    <a:p>
+                      <a:pPr algn="l" fontAlgn="b"/>
+                      <a:r>
+                        <a:rPr lang="en-US" sz="1800" b="0" i="0" u="none" strike="noStrike" dirty="0" smtClean="0">
+                          <a:solidFill>
+                            <a:srgbClr val="000000"/>
+                          </a:solidFill>
+                          <a:effectLst/>
+                          <a:latin typeface="Calibri" panose="020F0502020204030204" pitchFamily="34" charset="0"/>
+                        </a:rPr>
+                        <a:t>13</a:t>
+                      </a:r>
+                      <a:endParaRPr lang="en-US" sz="1800" b="0" i="0" u="none" strike="noStrike" dirty="0">
+                        <a:solidFill>
+                          <a:srgbClr val="000000"/>
+                        </a:solidFill>
+                        <a:effectLst/>
+                        <a:latin typeface="Calibri" panose="020F0502020204030204" pitchFamily="34" charset="0"/>
+                      </a:endParaRPr>
+                    </a:p>
+                  </a:txBody>
+                  <a:tcPr marL="9525" marR="9525" marT="9525" marB="0" anchor="b"/>
+                </a:tc>
+                <a:tc>
+                  <a:txBody>
+                    <a:bodyPr/>
+                    <a:lstStyle/>
+                    <a:p>
+                      <a:pPr algn="l" fontAlgn="b"/>
+                      <a:r>
                         <a:rPr lang="en-US" sz="1800" b="0" i="0" u="none" strike="noStrike">
                           <a:solidFill>
                             <a:srgbClr val="000000"/>
@@ -8541,27 +12278,7 @@
                           <a:effectLst/>
                           <a:latin typeface="Calibri" panose="020F0502020204030204" pitchFamily="34" charset="0"/>
                         </a:rPr>
-                        <a:t>com.turner.cnvideoapp</a:t>
-                      </a:r>
-                    </a:p>
-                  </a:txBody>
-                  <a:tcPr marL="9525" marR="9525" marT="9525" marB="0" anchor="b"/>
-                </a:tc>
-                <a:tc>
-                  <a:txBody>
-                    <a:bodyPr/>
-                    <a:lstStyle/>
-                    <a:p>
-                      <a:pPr algn="l" fontAlgn="b"/>
-                      <a:r>
-                        <a:rPr lang="en-US" sz="1800" b="0" i="0" u="none" strike="noStrike">
-                          <a:solidFill>
-                            <a:srgbClr val="000000"/>
-                          </a:solidFill>
-                          <a:effectLst/>
-                          <a:latin typeface="Calibri" panose="020F0502020204030204" pitchFamily="34" charset="0"/>
-                        </a:rPr>
-                        <a:t>Media &amp; Video</a:t>
+                        <a:t>Educational</a:t>
                       </a:r>
                     </a:p>
                   </a:txBody>
@@ -8583,8 +12300,35 @@
                           <a:effectLst/>
                           <a:latin typeface="Calibri" panose="020F0502020204030204" pitchFamily="34" charset="0"/>
                         </a:rPr>
-                        <a:t>com.nextradioapp.nextradio</a:t>
-                      </a:r>
+                        <a:t>com.t11.skyviewfree</a:t>
+                      </a:r>
+                    </a:p>
+                  </a:txBody>
+                  <a:tcPr marL="9525" marR="9525" marT="9525" marB="0" anchor="b"/>
+                </a:tc>
+                <a:tc>
+                  <a:txBody>
+                    <a:bodyPr/>
+                    <a:lstStyle/>
+                    <a:p>
+                      <a:pPr algn="l" fontAlgn="b"/>
+                      <a:r>
+                        <a:rPr lang="en-US" sz="1800" b="0" i="0" u="none" strike="noStrike" dirty="0" smtClean="0">
+                          <a:solidFill>
+                            <a:srgbClr val="000000"/>
+                          </a:solidFill>
+                          <a:effectLst/>
+                          <a:latin typeface="Calibri" panose="020F0502020204030204" pitchFamily="34" charset="0"/>
+                        </a:rPr>
+                        <a:t>13</a:t>
+                      </a:r>
+                      <a:endParaRPr lang="en-US" sz="1800" b="0" i="0" u="none" strike="noStrike" dirty="0">
+                        <a:solidFill>
+                          <a:srgbClr val="000000"/>
+                        </a:solidFill>
+                        <a:effectLst/>
+                        <a:latin typeface="Calibri" panose="020F0502020204030204" pitchFamily="34" charset="0"/>
+                      </a:endParaRPr>
                     </a:p>
                   </a:txBody>
                   <a:tcPr marL="9525" marR="9525" marT="9525" marB="0" anchor="b"/>
@@ -8603,7 +12347,7 @@
                           <a:effectLst/>
                           <a:latin typeface="Calibri" panose="020F0502020204030204" pitchFamily="34" charset="0"/>
                         </a:rPr>
-                        <a:t>Music &amp; Audio</a:t>
+                        <a:t>Education</a:t>
                       </a:r>
                     </a:p>
                   </a:txBody>
@@ -8625,8 +12369,35 @@
                           <a:effectLst/>
                           <a:latin typeface="Calibri" panose="020F0502020204030204" pitchFamily="34" charset="0"/>
                         </a:rPr>
-                        <a:t>com.camerasideas.instashot</a:t>
-                      </a:r>
+                        <a:t>gov.nasa</a:t>
+                      </a:r>
+                    </a:p>
+                  </a:txBody>
+                  <a:tcPr marL="9525" marR="9525" marT="9525" marB="0" anchor="b"/>
+                </a:tc>
+                <a:tc>
+                  <a:txBody>
+                    <a:bodyPr/>
+                    <a:lstStyle/>
+                    <a:p>
+                      <a:pPr algn="l" fontAlgn="b"/>
+                      <a:r>
+                        <a:rPr lang="en-US" sz="1800" b="0" i="0" u="none" strike="noStrike" dirty="0" smtClean="0">
+                          <a:solidFill>
+                            <a:srgbClr val="000000"/>
+                          </a:solidFill>
+                          <a:effectLst/>
+                          <a:latin typeface="Calibri" panose="020F0502020204030204" pitchFamily="34" charset="0"/>
+                        </a:rPr>
+                        <a:t>13</a:t>
+                      </a:r>
+                      <a:endParaRPr lang="en-US" sz="1800" b="0" i="0" u="none" strike="noStrike" dirty="0">
+                        <a:solidFill>
+                          <a:srgbClr val="000000"/>
+                        </a:solidFill>
+                        <a:effectLst/>
+                        <a:latin typeface="Calibri" panose="020F0502020204030204" pitchFamily="34" charset="0"/>
+                      </a:endParaRPr>
                     </a:p>
                   </a:txBody>
                   <a:tcPr marL="9525" marR="9525" marT="9525" marB="0" anchor="b"/>
@@ -8645,7 +12416,7 @@
                           <a:effectLst/>
                           <a:latin typeface="Calibri" panose="020F0502020204030204" pitchFamily="34" charset="0"/>
                         </a:rPr>
-                        <a:t>Photography</a:t>
+                        <a:t>Education</a:t>
                       </a:r>
                     </a:p>
                   </a:txBody>
@@ -8667,8 +12438,35 @@
                           <a:effectLst/>
                           <a:latin typeface="Calibri" panose="020F0502020204030204" pitchFamily="34" charset="0"/>
                         </a:rPr>
-                        <a:t>com.foxsports.videogo</a:t>
-                      </a:r>
+                        <a:t>com.google.android.stardroid</a:t>
+                      </a:r>
+                    </a:p>
+                  </a:txBody>
+                  <a:tcPr marL="9525" marR="9525" marT="9525" marB="0" anchor="b"/>
+                </a:tc>
+                <a:tc>
+                  <a:txBody>
+                    <a:bodyPr/>
+                    <a:lstStyle/>
+                    <a:p>
+                      <a:pPr algn="l" fontAlgn="b"/>
+                      <a:r>
+                        <a:rPr lang="en-US" sz="1800" b="0" i="0" u="none" strike="noStrike" dirty="0" smtClean="0">
+                          <a:solidFill>
+                            <a:srgbClr val="000000"/>
+                          </a:solidFill>
+                          <a:effectLst/>
+                          <a:latin typeface="Calibri" panose="020F0502020204030204" pitchFamily="34" charset="0"/>
+                        </a:rPr>
+                        <a:t>13</a:t>
+                      </a:r>
+                      <a:endParaRPr lang="en-US" sz="1800" b="0" i="0" u="none" strike="noStrike" dirty="0">
+                        <a:solidFill>
+                          <a:srgbClr val="000000"/>
+                        </a:solidFill>
+                        <a:effectLst/>
+                        <a:latin typeface="Calibri" panose="020F0502020204030204" pitchFamily="34" charset="0"/>
+                      </a:endParaRPr>
                     </a:p>
                   </a:txBody>
                   <a:tcPr marL="9525" marR="9525" marT="9525" marB="0" anchor="b"/>
@@ -8687,7 +12485,7 @@
                           <a:effectLst/>
                           <a:latin typeface="Calibri" panose="020F0502020204030204" pitchFamily="34" charset="0"/>
                         </a:rPr>
-                        <a:t>Sports</a:t>
+                        <a:t>Books &amp; Reference</a:t>
                       </a:r>
                     </a:p>
                   </a:txBody>
@@ -8709,8 +12507,35 @@
                           <a:effectLst/>
                           <a:latin typeface="Calibri" panose="020F0502020204030204" pitchFamily="34" charset="0"/>
                         </a:rPr>
-                        <a:t>com.theopen</a:t>
-                      </a:r>
+                        <a:t>com.turner.cnvideoapp</a:t>
+                      </a:r>
+                    </a:p>
+                  </a:txBody>
+                  <a:tcPr marL="9525" marR="9525" marT="9525" marB="0" anchor="b"/>
+                </a:tc>
+                <a:tc>
+                  <a:txBody>
+                    <a:bodyPr/>
+                    <a:lstStyle/>
+                    <a:p>
+                      <a:pPr algn="l" fontAlgn="b"/>
+                      <a:r>
+                        <a:rPr lang="en-US" sz="1800" b="0" i="0" u="none" strike="noStrike" dirty="0" smtClean="0">
+                          <a:solidFill>
+                            <a:srgbClr val="000000"/>
+                          </a:solidFill>
+                          <a:effectLst/>
+                          <a:latin typeface="Calibri" panose="020F0502020204030204" pitchFamily="34" charset="0"/>
+                        </a:rPr>
+                        <a:t>13</a:t>
+                      </a:r>
+                      <a:endParaRPr lang="en-US" sz="1800" b="0" i="0" u="none" strike="noStrike" dirty="0">
+                        <a:solidFill>
+                          <a:srgbClr val="000000"/>
+                        </a:solidFill>
+                        <a:effectLst/>
+                        <a:latin typeface="Calibri" panose="020F0502020204030204" pitchFamily="34" charset="0"/>
+                      </a:endParaRPr>
                     </a:p>
                   </a:txBody>
                   <a:tcPr marL="9525" marR="9525" marT="9525" marB="0" anchor="b"/>
@@ -8729,7 +12554,7 @@
                           <a:effectLst/>
                           <a:latin typeface="Calibri" panose="020F0502020204030204" pitchFamily="34" charset="0"/>
                         </a:rPr>
-                        <a:t>Sports</a:t>
+                        <a:t>Media &amp; Video</a:t>
                       </a:r>
                     </a:p>
                   </a:txBody>
@@ -8751,8 +12576,318 @@
                           <a:effectLst/>
                           <a:latin typeface="Calibri" panose="020F0502020204030204" pitchFamily="34" charset="0"/>
                         </a:rPr>
+                        <a:t>com.nextradioapp.nextradio</a:t>
+                      </a:r>
+                    </a:p>
+                  </a:txBody>
+                  <a:tcPr marL="9525" marR="9525" marT="9525" marB="0" anchor="b"/>
+                </a:tc>
+                <a:tc>
+                  <a:txBody>
+                    <a:bodyPr/>
+                    <a:lstStyle/>
+                    <a:p>
+                      <a:pPr algn="l" fontAlgn="b"/>
+                      <a:r>
+                        <a:rPr lang="en-US" sz="1800" b="0" i="0" u="none" strike="noStrike" dirty="0" smtClean="0">
+                          <a:solidFill>
+                            <a:srgbClr val="000000"/>
+                          </a:solidFill>
+                          <a:effectLst/>
+                          <a:latin typeface="Calibri" panose="020F0502020204030204" pitchFamily="34" charset="0"/>
+                        </a:rPr>
+                        <a:t>13</a:t>
+                      </a:r>
+                      <a:endParaRPr lang="en-US" sz="1800" b="0" i="0" u="none" strike="noStrike" dirty="0">
+                        <a:solidFill>
+                          <a:srgbClr val="000000"/>
+                        </a:solidFill>
+                        <a:effectLst/>
+                        <a:latin typeface="Calibri" panose="020F0502020204030204" pitchFamily="34" charset="0"/>
+                      </a:endParaRPr>
+                    </a:p>
+                  </a:txBody>
+                  <a:tcPr marL="9525" marR="9525" marT="9525" marB="0" anchor="b"/>
+                </a:tc>
+                <a:tc>
+                  <a:txBody>
+                    <a:bodyPr/>
+                    <a:lstStyle/>
+                    <a:p>
+                      <a:pPr algn="l" fontAlgn="b"/>
+                      <a:r>
+                        <a:rPr lang="en-US" sz="1800" b="0" i="0" u="none" strike="noStrike">
+                          <a:solidFill>
+                            <a:srgbClr val="000000"/>
+                          </a:solidFill>
+                          <a:effectLst/>
+                          <a:latin typeface="Calibri" panose="020F0502020204030204" pitchFamily="34" charset="0"/>
+                        </a:rPr>
+                        <a:t>Music &amp; Audio</a:t>
+                      </a:r>
+                    </a:p>
+                  </a:txBody>
+                  <a:tcPr marL="9525" marR="9525" marT="9525" marB="0" anchor="b"/>
+                </a:tc>
+              </a:tr>
+              <a:tr h="281765">
+                <a:tc>
+                  <a:txBody>
+                    <a:bodyPr/>
+                    <a:lstStyle/>
+                    <a:p>
+                      <a:pPr algn="l" fontAlgn="b"/>
+                      <a:r>
+                        <a:rPr lang="en-US" sz="1800" b="0" i="0" u="none" strike="noStrike">
+                          <a:solidFill>
+                            <a:srgbClr val="000000"/>
+                          </a:solidFill>
+                          <a:effectLst/>
+                          <a:latin typeface="Calibri" panose="020F0502020204030204" pitchFamily="34" charset="0"/>
+                        </a:rPr>
+                        <a:t>com.camerasideas.instashot</a:t>
+                      </a:r>
+                    </a:p>
+                  </a:txBody>
+                  <a:tcPr marL="9525" marR="9525" marT="9525" marB="0" anchor="b"/>
+                </a:tc>
+                <a:tc>
+                  <a:txBody>
+                    <a:bodyPr/>
+                    <a:lstStyle/>
+                    <a:p>
+                      <a:pPr algn="l" fontAlgn="b"/>
+                      <a:r>
+                        <a:rPr lang="en-US" sz="1800" b="0" i="0" u="none" strike="noStrike" dirty="0" smtClean="0">
+                          <a:solidFill>
+                            <a:srgbClr val="000000"/>
+                          </a:solidFill>
+                          <a:effectLst/>
+                          <a:latin typeface="Calibri" panose="020F0502020204030204" pitchFamily="34" charset="0"/>
+                        </a:rPr>
+                        <a:t>13</a:t>
+                      </a:r>
+                      <a:endParaRPr lang="en-US" sz="1800" b="0" i="0" u="none" strike="noStrike" dirty="0">
+                        <a:solidFill>
+                          <a:srgbClr val="000000"/>
+                        </a:solidFill>
+                        <a:effectLst/>
+                        <a:latin typeface="Calibri" panose="020F0502020204030204" pitchFamily="34" charset="0"/>
+                      </a:endParaRPr>
+                    </a:p>
+                  </a:txBody>
+                  <a:tcPr marL="9525" marR="9525" marT="9525" marB="0" anchor="b"/>
+                </a:tc>
+                <a:tc>
+                  <a:txBody>
+                    <a:bodyPr/>
+                    <a:lstStyle/>
+                    <a:p>
+                      <a:pPr algn="l" fontAlgn="b"/>
+                      <a:r>
+                        <a:rPr lang="en-US" sz="1800" b="0" i="0" u="none" strike="noStrike">
+                          <a:solidFill>
+                            <a:srgbClr val="000000"/>
+                          </a:solidFill>
+                          <a:effectLst/>
+                          <a:latin typeface="Calibri" panose="020F0502020204030204" pitchFamily="34" charset="0"/>
+                        </a:rPr>
+                        <a:t>Photography</a:t>
+                      </a:r>
+                    </a:p>
+                  </a:txBody>
+                  <a:tcPr marL="9525" marR="9525" marT="9525" marB="0" anchor="b"/>
+                </a:tc>
+              </a:tr>
+              <a:tr h="281765">
+                <a:tc>
+                  <a:txBody>
+                    <a:bodyPr/>
+                    <a:lstStyle/>
+                    <a:p>
+                      <a:pPr algn="l" fontAlgn="b"/>
+                      <a:r>
+                        <a:rPr lang="en-US" sz="1800" b="0" i="0" u="none" strike="noStrike">
+                          <a:solidFill>
+                            <a:srgbClr val="000000"/>
+                          </a:solidFill>
+                          <a:effectLst/>
+                          <a:latin typeface="Calibri" panose="020F0502020204030204" pitchFamily="34" charset="0"/>
+                        </a:rPr>
+                        <a:t>com.foxsports.videogo</a:t>
+                      </a:r>
+                    </a:p>
+                  </a:txBody>
+                  <a:tcPr marL="9525" marR="9525" marT="9525" marB="0" anchor="b"/>
+                </a:tc>
+                <a:tc>
+                  <a:txBody>
+                    <a:bodyPr/>
+                    <a:lstStyle/>
+                    <a:p>
+                      <a:pPr algn="l" fontAlgn="b"/>
+                      <a:r>
+                        <a:rPr lang="en-US" sz="1800" b="0" i="0" u="none" strike="noStrike" dirty="0" smtClean="0">
+                          <a:solidFill>
+                            <a:srgbClr val="000000"/>
+                          </a:solidFill>
+                          <a:effectLst/>
+                          <a:latin typeface="Calibri" panose="020F0502020204030204" pitchFamily="34" charset="0"/>
+                        </a:rPr>
+                        <a:t>13</a:t>
+                      </a:r>
+                      <a:endParaRPr lang="en-US" sz="1800" b="0" i="0" u="none" strike="noStrike" dirty="0">
+                        <a:solidFill>
+                          <a:srgbClr val="000000"/>
+                        </a:solidFill>
+                        <a:effectLst/>
+                        <a:latin typeface="Calibri" panose="020F0502020204030204" pitchFamily="34" charset="0"/>
+                      </a:endParaRPr>
+                    </a:p>
+                  </a:txBody>
+                  <a:tcPr marL="9525" marR="9525" marT="9525" marB="0" anchor="b"/>
+                </a:tc>
+                <a:tc>
+                  <a:txBody>
+                    <a:bodyPr/>
+                    <a:lstStyle/>
+                    <a:p>
+                      <a:pPr algn="l" fontAlgn="b"/>
+                      <a:r>
+                        <a:rPr lang="en-US" sz="1800" b="0" i="0" u="none" strike="noStrike">
+                          <a:solidFill>
+                            <a:srgbClr val="000000"/>
+                          </a:solidFill>
+                          <a:effectLst/>
+                          <a:latin typeface="Calibri" panose="020F0502020204030204" pitchFamily="34" charset="0"/>
+                        </a:rPr>
+                        <a:t>Sports</a:t>
+                      </a:r>
+                    </a:p>
+                  </a:txBody>
+                  <a:tcPr marL="9525" marR="9525" marT="9525" marB="0" anchor="b"/>
+                </a:tc>
+              </a:tr>
+              <a:tr h="281765">
+                <a:tc>
+                  <a:txBody>
+                    <a:bodyPr/>
+                    <a:lstStyle/>
+                    <a:p>
+                      <a:pPr algn="l" fontAlgn="b"/>
+                      <a:r>
+                        <a:rPr lang="en-US" sz="1800" b="0" i="0" u="none" strike="noStrike">
+                          <a:solidFill>
+                            <a:srgbClr val="000000"/>
+                          </a:solidFill>
+                          <a:effectLst/>
+                          <a:latin typeface="Calibri" panose="020F0502020204030204" pitchFamily="34" charset="0"/>
+                        </a:rPr>
+                        <a:t>com.theopen</a:t>
+                      </a:r>
+                    </a:p>
+                  </a:txBody>
+                  <a:tcPr marL="9525" marR="9525" marT="9525" marB="0" anchor="b"/>
+                </a:tc>
+                <a:tc>
+                  <a:txBody>
+                    <a:bodyPr/>
+                    <a:lstStyle/>
+                    <a:p>
+                      <a:pPr algn="l" fontAlgn="b"/>
+                      <a:r>
+                        <a:rPr lang="en-US" sz="1800" b="0" i="0" u="none" strike="noStrike" dirty="0" smtClean="0">
+                          <a:solidFill>
+                            <a:srgbClr val="000000"/>
+                          </a:solidFill>
+                          <a:effectLst/>
+                          <a:latin typeface="Calibri" panose="020F0502020204030204" pitchFamily="34" charset="0"/>
+                        </a:rPr>
+                        <a:t>13</a:t>
+                      </a:r>
+                      <a:endParaRPr lang="en-US" sz="1800" b="0" i="0" u="none" strike="noStrike" dirty="0">
+                        <a:solidFill>
+                          <a:srgbClr val="000000"/>
+                        </a:solidFill>
+                        <a:effectLst/>
+                        <a:latin typeface="Calibri" panose="020F0502020204030204" pitchFamily="34" charset="0"/>
+                      </a:endParaRPr>
+                    </a:p>
+                  </a:txBody>
+                  <a:tcPr marL="9525" marR="9525" marT="9525" marB="0" anchor="b"/>
+                </a:tc>
+                <a:tc>
+                  <a:txBody>
+                    <a:bodyPr/>
+                    <a:lstStyle/>
+                    <a:p>
+                      <a:pPr algn="l" fontAlgn="b"/>
+                      <a:r>
+                        <a:rPr lang="en-US" sz="1800" b="0" i="0" u="none" strike="noStrike">
+                          <a:solidFill>
+                            <a:srgbClr val="000000"/>
+                          </a:solidFill>
+                          <a:effectLst/>
+                          <a:latin typeface="Calibri" panose="020F0502020204030204" pitchFamily="34" charset="0"/>
+                        </a:rPr>
+                        <a:t>Sports</a:t>
+                      </a:r>
+                    </a:p>
+                  </a:txBody>
+                  <a:tcPr marL="9525" marR="9525" marT="9525" marB="0" anchor="b"/>
+                </a:tc>
+              </a:tr>
+              <a:tr h="281765">
+                <a:tc>
+                  <a:txBody>
+                    <a:bodyPr/>
+                    <a:lstStyle/>
+                    <a:p>
+                      <a:pPr algn="l" fontAlgn="b"/>
+                      <a:r>
+                        <a:rPr lang="en-US" sz="1800" b="0" i="0" u="none" strike="noStrike" dirty="0" err="1">
+                          <a:solidFill>
+                            <a:srgbClr val="000000"/>
+                          </a:solidFill>
+                          <a:effectLst/>
+                          <a:latin typeface="Calibri" panose="020F0502020204030204" pitchFamily="34" charset="0"/>
+                        </a:rPr>
                         <a:t>com.tregware.radar</a:t>
                       </a:r>
+                      <a:endParaRPr lang="en-US" sz="1800" b="0" i="0" u="none" strike="noStrike" dirty="0">
+                        <a:solidFill>
+                          <a:srgbClr val="000000"/>
+                        </a:solidFill>
+                        <a:effectLst/>
+                        <a:latin typeface="Calibri" panose="020F0502020204030204" pitchFamily="34" charset="0"/>
+                      </a:endParaRPr>
+                    </a:p>
+                  </a:txBody>
+                  <a:tcPr marL="9525" marR="9525" marT="9525" marB="0" anchor="b"/>
+                </a:tc>
+                <a:tc>
+                  <a:txBody>
+                    <a:bodyPr/>
+                    <a:lstStyle/>
+                    <a:p>
+                      <a:pPr algn="l" fontAlgn="b"/>
+                      <a:r>
+                        <a:rPr lang="en-US" sz="1800" b="0" i="0" u="none" strike="noStrike" dirty="0" smtClean="0">
+                          <a:solidFill>
+                            <a:srgbClr val="000000"/>
+                          </a:solidFill>
+                          <a:effectLst/>
+                          <a:latin typeface="Calibri" panose="020F0502020204030204" pitchFamily="34" charset="0"/>
+                        </a:rPr>
+                        <a:t>13</a:t>
+                      </a:r>
+                      <a:endParaRPr lang="en-US" sz="1800" b="0" i="0" u="none" strike="noStrike" dirty="0">
+                        <a:solidFill>
+                          <a:srgbClr val="000000"/>
+                        </a:solidFill>
+                        <a:effectLst/>
+                        <a:latin typeface="Calibri" panose="020F0502020204030204" pitchFamily="34" charset="0"/>
+                      </a:endParaRPr>
                     </a:p>
                   </a:txBody>
                   <a:tcPr marL="9525" marR="9525" marT="9525" marB="0" anchor="b"/>

--- a/documentation/presentations/Google Play Store - Prajit.pptx
+++ b/documentation/presentations/Google Play Store - Prajit.pptx
@@ -3922,7 +3922,6 @@
               <a:rPr lang="en-US" dirty="0"/>
               <a:t>Results for All Medical Apps</a:t>
             </a:r>
-            <a:endParaRPr lang="en-US" dirty="0"/>
           </a:p>
         </p:txBody>
       </p:sp>
@@ -4781,11 +4780,7 @@
           <a:p>
             <a:r>
               <a:rPr lang="en-US" dirty="0" smtClean="0"/>
-              <a:t>R</a:t>
-            </a:r>
-            <a:r>
-              <a:rPr lang="en-US" dirty="0" smtClean="0"/>
-              <a:t>esults for </a:t>
+              <a:t>Results for </a:t>
             </a:r>
             <a:r>
               <a:rPr lang="en-US" dirty="0"/>
@@ -4793,11 +4788,7 @@
             </a:r>
             <a:r>
               <a:rPr lang="en-US" dirty="0" smtClean="0"/>
-              <a:t>ll </a:t>
-            </a:r>
-            <a:r>
-              <a:rPr lang="en-US" dirty="0" smtClean="0"/>
-              <a:t>Health &amp; Fitness Apps</a:t>
+              <a:t>ll Health &amp; Fitness Apps</a:t>
             </a:r>
             <a:endParaRPr lang="en-US" dirty="0"/>
           </a:p>
@@ -11584,7 +11575,18 @@
           <a:p>
             <a:r>
               <a:rPr lang="en-US" dirty="0" smtClean="0"/>
-              <a:t>Homogeneity Score: </a:t>
+              <a:t>K-Means cluster evaluation measures:</a:t>
+            </a:r>
+          </a:p>
+          <a:p>
+            <a:pPr lvl="1"/>
+            <a:r>
+              <a:rPr lang="en-US" dirty="0" smtClean="0"/>
+              <a:t>Homogeneity </a:t>
+            </a:r>
+            <a:r>
+              <a:rPr lang="en-US" dirty="0" smtClean="0"/>
+              <a:t>Score: </a:t>
             </a:r>
             <a:r>
               <a:rPr lang="en-US" dirty="0"/>
@@ -11593,14 +11595,33 @@
             <a:endParaRPr lang="en-US" dirty="0" smtClean="0"/>
           </a:p>
           <a:p>
+            <a:pPr lvl="1"/>
             <a:r>
               <a:rPr lang="en-US" dirty="0" smtClean="0"/>
               <a:t>Completeness Score: </a:t>
             </a:r>
             <a:r>
               <a:rPr lang="en-US" dirty="0"/>
-              <a:t>A clustering result satisfies completeness if all the data points that are members of a given class are elements of the same cluster.</a:t>
+              <a:t>A clustering result satisfies completeness if all the data points that are members of a given class are elements of the same cluster</a:t>
             </a:r>
+            <a:r>
+              <a:rPr lang="en-US" dirty="0" smtClean="0"/>
+              <a:t>.</a:t>
+            </a:r>
+          </a:p>
+          <a:p>
+            <a:r>
+              <a:rPr lang="en-US" dirty="0" smtClean="0"/>
+              <a:t>Working on other measures and K-</a:t>
+            </a:r>
+            <a:r>
+              <a:rPr lang="en-US" dirty="0" err="1" smtClean="0"/>
+              <a:t>Medoid</a:t>
+            </a:r>
+            <a:endParaRPr lang="en-US" dirty="0" smtClean="0"/>
+          </a:p>
+          <a:p>
+            <a:endParaRPr lang="en-US" dirty="0"/>
           </a:p>
         </p:txBody>
       </p:sp>
@@ -11733,15 +11754,7 @@
           <a:p>
             <a:r>
               <a:rPr lang="en-US" dirty="0" smtClean="0"/>
-              <a:t>R</a:t>
-            </a:r>
-            <a:r>
-              <a:rPr lang="en-US" dirty="0" smtClean="0"/>
-              <a:t>esults for Medical &amp; Healthcare </a:t>
-            </a:r>
-            <a:r>
-              <a:rPr lang="en-US" dirty="0" smtClean="0"/>
-              <a:t>Apps</a:t>
+              <a:t>Results for Medical &amp; Healthcare Apps</a:t>
             </a:r>
             <a:endParaRPr lang="en-US" dirty="0"/>
           </a:p>

--- a/documentation/presentations/Google Play Store - Prajit.pptx
+++ b/documentation/presentations/Google Play Store - Prajit.pptx
@@ -18,6 +18,9 @@
     <p:sldId id="268" r:id="rId12"/>
     <p:sldId id="265" r:id="rId13"/>
     <p:sldId id="269" r:id="rId14"/>
+    <p:sldId id="270" r:id="rId15"/>
+    <p:sldId id="271" r:id="rId16"/>
+    <p:sldId id="272" r:id="rId17"/>
   </p:sldIdLst>
   <p:sldSz cx="12192000" cy="6858000"/>
   <p:notesSz cx="6858000" cy="9144000"/>
@@ -350,7 +353,7 @@
           <a:p>
             <a:fld id="{55A6DA04-FF8F-485B-BDEC-A517C9D588C6}" type="datetimeFigureOut">
               <a:rPr lang="en-US" smtClean="0"/>
-              <a:t>7/31/2015</a:t>
+              <a:t>8/7/2015</a:t>
             </a:fld>
             <a:endParaRPr lang="en-US"/>
           </a:p>
@@ -558,7 +561,7 @@
           <a:p>
             <a:fld id="{55A6DA04-FF8F-485B-BDEC-A517C9D588C6}" type="datetimeFigureOut">
               <a:rPr lang="en-US" smtClean="0"/>
-              <a:t>7/31/2015</a:t>
+              <a:t>8/7/2015</a:t>
             </a:fld>
             <a:endParaRPr lang="en-US"/>
           </a:p>
@@ -814,7 +817,7 @@
           <a:p>
             <a:fld id="{55A6DA04-FF8F-485B-BDEC-A517C9D588C6}" type="datetimeFigureOut">
               <a:rPr lang="en-US" smtClean="0"/>
-              <a:t>7/31/2015</a:t>
+              <a:t>8/7/2015</a:t>
             </a:fld>
             <a:endParaRPr lang="en-US"/>
           </a:p>
@@ -984,7 +987,7 @@
           <a:p>
             <a:fld id="{55A6DA04-FF8F-485B-BDEC-A517C9D588C6}" type="datetimeFigureOut">
               <a:rPr lang="en-US" smtClean="0"/>
-              <a:t>7/31/2015</a:t>
+              <a:t>8/7/2015</a:t>
             </a:fld>
             <a:endParaRPr lang="en-US"/>
           </a:p>
@@ -1327,7 +1330,7 @@
           <a:p>
             <a:fld id="{55A6DA04-FF8F-485B-BDEC-A517C9D588C6}" type="datetimeFigureOut">
               <a:rPr lang="en-US" smtClean="0"/>
-              <a:t>7/31/2015</a:t>
+              <a:t>8/7/2015</a:t>
             </a:fld>
             <a:endParaRPr lang="en-US"/>
           </a:p>
@@ -1602,7 +1605,7 @@
           <a:p>
             <a:fld id="{55A6DA04-FF8F-485B-BDEC-A517C9D588C6}" type="datetimeFigureOut">
               <a:rPr lang="en-US" smtClean="0"/>
-              <a:t>7/31/2015</a:t>
+              <a:t>8/7/2015</a:t>
             </a:fld>
             <a:endParaRPr lang="en-US"/>
           </a:p>
@@ -1981,7 +1984,7 @@
           <a:p>
             <a:fld id="{55A6DA04-FF8F-485B-BDEC-A517C9D588C6}" type="datetimeFigureOut">
               <a:rPr lang="en-US" smtClean="0"/>
-              <a:t>7/31/2015</a:t>
+              <a:t>8/7/2015</a:t>
             </a:fld>
             <a:endParaRPr lang="en-US"/>
           </a:p>
@@ -2099,7 +2102,7 @@
           <a:p>
             <a:fld id="{55A6DA04-FF8F-485B-BDEC-A517C9D588C6}" type="datetimeFigureOut">
               <a:rPr lang="en-US" smtClean="0"/>
-              <a:t>7/31/2015</a:t>
+              <a:t>8/7/2015</a:t>
             </a:fld>
             <a:endParaRPr lang="en-US"/>
           </a:p>
@@ -2270,7 +2273,7 @@
           <a:p>
             <a:fld id="{55A6DA04-FF8F-485B-BDEC-A517C9D588C6}" type="datetimeFigureOut">
               <a:rPr lang="en-US" smtClean="0"/>
-              <a:t>7/31/2015</a:t>
+              <a:t>8/7/2015</a:t>
             </a:fld>
             <a:endParaRPr lang="en-US"/>
           </a:p>
@@ -2624,7 +2627,7 @@
           <a:p>
             <a:fld id="{55A6DA04-FF8F-485B-BDEC-A517C9D588C6}" type="datetimeFigureOut">
               <a:rPr lang="en-US" smtClean="0"/>
-              <a:t>7/31/2015</a:t>
+              <a:t>8/7/2015</a:t>
             </a:fld>
             <a:endParaRPr lang="en-US"/>
           </a:p>
@@ -3001,7 +3004,7 @@
           <a:p>
             <a:fld id="{55A6DA04-FF8F-485B-BDEC-A517C9D588C6}" type="datetimeFigureOut">
               <a:rPr lang="en-US" smtClean="0"/>
-              <a:t>7/31/2015</a:t>
+              <a:t>8/7/2015</a:t>
             </a:fld>
             <a:endParaRPr lang="en-US"/>
           </a:p>
@@ -3288,7 +3291,7 @@
           <a:p>
             <a:fld id="{55A6DA04-FF8F-485B-BDEC-A517C9D588C6}" type="datetimeFigureOut">
               <a:rPr lang="en-US" smtClean="0"/>
-              <a:t>7/31/2015</a:t>
+              <a:t>8/7/2015</a:t>
             </a:fld>
             <a:endParaRPr lang="en-US"/>
           </a:p>
@@ -7574,6 +7577,486 @@
 </p:sld>
 </file>
 
+<file path=ppt/slides/slide14.xml><?xml version="1.0" encoding="utf-8"?>
+<p:sld xmlns:a="http://schemas.openxmlformats.org/drawingml/2006/main" xmlns:r="http://schemas.openxmlformats.org/officeDocument/2006/relationships" xmlns:p="http://schemas.openxmlformats.org/presentationml/2006/main">
+  <p:cSld>
+    <p:spTree>
+      <p:nvGrpSpPr>
+        <p:cNvPr id="1" name=""/>
+        <p:cNvGrpSpPr/>
+        <p:nvPr/>
+      </p:nvGrpSpPr>
+      <p:grpSpPr>
+        <a:xfrm>
+          <a:off x="0" y="0"/>
+          <a:ext cx="0" cy="0"/>
+          <a:chOff x="0" y="0"/>
+          <a:chExt cx="0" cy="0"/>
+        </a:xfrm>
+      </p:grpSpPr>
+      <p:sp>
+        <p:nvSpPr>
+          <p:cNvPr id="2" name="Title 1"/>
+          <p:cNvSpPr>
+            <a:spLocks noGrp="1"/>
+          </p:cNvSpPr>
+          <p:nvPr>
+            <p:ph type="title"/>
+          </p:nvPr>
+        </p:nvSpPr>
+        <p:spPr/>
+        <p:txBody>
+          <a:bodyPr/>
+          <a:lstStyle/>
+          <a:p>
+            <a:r>
+              <a:rPr lang="en-US" dirty="0" smtClean="0"/>
+              <a:t>What did we see in cluster 5?</a:t>
+            </a:r>
+            <a:endParaRPr lang="en-US" dirty="0"/>
+          </a:p>
+        </p:txBody>
+      </p:sp>
+      <p:sp>
+        <p:nvSpPr>
+          <p:cNvPr id="3" name="Content Placeholder 2"/>
+          <p:cNvSpPr>
+            <a:spLocks noGrp="1"/>
+          </p:cNvSpPr>
+          <p:nvPr>
+            <p:ph idx="1"/>
+          </p:nvPr>
+        </p:nvSpPr>
+        <p:spPr/>
+        <p:txBody>
+          <a:bodyPr>
+            <a:noAutofit/>
+          </a:bodyPr>
+          <a:lstStyle/>
+          <a:p>
+            <a:pPr>
+              <a:lnSpc>
+                <a:spcPct val="100000"/>
+              </a:lnSpc>
+              <a:spcBef>
+                <a:spcPts val="0"/>
+              </a:spcBef>
+              <a:spcAft>
+                <a:spcPts val="0"/>
+              </a:spcAft>
+            </a:pPr>
+            <a:r>
+              <a:rPr lang="en-US" dirty="0"/>
+              <a:t>read phone status and </a:t>
+            </a:r>
+            <a:r>
+              <a:rPr lang="en-US" dirty="0" smtClean="0"/>
+              <a:t>identity, full </a:t>
+            </a:r>
+            <a:r>
+              <a:rPr lang="en-US" dirty="0"/>
+              <a:t>network access</a:t>
+            </a:r>
+          </a:p>
+          <a:p>
+            <a:pPr>
+              <a:lnSpc>
+                <a:spcPct val="100000"/>
+              </a:lnSpc>
+              <a:spcBef>
+                <a:spcPts val="0"/>
+              </a:spcBef>
+              <a:spcAft>
+                <a:spcPts val="0"/>
+              </a:spcAft>
+            </a:pPr>
+            <a:endParaRPr lang="en-US" dirty="0"/>
+          </a:p>
+          <a:p>
+            <a:pPr>
+              <a:lnSpc>
+                <a:spcPct val="100000"/>
+              </a:lnSpc>
+              <a:spcBef>
+                <a:spcPts val="0"/>
+              </a:spcBef>
+              <a:spcAft>
+                <a:spcPts val="0"/>
+              </a:spcAft>
+            </a:pPr>
+            <a:r>
+              <a:rPr lang="en-US" dirty="0"/>
+              <a:t>read sensitive log </a:t>
+            </a:r>
+            <a:r>
+              <a:rPr lang="en-US" dirty="0" smtClean="0"/>
+              <a:t>data, full </a:t>
+            </a:r>
+            <a:r>
+              <a:rPr lang="en-US" dirty="0"/>
+              <a:t>network access</a:t>
+            </a:r>
+          </a:p>
+          <a:p>
+            <a:pPr>
+              <a:lnSpc>
+                <a:spcPct val="100000"/>
+              </a:lnSpc>
+              <a:spcBef>
+                <a:spcPts val="0"/>
+              </a:spcBef>
+              <a:spcAft>
+                <a:spcPts val="0"/>
+              </a:spcAft>
+            </a:pPr>
+            <a:endParaRPr lang="en-US" dirty="0"/>
+          </a:p>
+          <a:p>
+            <a:pPr>
+              <a:lnSpc>
+                <a:spcPct val="100000"/>
+              </a:lnSpc>
+              <a:spcBef>
+                <a:spcPts val="0"/>
+              </a:spcBef>
+              <a:spcAft>
+                <a:spcPts val="0"/>
+              </a:spcAft>
+            </a:pPr>
+            <a:r>
+              <a:rPr lang="en-US" dirty="0"/>
+              <a:t>find accounts on the </a:t>
+            </a:r>
+            <a:r>
+              <a:rPr lang="en-US" dirty="0" smtClean="0"/>
+              <a:t>device, control vibration, run </a:t>
+            </a:r>
+            <a:r>
+              <a:rPr lang="en-US" dirty="0"/>
+              <a:t>at </a:t>
+            </a:r>
+            <a:r>
+              <a:rPr lang="en-US" dirty="0" smtClean="0"/>
+              <a:t>startup, read </a:t>
+            </a:r>
+            <a:r>
+              <a:rPr lang="en-US" dirty="0"/>
+              <a:t>Google service </a:t>
+            </a:r>
+            <a:r>
+              <a:rPr lang="en-US" dirty="0" smtClean="0"/>
+              <a:t>configuration, full </a:t>
+            </a:r>
+            <a:r>
+              <a:rPr lang="en-US" dirty="0"/>
+              <a:t>network access</a:t>
+            </a:r>
+          </a:p>
+          <a:p>
+            <a:pPr>
+              <a:lnSpc>
+                <a:spcPct val="100000"/>
+              </a:lnSpc>
+              <a:spcBef>
+                <a:spcPts val="0"/>
+              </a:spcBef>
+              <a:spcAft>
+                <a:spcPts val="0"/>
+              </a:spcAft>
+            </a:pPr>
+            <a:endParaRPr lang="en-US" dirty="0"/>
+          </a:p>
+          <a:p>
+            <a:pPr>
+              <a:lnSpc>
+                <a:spcPct val="100000"/>
+              </a:lnSpc>
+              <a:spcBef>
+                <a:spcPts val="0"/>
+              </a:spcBef>
+              <a:spcAft>
+                <a:spcPts val="0"/>
+              </a:spcAft>
+            </a:pPr>
+            <a:r>
+              <a:rPr lang="en-US" dirty="0"/>
+              <a:t>modify or delete the contents of your USB </a:t>
+            </a:r>
+            <a:r>
+              <a:rPr lang="en-US" dirty="0" smtClean="0"/>
+              <a:t>storage, read </a:t>
+            </a:r>
+            <a:r>
+              <a:rPr lang="en-US" dirty="0"/>
+              <a:t>the contents of your USB </a:t>
+            </a:r>
+            <a:r>
+              <a:rPr lang="en-US" dirty="0" smtClean="0"/>
+              <a:t>storage, Wi-Fi </a:t>
+            </a:r>
+            <a:r>
+              <a:rPr lang="en-US" dirty="0"/>
+              <a:t>connection </a:t>
+            </a:r>
+            <a:r>
+              <a:rPr lang="en-US" dirty="0" smtClean="0"/>
+              <a:t>information, view </a:t>
+            </a:r>
+            <a:r>
+              <a:rPr lang="en-US" dirty="0"/>
+              <a:t>Wi-Fi </a:t>
+            </a:r>
+            <a:r>
+              <a:rPr lang="en-US" dirty="0" smtClean="0"/>
+              <a:t>connections, Google </a:t>
+            </a:r>
+            <a:r>
+              <a:rPr lang="en-US" dirty="0"/>
+              <a:t>Play license </a:t>
+            </a:r>
+            <a:r>
+              <a:rPr lang="en-US" dirty="0" smtClean="0"/>
+              <a:t>check, full </a:t>
+            </a:r>
+            <a:r>
+              <a:rPr lang="en-US" dirty="0"/>
+              <a:t>network </a:t>
+            </a:r>
+            <a:r>
+              <a:rPr lang="en-US" dirty="0" smtClean="0"/>
+              <a:t>access, prevent </a:t>
+            </a:r>
+            <a:r>
+              <a:rPr lang="en-US" dirty="0"/>
+              <a:t>device from </a:t>
+            </a:r>
+            <a:r>
+              <a:rPr lang="en-US" dirty="0" smtClean="0"/>
+              <a:t>sleeping, view </a:t>
+            </a:r>
+            <a:r>
+              <a:rPr lang="en-US" dirty="0"/>
+              <a:t>network connections</a:t>
+            </a:r>
+          </a:p>
+          <a:p>
+            <a:pPr>
+              <a:lnSpc>
+                <a:spcPct val="100000"/>
+              </a:lnSpc>
+              <a:spcBef>
+                <a:spcPts val="0"/>
+              </a:spcBef>
+              <a:spcAft>
+                <a:spcPts val="0"/>
+              </a:spcAft>
+            </a:pPr>
+            <a:endParaRPr lang="en-US" dirty="0"/>
+          </a:p>
+          <a:p>
+            <a:pPr>
+              <a:lnSpc>
+                <a:spcPct val="100000"/>
+              </a:lnSpc>
+              <a:spcBef>
+                <a:spcPts val="0"/>
+              </a:spcBef>
+              <a:spcAft>
+                <a:spcPts val="0"/>
+              </a:spcAft>
+            </a:pPr>
+            <a:r>
+              <a:rPr lang="en-US" dirty="0"/>
+              <a:t>precise location (GPS and network-based</a:t>
+            </a:r>
+            <a:r>
+              <a:rPr lang="en-US" dirty="0" smtClean="0"/>
+              <a:t>), draw </a:t>
+            </a:r>
+            <a:r>
+              <a:rPr lang="en-US" dirty="0"/>
+              <a:t>over other apps</a:t>
+            </a:r>
+          </a:p>
+        </p:txBody>
+      </p:sp>
+    </p:spTree>
+    <p:extLst>
+      <p:ext uri="{BB962C8B-B14F-4D97-AF65-F5344CB8AC3E}">
+        <p14:creationId xmlns:p14="http://schemas.microsoft.com/office/powerpoint/2010/main" val="2801186255"/>
+      </p:ext>
+    </p:extLst>
+  </p:cSld>
+  <p:clrMapOvr>
+    <a:masterClrMapping/>
+  </p:clrMapOvr>
+</p:sld>
+</file>
+
+<file path=ppt/slides/slide15.xml><?xml version="1.0" encoding="utf-8"?>
+<p:sld xmlns:a="http://schemas.openxmlformats.org/drawingml/2006/main" xmlns:r="http://schemas.openxmlformats.org/officeDocument/2006/relationships" xmlns:p="http://schemas.openxmlformats.org/presentationml/2006/main">
+  <p:cSld>
+    <p:spTree>
+      <p:nvGrpSpPr>
+        <p:cNvPr id="1" name=""/>
+        <p:cNvGrpSpPr/>
+        <p:nvPr/>
+      </p:nvGrpSpPr>
+      <p:grpSpPr>
+        <a:xfrm>
+          <a:off x="0" y="0"/>
+          <a:ext cx="0" cy="0"/>
+          <a:chOff x="0" y="0"/>
+          <a:chExt cx="0" cy="0"/>
+        </a:xfrm>
+      </p:grpSpPr>
+      <p:sp>
+        <p:nvSpPr>
+          <p:cNvPr id="2" name="Title 1"/>
+          <p:cNvSpPr>
+            <a:spLocks noGrp="1"/>
+          </p:cNvSpPr>
+          <p:nvPr>
+            <p:ph type="title"/>
+          </p:nvPr>
+        </p:nvSpPr>
+        <p:spPr/>
+        <p:txBody>
+          <a:bodyPr/>
+          <a:lstStyle/>
+          <a:p>
+            <a:r>
+              <a:rPr lang="en-US" dirty="0" smtClean="0"/>
+              <a:t>Clustering is not the right way…</a:t>
+            </a:r>
+            <a:endParaRPr lang="en-US" dirty="0"/>
+          </a:p>
+        </p:txBody>
+      </p:sp>
+      <p:pic>
+        <p:nvPicPr>
+          <p:cNvPr id="4" name="Content Placeholder 3"/>
+          <p:cNvPicPr>
+            <a:picLocks noGrp="1" noChangeAspect="1"/>
+          </p:cNvPicPr>
+          <p:nvPr>
+            <p:ph idx="1"/>
+          </p:nvPr>
+        </p:nvPicPr>
+        <p:blipFill>
+          <a:blip r:embed="rId2" cstate="print">
+            <a:extLst>
+              <a:ext uri="{28A0092B-C50C-407E-A947-70E740481C1C}">
+                <a14:useLocalDpi xmlns:a14="http://schemas.microsoft.com/office/drawing/2010/main" val="0"/>
+              </a:ext>
+            </a:extLst>
+          </a:blip>
+          <a:stretch>
+            <a:fillRect/>
+          </a:stretch>
+        </p:blipFill>
+        <p:spPr>
+          <a:xfrm>
+            <a:off x="1097280" y="1846263"/>
+            <a:ext cx="10058400" cy="4460752"/>
+          </a:xfrm>
+        </p:spPr>
+      </p:pic>
+    </p:spTree>
+    <p:extLst>
+      <p:ext uri="{BB962C8B-B14F-4D97-AF65-F5344CB8AC3E}">
+        <p14:creationId xmlns:p14="http://schemas.microsoft.com/office/powerpoint/2010/main" val="3220615127"/>
+      </p:ext>
+    </p:extLst>
+  </p:cSld>
+  <p:clrMapOvr>
+    <a:masterClrMapping/>
+  </p:clrMapOvr>
+</p:sld>
+</file>
+
+<file path=ppt/slides/slide16.xml><?xml version="1.0" encoding="utf-8"?>
+<p:sld xmlns:a="http://schemas.openxmlformats.org/drawingml/2006/main" xmlns:r="http://schemas.openxmlformats.org/officeDocument/2006/relationships" xmlns:p="http://schemas.openxmlformats.org/presentationml/2006/main">
+  <p:cSld>
+    <p:spTree>
+      <p:nvGrpSpPr>
+        <p:cNvPr id="1" name=""/>
+        <p:cNvGrpSpPr/>
+        <p:nvPr/>
+      </p:nvGrpSpPr>
+      <p:grpSpPr>
+        <a:xfrm>
+          <a:off x="0" y="0"/>
+          <a:ext cx="0" cy="0"/>
+          <a:chOff x="0" y="0"/>
+          <a:chExt cx="0" cy="0"/>
+        </a:xfrm>
+      </p:grpSpPr>
+      <p:sp>
+        <p:nvSpPr>
+          <p:cNvPr id="2" name="Title 1"/>
+          <p:cNvSpPr>
+            <a:spLocks noGrp="1"/>
+          </p:cNvSpPr>
+          <p:nvPr>
+            <p:ph type="title"/>
+          </p:nvPr>
+        </p:nvSpPr>
+        <p:spPr/>
+        <p:txBody>
+          <a:bodyPr/>
+          <a:lstStyle/>
+          <a:p>
+            <a:r>
+              <a:rPr lang="en-US" smtClean="0"/>
+              <a:t>Manhattan distance</a:t>
+            </a:r>
+            <a:endParaRPr lang="en-US" dirty="0"/>
+          </a:p>
+        </p:txBody>
+      </p:sp>
+      <p:pic>
+        <p:nvPicPr>
+          <p:cNvPr id="4" name="Content Placeholder 3"/>
+          <p:cNvPicPr>
+            <a:picLocks noGrp="1" noChangeAspect="1"/>
+          </p:cNvPicPr>
+          <p:nvPr>
+            <p:ph idx="1"/>
+          </p:nvPr>
+        </p:nvPicPr>
+        <p:blipFill>
+          <a:blip r:embed="rId2" cstate="print">
+            <a:extLst>
+              <a:ext uri="{28A0092B-C50C-407E-A947-70E740481C1C}">
+                <a14:useLocalDpi xmlns:a14="http://schemas.microsoft.com/office/drawing/2010/main" val="0"/>
+              </a:ext>
+            </a:extLst>
+          </a:blip>
+          <a:stretch>
+            <a:fillRect/>
+          </a:stretch>
+        </p:blipFill>
+        <p:spPr>
+          <a:xfrm>
+            <a:off x="1097280" y="1846263"/>
+            <a:ext cx="10058400" cy="4460752"/>
+          </a:xfrm>
+        </p:spPr>
+      </p:pic>
+    </p:spTree>
+    <p:extLst>
+      <p:ext uri="{BB962C8B-B14F-4D97-AF65-F5344CB8AC3E}">
+        <p14:creationId xmlns:p14="http://schemas.microsoft.com/office/powerpoint/2010/main" val="3697073911"/>
+      </p:ext>
+    </p:extLst>
+  </p:cSld>
+  <p:clrMapOvr>
+    <a:masterClrMapping/>
+  </p:clrMapOvr>
+</p:sld>
+</file>
+
 <file path=ppt/slides/slide2.xml><?xml version="1.0" encoding="utf-8"?>
 <p:sld xmlns:a="http://schemas.openxmlformats.org/drawingml/2006/main" xmlns:r="http://schemas.openxmlformats.org/officeDocument/2006/relationships" xmlns:p="http://schemas.openxmlformats.org/presentationml/2006/main">
   <p:cSld>
@@ -9923,35 +10406,6 @@
           </a:p>
         </p:txBody>
       </p:sp>
-      <p:pic>
-        <p:nvPicPr>
-          <p:cNvPr id="4" name="Content Placeholder 3"/>
-          <p:cNvPicPr>
-            <a:picLocks noGrp="1" noChangeAspect="1"/>
-          </p:cNvPicPr>
-          <p:nvPr>
-            <p:ph idx="1"/>
-          </p:nvPr>
-        </p:nvPicPr>
-        <p:blipFill>
-          <a:blip r:embed="rId2" cstate="print">
-            <a:extLst>
-              <a:ext uri="{28A0092B-C50C-407E-A947-70E740481C1C}">
-                <a14:useLocalDpi xmlns:a14="http://schemas.microsoft.com/office/drawing/2010/main" val="0"/>
-              </a:ext>
-            </a:extLst>
-          </a:blip>
-          <a:stretch>
-            <a:fillRect/>
-          </a:stretch>
-        </p:blipFill>
-        <p:spPr>
-          <a:xfrm>
-            <a:off x="235630" y="1965034"/>
-            <a:ext cx="7872590" cy="4114694"/>
-          </a:xfrm>
-        </p:spPr>
-      </p:pic>
       <p:graphicFrame>
         <p:nvGraphicFramePr>
           <p:cNvPr id="5" name="Table 4"/>
@@ -11380,6 +11834,35 @@
           </a:graphicData>
         </a:graphic>
       </p:graphicFrame>
+      <p:pic>
+        <p:nvPicPr>
+          <p:cNvPr id="8" name="Content Placeholder 7"/>
+          <p:cNvPicPr>
+            <a:picLocks noGrp="1" noChangeAspect="1"/>
+          </p:cNvPicPr>
+          <p:nvPr>
+            <p:ph idx="1"/>
+          </p:nvPr>
+        </p:nvPicPr>
+        <p:blipFill>
+          <a:blip r:embed="rId2" cstate="print">
+            <a:extLst>
+              <a:ext uri="{28A0092B-C50C-407E-A947-70E740481C1C}">
+                <a14:useLocalDpi xmlns:a14="http://schemas.microsoft.com/office/drawing/2010/main" val="0"/>
+              </a:ext>
+            </a:extLst>
+          </a:blip>
+          <a:stretch>
+            <a:fillRect/>
+          </a:stretch>
+        </p:blipFill>
+        <p:spPr>
+          <a:xfrm>
+            <a:off x="-1" y="1854078"/>
+            <a:ext cx="8042031" cy="4335707"/>
+          </a:xfrm>
+        </p:spPr>
+      </p:pic>
     </p:spTree>
     <p:extLst>
       <p:ext uri="{BB962C8B-B14F-4D97-AF65-F5344CB8AC3E}">
@@ -11582,11 +12065,7 @@
             <a:pPr lvl="1"/>
             <a:r>
               <a:rPr lang="en-US" dirty="0" smtClean="0"/>
-              <a:t>Homogeneity </a:t>
-            </a:r>
-            <a:r>
-              <a:rPr lang="en-US" dirty="0" smtClean="0"/>
-              <a:t>Score: </a:t>
+              <a:t>Homogeneity Score: </a:t>
             </a:r>
             <a:r>
               <a:rPr lang="en-US" dirty="0"/>

--- a/documentation/presentations/Google Play Store - Prajit.pptx
+++ b/documentation/presentations/Google Play Store - Prajit.pptx
@@ -3833,7 +3833,12 @@
             <p:ph type="ctrTitle"/>
           </p:nvPr>
         </p:nvSpPr>
-        <p:spPr/>
+        <p:spPr>
+          <a:xfrm>
+            <a:off x="509335" y="750931"/>
+            <a:ext cx="11225465" cy="3566160"/>
+          </a:xfrm>
+        </p:spPr>
         <p:txBody>
           <a:bodyPr>
             <a:normAutofit/>
@@ -3841,10 +3846,26 @@
           <a:lstStyle/>
           <a:p>
             <a:r>
-              <a:rPr lang="en-US" dirty="0" smtClean="0"/>
+              <a:rPr lang="en-US" dirty="0" smtClean="0">
+                <a:effectLst>
+                  <a:outerShdw blurRad="38100" dist="38100" dir="2700000" algn="tl">
+                    <a:srgbClr val="000000">
+                      <a:alpha val="43137"/>
+                    </a:srgbClr>
+                  </a:outerShdw>
+                </a:effectLst>
+              </a:rPr>
               <a:t>Google Play Store: App Permission Analytics</a:t>
             </a:r>
-            <a:endParaRPr lang="en-US" dirty="0"/>
+            <a:endParaRPr lang="en-US" dirty="0">
+              <a:effectLst>
+                <a:outerShdw blurRad="38100" dist="38100" dir="2700000" algn="tl">
+                  <a:srgbClr val="000000">
+                    <a:alpha val="43137"/>
+                  </a:srgbClr>
+                </a:outerShdw>
+              </a:effectLst>
+            </a:endParaRPr>
           </a:p>
         </p:txBody>
       </p:sp>
@@ -3858,22 +3879,100 @@
             <p:ph type="subTitle" idx="1"/>
           </p:nvPr>
         </p:nvSpPr>
-        <p:spPr/>
+        <p:spPr>
+          <a:xfrm>
+            <a:off x="509336" y="4455620"/>
+            <a:ext cx="11225464" cy="1840906"/>
+          </a:xfrm>
+        </p:spPr>
         <p:txBody>
-          <a:bodyPr/>
+          <a:bodyPr>
+            <a:normAutofit/>
+          </a:bodyPr>
           <a:lstStyle/>
           <a:p>
             <a:r>
-              <a:rPr lang="en-US" dirty="0" smtClean="0"/>
-              <a:t>Prajit Kumar Das</a:t>
-            </a:r>
-          </a:p>
-          <a:p>
-            <a:r>
-              <a:rPr lang="en-US" dirty="0" smtClean="0"/>
-              <a:t>Advised by: Dr. Anupam Joshi</a:t>
-            </a:r>
-            <a:endParaRPr lang="en-US" dirty="0"/>
+              <a:rPr lang="en-US" dirty="0" smtClean="0">
+                <a:effectLst>
+                  <a:outerShdw blurRad="38100" dist="38100" dir="2700000" algn="tl">
+                    <a:srgbClr val="000000">
+                      <a:alpha val="43137"/>
+                    </a:srgbClr>
+                  </a:outerShdw>
+                </a:effectLst>
+              </a:rPr>
+              <a:t>Prajit Kumar </a:t>
+            </a:r>
+            <a:r>
+              <a:rPr lang="en-US" dirty="0" smtClean="0">
+                <a:effectLst>
+                  <a:outerShdw blurRad="38100" dist="38100" dir="2700000" algn="tl">
+                    <a:srgbClr val="000000">
+                      <a:alpha val="43137"/>
+                    </a:srgbClr>
+                  </a:outerShdw>
+                </a:effectLst>
+              </a:rPr>
+              <a:t>DaS</a:t>
+            </a:r>
+            <a:endParaRPr lang="en-US" dirty="0" smtClean="0">
+              <a:effectLst>
+                <a:outerShdw blurRad="38100" dist="38100" dir="2700000" algn="tl">
+                  <a:srgbClr val="000000">
+                    <a:alpha val="43137"/>
+                  </a:srgbClr>
+                </a:outerShdw>
+              </a:effectLst>
+            </a:endParaRPr>
+          </a:p>
+          <a:p>
+            <a:r>
+              <a:rPr lang="en-US" dirty="0" smtClean="0">
+                <a:effectLst>
+                  <a:outerShdw blurRad="38100" dist="38100" dir="2700000" algn="tl">
+                    <a:srgbClr val="000000">
+                      <a:alpha val="43137"/>
+                    </a:srgbClr>
+                  </a:outerShdw>
+                </a:effectLst>
+              </a:rPr>
+              <a:t>Advised by: Dr. Anupam </a:t>
+            </a:r>
+            <a:r>
+              <a:rPr lang="en-US" dirty="0" smtClean="0">
+                <a:effectLst>
+                  <a:outerShdw blurRad="38100" dist="38100" dir="2700000" algn="tl">
+                    <a:srgbClr val="000000">
+                      <a:alpha val="43137"/>
+                    </a:srgbClr>
+                  </a:outerShdw>
+                </a:effectLst>
+              </a:rPr>
+              <a:t>Joshi</a:t>
+            </a:r>
+          </a:p>
+          <a:p>
+            <a:r>
+              <a:rPr lang="en-US" dirty="0" smtClean="0">
+                <a:effectLst>
+                  <a:outerShdw blurRad="38100" dist="38100" dir="2700000" algn="tl">
+                    <a:srgbClr val="000000">
+                      <a:alpha val="43137"/>
+                    </a:srgbClr>
+                  </a:outerShdw>
+                </a:effectLst>
+              </a:rPr>
+              <a:t>In collaboration with: Drs. Nilanjan Banerjee, Ryan Robucci</a:t>
+            </a:r>
+            <a:endParaRPr lang="en-US" dirty="0">
+              <a:effectLst>
+                <a:outerShdw blurRad="38100" dist="38100" dir="2700000" algn="tl">
+                  <a:srgbClr val="000000">
+                    <a:alpha val="43137"/>
+                  </a:srgbClr>
+                </a:outerShdw>
+              </a:effectLst>
+            </a:endParaRPr>
           </a:p>
         </p:txBody>
       </p:sp>
@@ -9648,7 +9747,6 @@
               <a:rPr lang="en-US" dirty="0" smtClean="0"/>
               <a:t> (as on August 24, 2015)</a:t>
             </a:r>
-            <a:endParaRPr lang="en-US" dirty="0" smtClean="0"/>
           </a:p>
           <a:p>
             <a:pPr lvl="1"/>
@@ -9665,15 +9763,7 @@
             </a:r>
             <a:r>
               <a:rPr lang="en-US" dirty="0" smtClean="0"/>
-              <a:t> </a:t>
-            </a:r>
-            <a:r>
-              <a:rPr lang="en-US" dirty="0" smtClean="0"/>
-              <a:t>Health </a:t>
-            </a:r>
-            <a:r>
-              <a:rPr lang="en-US" dirty="0" smtClean="0"/>
-              <a:t>&amp; Fitness Apps and </a:t>
+              <a:t> Health &amp; Fitness Apps and </a:t>
             </a:r>
             <a:r>
               <a:rPr lang="en-US" b="1" dirty="0" smtClean="0"/>
@@ -9681,15 +9771,7 @@
             </a:r>
             <a:r>
               <a:rPr lang="en-US" dirty="0" smtClean="0"/>
-              <a:t> </a:t>
-            </a:r>
-            <a:r>
-              <a:rPr lang="en-US" dirty="0" smtClean="0"/>
-              <a:t>Medical </a:t>
-            </a:r>
-            <a:r>
-              <a:rPr lang="en-US" dirty="0" smtClean="0"/>
-              <a:t>Apps</a:t>
+              <a:t> Medical Apps</a:t>
             </a:r>
           </a:p>
           <a:p>
@@ -9718,11 +9800,7 @@
             </a:r>
             <a:r>
               <a:rPr lang="en-US" dirty="0" smtClean="0"/>
-              <a:t> Health </a:t>
-            </a:r>
-            <a:r>
-              <a:rPr lang="en-US" dirty="0" smtClean="0"/>
-              <a:t>&amp; Fitness Apps and </a:t>
+              <a:t> Health &amp; Fitness Apps and </a:t>
             </a:r>
             <a:r>
               <a:rPr lang="en-US" b="1" dirty="0" smtClean="0"/>
@@ -9734,11 +9812,7 @@
             </a:r>
             <a:r>
               <a:rPr lang="en-US" dirty="0" smtClean="0"/>
-              <a:t>Medical </a:t>
-            </a:r>
-            <a:r>
-              <a:rPr lang="en-US" dirty="0" smtClean="0"/>
-              <a:t>Apps</a:t>
+              <a:t>Medical Apps</a:t>
             </a:r>
             <a:endParaRPr lang="en-US" dirty="0"/>
           </a:p>
@@ -9758,7 +9832,6 @@
               <a:rPr lang="en-US" b="1" dirty="0" smtClean="0"/>
               <a:t>933,480</a:t>
             </a:r>
-            <a:endParaRPr lang="en-US" b="1" dirty="0" smtClean="0"/>
           </a:p>
           <a:p>
             <a:pPr lvl="1"/>
@@ -9772,11 +9845,7 @@
             </a:r>
             <a:r>
               <a:rPr lang="en-US" dirty="0" smtClean="0"/>
-              <a:t>Health </a:t>
-            </a:r>
-            <a:r>
-              <a:rPr lang="en-US" dirty="0" smtClean="0"/>
-              <a:t>&amp; Fitness Apps and </a:t>
+              <a:t>Health &amp; Fitness Apps and </a:t>
             </a:r>
             <a:r>
               <a:rPr lang="en-US" b="1" dirty="0"/>
@@ -10010,11 +10079,7 @@
             </a:r>
             <a:r>
               <a:rPr lang="en-US" sz="2000" dirty="0" smtClean="0"/>
-              <a:t> Similarity metric as below</a:t>
-            </a:r>
-            <a:r>
-              <a:rPr lang="en-US" sz="2000" dirty="0" smtClean="0"/>
-              <a:t>:</a:t>
+              <a:t> Similarity metric as below:</a:t>
             </a:r>
           </a:p>
           <a:p>
@@ -10049,8 +10114,8 @@
           </a:p>
         </p:txBody>
       </p:sp>
-      <mc:AlternateContent xmlns:mc="http://schemas.openxmlformats.org/markup-compatibility/2006">
-        <mc:Choice xmlns:a14="http://schemas.microsoft.com/office/drawing/2010/main" Requires="a14">
+      <mc:AlternateContent xmlns:mc="http://schemas.openxmlformats.org/markup-compatibility/2006" xmlns:a14="http://schemas.microsoft.com/office/drawing/2010/main">
+        <mc:Choice Requires="a14">
           <p:sp>
             <p:nvSpPr>
               <p:cNvPr id="5" name="Rectangle 4"/>
@@ -10507,7 +10572,7 @@
             </p:txBody>
           </p:sp>
         </mc:Choice>
-        <mc:Fallback>
+        <mc:Fallback xmlns="">
           <p:sp>
             <p:nvSpPr>
               <p:cNvPr id="5" name="Rectangle 4"/>
@@ -10546,8 +10611,8 @@
           </p:sp>
         </mc:Fallback>
       </mc:AlternateContent>
-      <mc:AlternateContent xmlns:mc="http://schemas.openxmlformats.org/markup-compatibility/2006">
-        <mc:Choice xmlns:a14="http://schemas.microsoft.com/office/drawing/2010/main" Requires="a14">
+      <mc:AlternateContent xmlns:mc="http://schemas.openxmlformats.org/markup-compatibility/2006" xmlns:a14="http://schemas.microsoft.com/office/drawing/2010/main">
+        <mc:Choice Requires="a14">
           <p:sp>
             <p:nvSpPr>
               <p:cNvPr id="6" name="Rectangle 5"/>
@@ -10871,7 +10936,7 @@
             </p:txBody>
           </p:sp>
         </mc:Choice>
-        <mc:Fallback>
+        <mc:Fallback xmlns="">
           <p:sp>
             <p:nvSpPr>
               <p:cNvPr id="6" name="Rectangle 5"/>
@@ -11361,32 +11426,15 @@
             <a:pPr lvl="1"/>
             <a:r>
               <a:rPr lang="en-US" dirty="0" smtClean="0"/>
-              <a:t>235,869 unique </a:t>
-            </a:r>
+              <a:t>235,869 unique permissions</a:t>
+            </a:r>
+          </a:p>
+          <a:p>
+            <a:pPr lvl="1"/>
             <a:r>
               <a:rPr lang="en-US" dirty="0" smtClean="0"/>
-              <a:t>permissions</a:t>
-            </a:r>
-          </a:p>
-          <a:p>
-            <a:pPr lvl="1"/>
-            <a:r>
-              <a:rPr lang="en-US" dirty="0" smtClean="0"/>
-              <a:t>T</a:t>
-            </a:r>
-            <a:r>
-              <a:rPr lang="en-US" dirty="0" smtClean="0"/>
-              <a:t>op </a:t>
-            </a:r>
-            <a:r>
-              <a:rPr lang="en-US" dirty="0" smtClean="0"/>
-              <a:t>20 requested permissions are </a:t>
-            </a:r>
-            <a:r>
-              <a:rPr lang="en-US" dirty="0" smtClean="0"/>
-              <a:t>shown</a:t>
-            </a:r>
-            <a:endParaRPr lang="en-US" dirty="0" smtClean="0"/>
+              <a:t>Top 20 requested permissions are shown</a:t>
+            </a:r>
           </a:p>
           <a:p>
             <a:pPr lvl="1"/>
@@ -12329,7 +12377,6 @@
               <a:rPr lang="en-US" dirty="0" smtClean="0"/>
               <a:t>Healthcare apps</a:t>
             </a:r>
-            <a:endParaRPr lang="en-US" dirty="0" smtClean="0"/>
           </a:p>
         </p:txBody>
       </p:sp>
@@ -13268,7 +13315,6 @@
               <a:rPr lang="en-US" dirty="0" smtClean="0"/>
               <a:t>Medical apps</a:t>
             </a:r>
-            <a:endParaRPr lang="en-US" dirty="0" smtClean="0"/>
           </a:p>
         </p:txBody>
       </p:sp>
@@ -16750,15 +16796,7 @@
           <a:p>
             <a:r>
               <a:rPr lang="en-US" dirty="0" smtClean="0"/>
-              <a:t>Cluster </a:t>
-            </a:r>
-            <a:r>
-              <a:rPr lang="en-US" dirty="0" smtClean="0"/>
-              <a:t>evaluation </a:t>
-            </a:r>
-            <a:r>
-              <a:rPr lang="en-US" dirty="0" smtClean="0"/>
-              <a:t>measures:</a:t>
+              <a:t>Cluster evaluation measures:</a:t>
             </a:r>
           </a:p>
           <a:p>
@@ -16778,11 +16816,7 @@
             </a:pPr>
             <a:r>
               <a:rPr lang="en-US" dirty="0" smtClean="0"/>
-              <a:t>Homogeneity </a:t>
-            </a:r>
-            <a:r>
-              <a:rPr lang="en-US" dirty="0" smtClean="0"/>
-              <a:t>Score: </a:t>
+              <a:t>Homogeneity Score: </a:t>
             </a:r>
             <a:r>
               <a:rPr lang="en-US" dirty="0"/>
@@ -16800,11 +16834,7 @@
             </a:pPr>
             <a:r>
               <a:rPr lang="en-US" dirty="0" smtClean="0"/>
-              <a:t>Completeness </a:t>
-            </a:r>
-            <a:r>
-              <a:rPr lang="en-US" dirty="0" smtClean="0"/>
-              <a:t>Score: </a:t>
+              <a:t>Completeness Score: </a:t>
             </a:r>
             <a:r>
               <a:rPr lang="en-US" dirty="0"/>
